--- a/FFPM/FFPM 753.pptx
+++ b/FFPM/FFPM 753.pptx
@@ -10,11 +10,11 @@
     <p:sldId id="257" r:id="rId4"/>
     <p:sldId id="269" r:id="rId5"/>
     <p:sldId id="260" r:id="rId6"/>
-    <p:sldId id="266" r:id="rId7"/>
+    <p:sldId id="270" r:id="rId7"/>
     <p:sldId id="262" r:id="rId8"/>
-    <p:sldId id="267" r:id="rId9"/>
+    <p:sldId id="271" r:id="rId9"/>
     <p:sldId id="264" r:id="rId10"/>
-    <p:sldId id="268" r:id="rId11"/>
+    <p:sldId id="272" r:id="rId11"/>
   </p:sldIdLst>
   <p:sldSz cx="9144000" cy="5143500" type="screen16x9"/>
   <p:notesSz cx="6858000" cy="9144000"/>
@@ -113,6 +113,22 @@
       </a:defRPr>
     </a:lvl9pPr>
   </p:defaultTextStyle>
+  <p:extLst>
+    <p:ext uri="{EFAFB233-063F-42B5-8137-9DF3F51BA10A}">
+      <p15:sldGuideLst xmlns:p15="http://schemas.microsoft.com/office/powerpoint/2012/main">
+        <p15:guide id="1" orient="horz" pos="1620">
+          <p15:clr>
+            <a:srgbClr val="A4A3A4"/>
+          </p15:clr>
+        </p15:guide>
+        <p15:guide id="2" pos="2880">
+          <p15:clr>
+            <a:srgbClr val="A4A3A4"/>
+          </p15:clr>
+        </p15:guide>
+      </p15:sldGuideLst>
+    </p:ext>
+  </p:extLst>
 </p:presentation>
 </file>
 
@@ -154,10 +170,9 @@
           <a:lstStyle/>
           <a:p>
             <a:r>
-              <a:rPr lang="fr-FR" smtClean="0"/>
+              <a:rPr lang="fr-FR"/>
               <a:t>Cliquez pour modifier le style du titre</a:t>
             </a:r>
-            <a:endParaRPr lang="fr-FR"/>
           </a:p>
         </p:txBody>
       </p:sp>
@@ -273,10 +288,9 @@
           </a:lstStyle>
           <a:p>
             <a:r>
-              <a:rPr lang="fr-FR" smtClean="0"/>
+              <a:rPr lang="fr-FR"/>
               <a:t>Cliquez pour modifier le style des sous-titres du masque</a:t>
             </a:r>
-            <a:endParaRPr lang="fr-FR"/>
           </a:p>
         </p:txBody>
       </p:sp>
@@ -297,7 +311,7 @@
           <a:p>
             <a:fld id="{64D30DA4-00E4-4FED-BB21-48D04C26CD71}" type="datetimeFigureOut">
               <a:rPr lang="fr-FR" smtClean="0"/>
-              <a:t>15/11/2014</a:t>
+              <a:t>18/06/2023</a:t>
             </a:fld>
             <a:endParaRPr lang="fr-FR"/>
           </a:p>
@@ -386,10 +400,9 @@
           <a:lstStyle/>
           <a:p>
             <a:r>
-              <a:rPr lang="fr-FR" smtClean="0"/>
+              <a:rPr lang="fr-FR"/>
               <a:t>Cliquez pour modifier le style du titre</a:t>
             </a:r>
-            <a:endParaRPr lang="fr-FR"/>
           </a:p>
         </p:txBody>
       </p:sp>
@@ -410,38 +423,37 @@
           <a:p>
             <a:pPr lvl="0"/>
             <a:r>
-              <a:rPr lang="fr-FR" smtClean="0"/>
+              <a:rPr lang="fr-FR"/>
               <a:t>Cliquez pour modifier les styles du texte du masque</a:t>
             </a:r>
           </a:p>
           <a:p>
             <a:pPr lvl="1"/>
             <a:r>
-              <a:rPr lang="fr-FR" smtClean="0"/>
+              <a:rPr lang="fr-FR"/>
               <a:t>Deuxième niveau</a:t>
             </a:r>
           </a:p>
           <a:p>
             <a:pPr lvl="2"/>
             <a:r>
-              <a:rPr lang="fr-FR" smtClean="0"/>
+              <a:rPr lang="fr-FR"/>
               <a:t>Troisième niveau</a:t>
             </a:r>
           </a:p>
           <a:p>
             <a:pPr lvl="3"/>
             <a:r>
-              <a:rPr lang="fr-FR" smtClean="0"/>
+              <a:rPr lang="fr-FR"/>
               <a:t>Quatrième niveau</a:t>
             </a:r>
           </a:p>
           <a:p>
             <a:pPr lvl="4"/>
             <a:r>
-              <a:rPr lang="fr-FR" smtClean="0"/>
+              <a:rPr lang="fr-FR"/>
               <a:t>Cinquième niveau</a:t>
             </a:r>
-            <a:endParaRPr lang="fr-FR"/>
           </a:p>
         </p:txBody>
       </p:sp>
@@ -462,7 +474,7 @@
           <a:p>
             <a:fld id="{64D30DA4-00E4-4FED-BB21-48D04C26CD71}" type="datetimeFigureOut">
               <a:rPr lang="fr-FR" smtClean="0"/>
-              <a:t>15/11/2014</a:t>
+              <a:t>18/06/2023</a:t>
             </a:fld>
             <a:endParaRPr lang="fr-FR"/>
           </a:p>
@@ -556,10 +568,9 @@
           <a:lstStyle/>
           <a:p>
             <a:r>
-              <a:rPr lang="fr-FR" smtClean="0"/>
+              <a:rPr lang="fr-FR"/>
               <a:t>Cliquez pour modifier le style du titre</a:t>
             </a:r>
-            <a:endParaRPr lang="fr-FR"/>
           </a:p>
         </p:txBody>
       </p:sp>
@@ -585,38 +596,37 @@
           <a:p>
             <a:pPr lvl="0"/>
             <a:r>
-              <a:rPr lang="fr-FR" smtClean="0"/>
+              <a:rPr lang="fr-FR"/>
               <a:t>Cliquez pour modifier les styles du texte du masque</a:t>
             </a:r>
           </a:p>
           <a:p>
             <a:pPr lvl="1"/>
             <a:r>
-              <a:rPr lang="fr-FR" smtClean="0"/>
+              <a:rPr lang="fr-FR"/>
               <a:t>Deuxième niveau</a:t>
             </a:r>
           </a:p>
           <a:p>
             <a:pPr lvl="2"/>
             <a:r>
-              <a:rPr lang="fr-FR" smtClean="0"/>
+              <a:rPr lang="fr-FR"/>
               <a:t>Troisième niveau</a:t>
             </a:r>
           </a:p>
           <a:p>
             <a:pPr lvl="3"/>
             <a:r>
-              <a:rPr lang="fr-FR" smtClean="0"/>
+              <a:rPr lang="fr-FR"/>
               <a:t>Quatrième niveau</a:t>
             </a:r>
           </a:p>
           <a:p>
             <a:pPr lvl="4"/>
             <a:r>
-              <a:rPr lang="fr-FR" smtClean="0"/>
+              <a:rPr lang="fr-FR"/>
               <a:t>Cinquième niveau</a:t>
             </a:r>
-            <a:endParaRPr lang="fr-FR"/>
           </a:p>
         </p:txBody>
       </p:sp>
@@ -637,7 +647,7 @@
           <a:p>
             <a:fld id="{64D30DA4-00E4-4FED-BB21-48D04C26CD71}" type="datetimeFigureOut">
               <a:rPr lang="fr-FR" smtClean="0"/>
-              <a:t>15/11/2014</a:t>
+              <a:t>18/06/2023</a:t>
             </a:fld>
             <a:endParaRPr lang="fr-FR"/>
           </a:p>
@@ -726,10 +736,9 @@
           <a:lstStyle/>
           <a:p>
             <a:r>
-              <a:rPr lang="fr-FR" smtClean="0"/>
+              <a:rPr lang="fr-FR"/>
               <a:t>Cliquez pour modifier le style du titre</a:t>
             </a:r>
-            <a:endParaRPr lang="fr-FR"/>
           </a:p>
         </p:txBody>
       </p:sp>
@@ -750,38 +759,37 @@
           <a:p>
             <a:pPr lvl="0"/>
             <a:r>
-              <a:rPr lang="fr-FR" smtClean="0"/>
+              <a:rPr lang="fr-FR"/>
               <a:t>Cliquez pour modifier les styles du texte du masque</a:t>
             </a:r>
           </a:p>
           <a:p>
             <a:pPr lvl="1"/>
             <a:r>
-              <a:rPr lang="fr-FR" smtClean="0"/>
+              <a:rPr lang="fr-FR"/>
               <a:t>Deuxième niveau</a:t>
             </a:r>
           </a:p>
           <a:p>
             <a:pPr lvl="2"/>
             <a:r>
-              <a:rPr lang="fr-FR" smtClean="0"/>
+              <a:rPr lang="fr-FR"/>
               <a:t>Troisième niveau</a:t>
             </a:r>
           </a:p>
           <a:p>
             <a:pPr lvl="3"/>
             <a:r>
-              <a:rPr lang="fr-FR" smtClean="0"/>
+              <a:rPr lang="fr-FR"/>
               <a:t>Quatrième niveau</a:t>
             </a:r>
           </a:p>
           <a:p>
             <a:pPr lvl="4"/>
             <a:r>
-              <a:rPr lang="fr-FR" smtClean="0"/>
+              <a:rPr lang="fr-FR"/>
               <a:t>Cinquième niveau</a:t>
             </a:r>
-            <a:endParaRPr lang="fr-FR"/>
           </a:p>
         </p:txBody>
       </p:sp>
@@ -802,7 +810,7 @@
           <a:p>
             <a:fld id="{64D30DA4-00E4-4FED-BB21-48D04C26CD71}" type="datetimeFigureOut">
               <a:rPr lang="fr-FR" smtClean="0"/>
-              <a:t>15/11/2014</a:t>
+              <a:t>18/06/2023</a:t>
             </a:fld>
             <a:endParaRPr lang="fr-FR"/>
           </a:p>
@@ -900,10 +908,9 @@
           </a:lstStyle>
           <a:p>
             <a:r>
-              <a:rPr lang="fr-FR" smtClean="0"/>
+              <a:rPr lang="fr-FR"/>
               <a:t>Cliquez pour modifier le style du titre</a:t>
             </a:r>
-            <a:endParaRPr lang="fr-FR"/>
           </a:p>
         </p:txBody>
       </p:sp>
@@ -1020,7 +1027,7 @@
           <a:p>
             <a:pPr lvl="0"/>
             <a:r>
-              <a:rPr lang="fr-FR" smtClean="0"/>
+              <a:rPr lang="fr-FR"/>
               <a:t>Cliquez pour modifier les styles du texte du masque</a:t>
             </a:r>
           </a:p>
@@ -1043,7 +1050,7 @@
           <a:p>
             <a:fld id="{64D30DA4-00E4-4FED-BB21-48D04C26CD71}" type="datetimeFigureOut">
               <a:rPr lang="fr-FR" smtClean="0"/>
-              <a:t>15/11/2014</a:t>
+              <a:t>18/06/2023</a:t>
             </a:fld>
             <a:endParaRPr lang="fr-FR"/>
           </a:p>
@@ -1132,10 +1139,9 @@
           <a:lstStyle/>
           <a:p>
             <a:r>
-              <a:rPr lang="fr-FR" smtClean="0"/>
+              <a:rPr lang="fr-FR"/>
               <a:t>Cliquez pour modifier le style du titre</a:t>
             </a:r>
-            <a:endParaRPr lang="fr-FR"/>
           </a:p>
         </p:txBody>
       </p:sp>
@@ -1189,38 +1195,37 @@
           <a:p>
             <a:pPr lvl="0"/>
             <a:r>
-              <a:rPr lang="fr-FR" smtClean="0"/>
+              <a:rPr lang="fr-FR"/>
               <a:t>Cliquez pour modifier les styles du texte du masque</a:t>
             </a:r>
           </a:p>
           <a:p>
             <a:pPr lvl="1"/>
             <a:r>
-              <a:rPr lang="fr-FR" smtClean="0"/>
+              <a:rPr lang="fr-FR"/>
               <a:t>Deuxième niveau</a:t>
             </a:r>
           </a:p>
           <a:p>
             <a:pPr lvl="2"/>
             <a:r>
-              <a:rPr lang="fr-FR" smtClean="0"/>
+              <a:rPr lang="fr-FR"/>
               <a:t>Troisième niveau</a:t>
             </a:r>
           </a:p>
           <a:p>
             <a:pPr lvl="3"/>
             <a:r>
-              <a:rPr lang="fr-FR" smtClean="0"/>
+              <a:rPr lang="fr-FR"/>
               <a:t>Quatrième niveau</a:t>
             </a:r>
           </a:p>
           <a:p>
             <a:pPr lvl="4"/>
             <a:r>
-              <a:rPr lang="fr-FR" smtClean="0"/>
+              <a:rPr lang="fr-FR"/>
               <a:t>Cinquième niveau</a:t>
             </a:r>
-            <a:endParaRPr lang="fr-FR"/>
           </a:p>
         </p:txBody>
       </p:sp>
@@ -1274,38 +1279,37 @@
           <a:p>
             <a:pPr lvl="0"/>
             <a:r>
-              <a:rPr lang="fr-FR" smtClean="0"/>
+              <a:rPr lang="fr-FR"/>
               <a:t>Cliquez pour modifier les styles du texte du masque</a:t>
             </a:r>
           </a:p>
           <a:p>
             <a:pPr lvl="1"/>
             <a:r>
-              <a:rPr lang="fr-FR" smtClean="0"/>
+              <a:rPr lang="fr-FR"/>
               <a:t>Deuxième niveau</a:t>
             </a:r>
           </a:p>
           <a:p>
             <a:pPr lvl="2"/>
             <a:r>
-              <a:rPr lang="fr-FR" smtClean="0"/>
+              <a:rPr lang="fr-FR"/>
               <a:t>Troisième niveau</a:t>
             </a:r>
           </a:p>
           <a:p>
             <a:pPr lvl="3"/>
             <a:r>
-              <a:rPr lang="fr-FR" smtClean="0"/>
+              <a:rPr lang="fr-FR"/>
               <a:t>Quatrième niveau</a:t>
             </a:r>
           </a:p>
           <a:p>
             <a:pPr lvl="4"/>
             <a:r>
-              <a:rPr lang="fr-FR" smtClean="0"/>
+              <a:rPr lang="fr-FR"/>
               <a:t>Cinquième niveau</a:t>
             </a:r>
-            <a:endParaRPr lang="fr-FR"/>
           </a:p>
         </p:txBody>
       </p:sp>
@@ -1326,7 +1330,7 @@
           <a:p>
             <a:fld id="{64D30DA4-00E4-4FED-BB21-48D04C26CD71}" type="datetimeFigureOut">
               <a:rPr lang="fr-FR" smtClean="0"/>
-              <a:t>15/11/2014</a:t>
+              <a:t>18/06/2023</a:t>
             </a:fld>
             <a:endParaRPr lang="fr-FR"/>
           </a:p>
@@ -1419,10 +1423,9 @@
           </a:lstStyle>
           <a:p>
             <a:r>
-              <a:rPr lang="fr-FR" smtClean="0"/>
+              <a:rPr lang="fr-FR"/>
               <a:t>Cliquez pour modifier le style du titre</a:t>
             </a:r>
-            <a:endParaRPr lang="fr-FR"/>
           </a:p>
         </p:txBody>
       </p:sp>
@@ -1485,7 +1488,7 @@
           <a:p>
             <a:pPr lvl="0"/>
             <a:r>
-              <a:rPr lang="fr-FR" smtClean="0"/>
+              <a:rPr lang="fr-FR"/>
               <a:t>Cliquez pour modifier les styles du texte du masque</a:t>
             </a:r>
           </a:p>
@@ -1541,38 +1544,37 @@
           <a:p>
             <a:pPr lvl="0"/>
             <a:r>
-              <a:rPr lang="fr-FR" smtClean="0"/>
+              <a:rPr lang="fr-FR"/>
               <a:t>Cliquez pour modifier les styles du texte du masque</a:t>
             </a:r>
           </a:p>
           <a:p>
             <a:pPr lvl="1"/>
             <a:r>
-              <a:rPr lang="fr-FR" smtClean="0"/>
+              <a:rPr lang="fr-FR"/>
               <a:t>Deuxième niveau</a:t>
             </a:r>
           </a:p>
           <a:p>
             <a:pPr lvl="2"/>
             <a:r>
-              <a:rPr lang="fr-FR" smtClean="0"/>
+              <a:rPr lang="fr-FR"/>
               <a:t>Troisième niveau</a:t>
             </a:r>
           </a:p>
           <a:p>
             <a:pPr lvl="3"/>
             <a:r>
-              <a:rPr lang="fr-FR" smtClean="0"/>
+              <a:rPr lang="fr-FR"/>
               <a:t>Quatrième niveau</a:t>
             </a:r>
           </a:p>
           <a:p>
             <a:pPr lvl="4"/>
             <a:r>
-              <a:rPr lang="fr-FR" smtClean="0"/>
+              <a:rPr lang="fr-FR"/>
               <a:t>Cinquième niveau</a:t>
             </a:r>
-            <a:endParaRPr lang="fr-FR"/>
           </a:p>
         </p:txBody>
       </p:sp>
@@ -1635,7 +1637,7 @@
           <a:p>
             <a:pPr lvl="0"/>
             <a:r>
-              <a:rPr lang="fr-FR" smtClean="0"/>
+              <a:rPr lang="fr-FR"/>
               <a:t>Cliquez pour modifier les styles du texte du masque</a:t>
             </a:r>
           </a:p>
@@ -1691,38 +1693,37 @@
           <a:p>
             <a:pPr lvl="0"/>
             <a:r>
-              <a:rPr lang="fr-FR" smtClean="0"/>
+              <a:rPr lang="fr-FR"/>
               <a:t>Cliquez pour modifier les styles du texte du masque</a:t>
             </a:r>
           </a:p>
           <a:p>
             <a:pPr lvl="1"/>
             <a:r>
-              <a:rPr lang="fr-FR" smtClean="0"/>
+              <a:rPr lang="fr-FR"/>
               <a:t>Deuxième niveau</a:t>
             </a:r>
           </a:p>
           <a:p>
             <a:pPr lvl="2"/>
             <a:r>
-              <a:rPr lang="fr-FR" smtClean="0"/>
+              <a:rPr lang="fr-FR"/>
               <a:t>Troisième niveau</a:t>
             </a:r>
           </a:p>
           <a:p>
             <a:pPr lvl="3"/>
             <a:r>
-              <a:rPr lang="fr-FR" smtClean="0"/>
+              <a:rPr lang="fr-FR"/>
               <a:t>Quatrième niveau</a:t>
             </a:r>
           </a:p>
           <a:p>
             <a:pPr lvl="4"/>
             <a:r>
-              <a:rPr lang="fr-FR" smtClean="0"/>
+              <a:rPr lang="fr-FR"/>
               <a:t>Cinquième niveau</a:t>
             </a:r>
-            <a:endParaRPr lang="fr-FR"/>
           </a:p>
         </p:txBody>
       </p:sp>
@@ -1743,7 +1744,7 @@
           <a:p>
             <a:fld id="{64D30DA4-00E4-4FED-BB21-48D04C26CD71}" type="datetimeFigureOut">
               <a:rPr lang="fr-FR" smtClean="0"/>
-              <a:t>15/11/2014</a:t>
+              <a:t>18/06/2023</a:t>
             </a:fld>
             <a:endParaRPr lang="fr-FR"/>
           </a:p>
@@ -1832,10 +1833,9 @@
           <a:lstStyle/>
           <a:p>
             <a:r>
-              <a:rPr lang="fr-FR" smtClean="0"/>
+              <a:rPr lang="fr-FR"/>
               <a:t>Cliquez pour modifier le style du titre</a:t>
             </a:r>
-            <a:endParaRPr lang="fr-FR"/>
           </a:p>
         </p:txBody>
       </p:sp>
@@ -1856,7 +1856,7 @@
           <a:p>
             <a:fld id="{64D30DA4-00E4-4FED-BB21-48D04C26CD71}" type="datetimeFigureOut">
               <a:rPr lang="fr-FR" smtClean="0"/>
-              <a:t>15/11/2014</a:t>
+              <a:t>18/06/2023</a:t>
             </a:fld>
             <a:endParaRPr lang="fr-FR"/>
           </a:p>
@@ -1946,7 +1946,7 @@
           <a:p>
             <a:fld id="{64D30DA4-00E4-4FED-BB21-48D04C26CD71}" type="datetimeFigureOut">
               <a:rPr lang="fr-FR" smtClean="0"/>
-              <a:t>15/11/2014</a:t>
+              <a:t>18/06/2023</a:t>
             </a:fld>
             <a:endParaRPr lang="fr-FR"/>
           </a:p>
@@ -2044,10 +2044,9 @@
           </a:lstStyle>
           <a:p>
             <a:r>
-              <a:rPr lang="fr-FR" smtClean="0"/>
+              <a:rPr lang="fr-FR"/>
               <a:t>Cliquez pour modifier le style du titre</a:t>
             </a:r>
-            <a:endParaRPr lang="fr-FR"/>
           </a:p>
         </p:txBody>
       </p:sp>
@@ -2101,38 +2100,37 @@
           <a:p>
             <a:pPr lvl="0"/>
             <a:r>
-              <a:rPr lang="fr-FR" smtClean="0"/>
+              <a:rPr lang="fr-FR"/>
               <a:t>Cliquez pour modifier les styles du texte du masque</a:t>
             </a:r>
           </a:p>
           <a:p>
             <a:pPr lvl="1"/>
             <a:r>
-              <a:rPr lang="fr-FR" smtClean="0"/>
+              <a:rPr lang="fr-FR"/>
               <a:t>Deuxième niveau</a:t>
             </a:r>
           </a:p>
           <a:p>
             <a:pPr lvl="2"/>
             <a:r>
-              <a:rPr lang="fr-FR" smtClean="0"/>
+              <a:rPr lang="fr-FR"/>
               <a:t>Troisième niveau</a:t>
             </a:r>
           </a:p>
           <a:p>
             <a:pPr lvl="3"/>
             <a:r>
-              <a:rPr lang="fr-FR" smtClean="0"/>
+              <a:rPr lang="fr-FR"/>
               <a:t>Quatrième niveau</a:t>
             </a:r>
           </a:p>
           <a:p>
             <a:pPr lvl="4"/>
             <a:r>
-              <a:rPr lang="fr-FR" smtClean="0"/>
+              <a:rPr lang="fr-FR"/>
               <a:t>Cinquième niveau</a:t>
             </a:r>
-            <a:endParaRPr lang="fr-FR"/>
           </a:p>
         </p:txBody>
       </p:sp>
@@ -2195,7 +2193,7 @@
           <a:p>
             <a:pPr lvl="0"/>
             <a:r>
-              <a:rPr lang="fr-FR" smtClean="0"/>
+              <a:rPr lang="fr-FR"/>
               <a:t>Cliquez pour modifier les styles du texte du masque</a:t>
             </a:r>
           </a:p>
@@ -2218,7 +2216,7 @@
           <a:p>
             <a:fld id="{64D30DA4-00E4-4FED-BB21-48D04C26CD71}" type="datetimeFigureOut">
               <a:rPr lang="fr-FR" smtClean="0"/>
-              <a:t>15/11/2014</a:t>
+              <a:t>18/06/2023</a:t>
             </a:fld>
             <a:endParaRPr lang="fr-FR"/>
           </a:p>
@@ -2316,10 +2314,9 @@
           </a:lstStyle>
           <a:p>
             <a:r>
-              <a:rPr lang="fr-FR" smtClean="0"/>
+              <a:rPr lang="fr-FR"/>
               <a:t>Cliquez pour modifier le style du titre</a:t>
             </a:r>
-            <a:endParaRPr lang="fr-FR"/>
           </a:p>
         </p:txBody>
       </p:sp>
@@ -2443,7 +2440,7 @@
           <a:p>
             <a:pPr lvl="0"/>
             <a:r>
-              <a:rPr lang="fr-FR" smtClean="0"/>
+              <a:rPr lang="fr-FR"/>
               <a:t>Cliquez pour modifier les styles du texte du masque</a:t>
             </a:r>
           </a:p>
@@ -2466,7 +2463,7 @@
           <a:p>
             <a:fld id="{64D30DA4-00E4-4FED-BB21-48D04C26CD71}" type="datetimeFigureOut">
               <a:rPr lang="fr-FR" smtClean="0"/>
-              <a:t>15/11/2014</a:t>
+              <a:t>18/06/2023</a:t>
             </a:fld>
             <a:endParaRPr lang="fr-FR"/>
           </a:p>
@@ -2570,10 +2567,9 @@
           <a:lstStyle/>
           <a:p>
             <a:r>
-              <a:rPr lang="fr-FR" smtClean="0"/>
+              <a:rPr lang="fr-FR"/>
               <a:t>Cliquez pour modifier le style du titre</a:t>
             </a:r>
-            <a:endParaRPr lang="fr-FR"/>
           </a:p>
         </p:txBody>
       </p:sp>
@@ -2604,38 +2600,37 @@
           <a:p>
             <a:pPr lvl="0"/>
             <a:r>
-              <a:rPr lang="fr-FR" smtClean="0"/>
+              <a:rPr lang="fr-FR"/>
               <a:t>Cliquez pour modifier les styles du texte du masque</a:t>
             </a:r>
           </a:p>
           <a:p>
             <a:pPr lvl="1"/>
             <a:r>
-              <a:rPr lang="fr-FR" smtClean="0"/>
+              <a:rPr lang="fr-FR"/>
               <a:t>Deuxième niveau</a:t>
             </a:r>
           </a:p>
           <a:p>
             <a:pPr lvl="2"/>
             <a:r>
-              <a:rPr lang="fr-FR" smtClean="0"/>
+              <a:rPr lang="fr-FR"/>
               <a:t>Troisième niveau</a:t>
             </a:r>
           </a:p>
           <a:p>
             <a:pPr lvl="3"/>
             <a:r>
-              <a:rPr lang="fr-FR" smtClean="0"/>
+              <a:rPr lang="fr-FR"/>
               <a:t>Quatrième niveau</a:t>
             </a:r>
           </a:p>
           <a:p>
             <a:pPr lvl="4"/>
             <a:r>
-              <a:rPr lang="fr-FR" smtClean="0"/>
+              <a:rPr lang="fr-FR"/>
               <a:t>Cinquième niveau</a:t>
             </a:r>
-            <a:endParaRPr lang="fr-FR"/>
           </a:p>
         </p:txBody>
       </p:sp>
@@ -2674,7 +2669,7 @@
           <a:p>
             <a:fld id="{64D30DA4-00E4-4FED-BB21-48D04C26CD71}" type="datetimeFigureOut">
               <a:rPr lang="fr-FR" smtClean="0"/>
-              <a:t>15/11/2014</a:t>
+              <a:t>18/06/2023</a:t>
             </a:fld>
             <a:endParaRPr lang="fr-FR"/>
           </a:p>
@@ -3062,18 +3057,13 @@
           <a:lstStyle/>
           <a:p>
             <a:r>
-              <a:rPr lang="fr-FR" sz="13800" b="1" dirty="0" smtClean="0">
+              <a:rPr lang="fr-FR" sz="13800" b="1" dirty="0">
                 <a:solidFill>
                   <a:srgbClr val="FF0000"/>
                 </a:solidFill>
               </a:rPr>
               <a:t>753</a:t>
             </a:r>
-            <a:endParaRPr lang="fr-FR" sz="13800" b="1" dirty="0">
-              <a:solidFill>
-                <a:srgbClr val="FF0000"/>
-              </a:solidFill>
-            </a:endParaRPr>
           </a:p>
         </p:txBody>
       </p:sp>
@@ -3133,7 +3123,7 @@
         </p:nvSpPr>
         <p:spPr>
           <a:xfrm>
-            <a:off x="-35496" y="339502"/>
+            <a:off x="-108520" y="482189"/>
             <a:ext cx="9144000" cy="4393437"/>
           </a:xfrm>
         </p:spPr>
@@ -3144,10 +3134,7 @@
           <a:lstStyle/>
           <a:p>
             <a:r>
-              <a:rPr lang="en-GB" sz="5400" b="1" i="1" dirty="0" err="1" smtClean="0">
-                <a:solidFill>
-                  <a:srgbClr val="0070C0"/>
-                </a:solidFill>
+              <a:rPr lang="en-GB" sz="5400" b="1" i="1" dirty="0" err="1">
                 <a:effectLst>
                   <a:outerShdw blurRad="38100" dist="38100" dir="2700000" algn="tl">
                     <a:srgbClr val="000000">
@@ -3159,25 +3146,19 @@
               <a:t>Tiako</a:t>
             </a:r>
             <a:r>
-              <a:rPr lang="en-GB" sz="5400" b="1" i="1" dirty="0" smtClean="0">
-                <a:solidFill>
-                  <a:srgbClr val="0070C0"/>
-                </a:solidFill>
-                <a:effectLst>
-                  <a:outerShdw blurRad="38100" dist="38100" dir="2700000" algn="tl">
-                    <a:srgbClr val="000000">
-                      <a:alpha val="43137"/>
-                    </a:srgbClr>
-                  </a:outerShdw>
-                </a:effectLst>
-              </a:rPr>
-              <a:t> </a:t>
-            </a:r>
-            <a:r>
-              <a:rPr lang="en-GB" sz="5400" b="1" i="1" dirty="0" err="1" smtClean="0">
-                <a:solidFill>
-                  <a:srgbClr val="0070C0"/>
-                </a:solidFill>
+              <a:rPr lang="en-GB" sz="5400" b="1" i="1" dirty="0">
+                <a:effectLst>
+                  <a:outerShdw blurRad="38100" dist="38100" dir="2700000" algn="tl">
+                    <a:srgbClr val="000000">
+                      <a:alpha val="43137"/>
+                    </a:srgbClr>
+                  </a:outerShdw>
+                </a:effectLst>
+              </a:rPr>
+              <a:t> </a:t>
+            </a:r>
+            <a:r>
+              <a:rPr lang="en-GB" sz="5400" b="1" i="1" dirty="0" err="1">
                 <a:effectLst>
                   <a:outerShdw blurRad="38100" dist="38100" dir="2700000" algn="tl">
                     <a:srgbClr val="000000">
@@ -3189,25 +3170,19 @@
               <a:t>ny</a:t>
             </a:r>
             <a:r>
-              <a:rPr lang="en-GB" sz="5400" b="1" i="1" dirty="0" smtClean="0">
-                <a:solidFill>
-                  <a:srgbClr val="0070C0"/>
-                </a:solidFill>
-                <a:effectLst>
-                  <a:outerShdw blurRad="38100" dist="38100" dir="2700000" algn="tl">
-                    <a:srgbClr val="000000">
-                      <a:alpha val="43137"/>
-                    </a:srgbClr>
-                  </a:outerShdw>
-                </a:effectLst>
-              </a:rPr>
-              <a:t> </a:t>
-            </a:r>
-            <a:r>
-              <a:rPr lang="en-GB" sz="5400" b="1" i="1" dirty="0" err="1" smtClean="0">
-                <a:solidFill>
-                  <a:srgbClr val="0070C0"/>
-                </a:solidFill>
+              <a:rPr lang="en-GB" sz="5400" b="1" i="1" dirty="0">
+                <a:effectLst>
+                  <a:outerShdw blurRad="38100" dist="38100" dir="2700000" algn="tl">
+                    <a:srgbClr val="000000">
+                      <a:alpha val="43137"/>
+                    </a:srgbClr>
+                  </a:outerShdw>
+                </a:effectLst>
+              </a:rPr>
+              <a:t> </a:t>
+            </a:r>
+            <a:r>
+              <a:rPr lang="en-GB" sz="5400" b="1" i="1" dirty="0" err="1">
                 <a:effectLst>
                   <a:outerShdw blurRad="38100" dist="38100" dir="2700000" algn="tl">
                     <a:srgbClr val="000000">
@@ -3219,25 +3194,19 @@
               <a:t>hiaraka</a:t>
             </a:r>
             <a:r>
-              <a:rPr lang="en-GB" sz="5400" b="1" i="1" dirty="0" smtClean="0">
-                <a:solidFill>
-                  <a:srgbClr val="0070C0"/>
-                </a:solidFill>
-                <a:effectLst>
-                  <a:outerShdw blurRad="38100" dist="38100" dir="2700000" algn="tl">
-                    <a:srgbClr val="000000">
-                      <a:alpha val="43137"/>
-                    </a:srgbClr>
-                  </a:outerShdw>
-                </a:effectLst>
-              </a:rPr>
-              <a:t> </a:t>
-            </a:r>
-            <a:r>
-              <a:rPr lang="en-GB" sz="5400" b="1" i="1" dirty="0" err="1" smtClean="0">
-                <a:solidFill>
-                  <a:srgbClr val="0070C0"/>
-                </a:solidFill>
+              <a:rPr lang="en-GB" sz="5400" b="1" i="1" dirty="0">
+                <a:effectLst>
+                  <a:outerShdw blurRad="38100" dist="38100" dir="2700000" algn="tl">
+                    <a:srgbClr val="000000">
+                      <a:alpha val="43137"/>
+                    </a:srgbClr>
+                  </a:outerShdw>
+                </a:effectLst>
+              </a:rPr>
+              <a:t> </a:t>
+            </a:r>
+            <a:r>
+              <a:rPr lang="en-GB" sz="5400" b="1" i="1" dirty="0" err="1">
                 <a:effectLst>
                   <a:outerShdw blurRad="38100" dist="38100" dir="2700000" algn="tl">
                     <a:srgbClr val="000000">
@@ -3248,26 +3217,8 @@
               </a:rPr>
               <a:t>Aminao</a:t>
             </a:r>
-            <a:r>
-              <a:rPr lang="en-GB" sz="5400" b="1" i="1" dirty="0" smtClean="0">
-                <a:solidFill>
-                  <a:srgbClr val="0070C0"/>
-                </a:solidFill>
-                <a:effectLst>
-                  <a:outerShdw blurRad="38100" dist="38100" dir="2700000" algn="tl">
-                    <a:srgbClr val="000000">
-                      <a:alpha val="43137"/>
-                    </a:srgbClr>
-                  </a:outerShdw>
-                </a:effectLst>
-              </a:rPr>
-              <a:t/>
-            </a:r>
             <a:br>
-              <a:rPr lang="en-GB" sz="5400" b="1" i="1" dirty="0" smtClean="0">
-                <a:solidFill>
-                  <a:srgbClr val="0070C0"/>
-                </a:solidFill>
+              <a:rPr lang="en-GB" sz="5400" b="1" i="1" dirty="0">
                 <a:effectLst>
                   <a:outerShdw blurRad="38100" dist="38100" dir="2700000" algn="tl">
                     <a:srgbClr val="000000">
@@ -3278,25 +3229,7 @@
               </a:rPr>
             </a:br>
             <a:r>
-              <a:rPr lang="en-GB" sz="5400" b="1" i="1" dirty="0" smtClean="0">
-                <a:solidFill>
-                  <a:srgbClr val="0070C0"/>
-                </a:solidFill>
-                <a:effectLst>
-                  <a:outerShdw blurRad="38100" dist="38100" dir="2700000" algn="tl">
-                    <a:srgbClr val="000000">
-                      <a:alpha val="43137"/>
-                    </a:srgbClr>
-                  </a:outerShdw>
-                </a:effectLst>
-              </a:rPr>
-              <a:t>              </a:t>
-            </a:r>
-            <a:r>
-              <a:rPr lang="en-GB" sz="5400" b="1" i="1" dirty="0" err="1" smtClean="0">
-                <a:solidFill>
-                  <a:srgbClr val="0070C0"/>
-                </a:solidFill>
+              <a:rPr lang="en-GB" sz="5400" b="1" i="1" dirty="0" err="1">
                 <a:effectLst>
                   <a:outerShdw blurRad="38100" dist="38100" dir="2700000" algn="tl">
                     <a:srgbClr val="000000">
@@ -3307,26 +3240,8 @@
               </a:rPr>
               <a:t>Jesoa</a:t>
             </a:r>
-            <a:r>
-              <a:rPr lang="en-GB" sz="5400" b="1" i="1" dirty="0" smtClean="0">
-                <a:solidFill>
-                  <a:srgbClr val="0070C0"/>
-                </a:solidFill>
-                <a:effectLst>
-                  <a:outerShdw blurRad="38100" dist="38100" dir="2700000" algn="tl">
-                    <a:srgbClr val="000000">
-                      <a:alpha val="43137"/>
-                    </a:srgbClr>
-                  </a:outerShdw>
-                </a:effectLst>
-              </a:rPr>
-              <a:t/>
-            </a:r>
             <a:br>
-              <a:rPr lang="en-GB" sz="5400" b="1" i="1" dirty="0" smtClean="0">
-                <a:solidFill>
-                  <a:srgbClr val="0070C0"/>
-                </a:solidFill>
+              <a:rPr lang="en-GB" sz="5400" b="1" i="1" dirty="0">
                 <a:effectLst>
                   <a:outerShdw blurRad="38100" dist="38100" dir="2700000" algn="tl">
                     <a:srgbClr val="000000">
@@ -3337,10 +3252,7 @@
               </a:rPr>
             </a:br>
             <a:r>
-              <a:rPr lang="en-GB" sz="5400" b="1" i="1" dirty="0" smtClean="0">
-                <a:solidFill>
-                  <a:srgbClr val="0070C0"/>
-                </a:solidFill>
+              <a:rPr lang="en-GB" sz="5400" b="1" i="1" dirty="0">
                 <a:effectLst>
                   <a:outerShdw blurRad="38100" dist="38100" dir="2700000" algn="tl">
                     <a:srgbClr val="000000">
@@ -3352,10 +3264,7 @@
               <a:t>    Na  </a:t>
             </a:r>
             <a:r>
-              <a:rPr lang="en-GB" sz="5400" b="1" i="1" dirty="0" err="1" smtClean="0">
-                <a:solidFill>
-                  <a:srgbClr val="0070C0"/>
-                </a:solidFill>
+              <a:rPr lang="en-GB" sz="5400" b="1" i="1" dirty="0" err="1">
                 <a:effectLst>
                   <a:outerShdw blurRad="38100" dist="38100" dir="2700000" algn="tl">
                     <a:srgbClr val="000000">
@@ -3367,25 +3276,19 @@
               <a:t>aiza</a:t>
             </a:r>
             <a:r>
-              <a:rPr lang="en-GB" sz="5400" b="1" i="1" dirty="0" smtClean="0">
-                <a:solidFill>
-                  <a:srgbClr val="0070C0"/>
-                </a:solidFill>
-                <a:effectLst>
-                  <a:outerShdw blurRad="38100" dist="38100" dir="2700000" algn="tl">
-                    <a:srgbClr val="000000">
-                      <a:alpha val="43137"/>
-                    </a:srgbClr>
-                  </a:outerShdw>
-                </a:effectLst>
-              </a:rPr>
-              <a:t> </a:t>
-            </a:r>
-            <a:r>
-              <a:rPr lang="en-GB" sz="5400" b="1" i="1" dirty="0" err="1" smtClean="0">
-                <a:solidFill>
-                  <a:srgbClr val="0070C0"/>
-                </a:solidFill>
+              <a:rPr lang="en-GB" sz="5400" b="1" i="1" dirty="0">
+                <a:effectLst>
+                  <a:outerShdw blurRad="38100" dist="38100" dir="2700000" algn="tl">
+                    <a:srgbClr val="000000">
+                      <a:alpha val="43137"/>
+                    </a:srgbClr>
+                  </a:outerShdw>
+                </a:effectLst>
+              </a:rPr>
+              <a:t> </a:t>
+            </a:r>
+            <a:r>
+              <a:rPr lang="en-GB" sz="5400" b="1" i="1" dirty="0" err="1">
                 <a:effectLst>
                   <a:outerShdw blurRad="38100" dist="38100" dir="2700000" algn="tl">
                     <a:srgbClr val="000000">
@@ -3397,10 +3300,7 @@
               <a:t>na</a:t>
             </a:r>
             <a:r>
-              <a:rPr lang="en-GB" sz="5400" b="1" i="1" dirty="0" smtClean="0">
-                <a:solidFill>
-                  <a:srgbClr val="0070C0"/>
-                </a:solidFill>
+              <a:rPr lang="en-GB" sz="5400" b="1" i="1" dirty="0">
                 <a:effectLst>
                   <a:outerShdw blurRad="38100" dist="38100" dir="2700000" algn="tl">
                     <a:srgbClr val="000000">
@@ -3412,10 +3312,7 @@
               <a:t>  </a:t>
             </a:r>
             <a:r>
-              <a:rPr lang="en-GB" sz="5400" b="1" i="1" dirty="0" err="1" smtClean="0">
-                <a:solidFill>
-                  <a:srgbClr val="0070C0"/>
-                </a:solidFill>
+              <a:rPr lang="en-GB" sz="5400" b="1" i="1" dirty="0" err="1">
                 <a:effectLst>
                   <a:outerShdw blurRad="38100" dist="38100" dir="2700000" algn="tl">
                     <a:srgbClr val="000000">
@@ -3427,25 +3324,19 @@
               <a:t>aiza</a:t>
             </a:r>
             <a:r>
-              <a:rPr lang="en-GB" sz="5400" b="1" i="1" dirty="0" smtClean="0">
-                <a:solidFill>
-                  <a:srgbClr val="0070C0"/>
-                </a:solidFill>
-                <a:effectLst>
-                  <a:outerShdw blurRad="38100" dist="38100" dir="2700000" algn="tl">
-                    <a:srgbClr val="000000">
-                      <a:alpha val="43137"/>
-                    </a:srgbClr>
-                  </a:outerShdw>
-                </a:effectLst>
-              </a:rPr>
-              <a:t> </a:t>
-            </a:r>
-            <a:r>
-              <a:rPr lang="en-GB" sz="5400" b="1" i="1" dirty="0" err="1" smtClean="0">
-                <a:solidFill>
-                  <a:srgbClr val="0070C0"/>
-                </a:solidFill>
+              <a:rPr lang="en-GB" sz="5400" b="1" i="1" dirty="0">
+                <a:effectLst>
+                  <a:outerShdw blurRad="38100" dist="38100" dir="2700000" algn="tl">
+                    <a:srgbClr val="000000">
+                      <a:alpha val="43137"/>
+                    </a:srgbClr>
+                  </a:outerShdw>
+                </a:effectLst>
+              </a:rPr>
+              <a:t> </a:t>
+            </a:r>
+            <a:r>
+              <a:rPr lang="en-GB" sz="5400" b="1" i="1" dirty="0" err="1">
                 <a:effectLst>
                   <a:outerShdw blurRad="38100" dist="38100" dir="2700000" algn="tl">
                     <a:srgbClr val="000000">
@@ -3456,26 +3347,8 @@
               </a:rPr>
               <a:t>hitondranao</a:t>
             </a:r>
-            <a:r>
-              <a:rPr lang="en-GB" sz="5400" b="1" i="1" dirty="0" smtClean="0">
-                <a:solidFill>
-                  <a:srgbClr val="0070C0"/>
-                </a:solidFill>
-                <a:effectLst>
-                  <a:outerShdw blurRad="38100" dist="38100" dir="2700000" algn="tl">
-                    <a:srgbClr val="000000">
-                      <a:alpha val="43137"/>
-                    </a:srgbClr>
-                  </a:outerShdw>
-                </a:effectLst>
-              </a:rPr>
-              <a:t/>
-            </a:r>
             <a:br>
-              <a:rPr lang="en-GB" sz="5400" b="1" i="1" dirty="0" smtClean="0">
-                <a:solidFill>
-                  <a:srgbClr val="0070C0"/>
-                </a:solidFill>
+              <a:rPr lang="en-GB" sz="5400" b="1" i="1" dirty="0">
                 <a:effectLst>
                   <a:outerShdw blurRad="38100" dist="38100" dir="2700000" algn="tl">
                     <a:srgbClr val="000000">
@@ -3486,10 +3359,7 @@
               </a:rPr>
             </a:br>
             <a:r>
-              <a:rPr lang="en-GB" sz="5400" b="1" i="1" dirty="0" smtClean="0">
-                <a:solidFill>
-                  <a:srgbClr val="0070C0"/>
-                </a:solidFill>
+              <a:rPr lang="en-GB" sz="5400" b="1" i="1" dirty="0">
                 <a:effectLst>
                   <a:outerShdw blurRad="38100" dist="38100" dir="2700000" algn="tl">
                     <a:srgbClr val="000000">
@@ -3501,10 +3371,7 @@
               <a:t>             </a:t>
             </a:r>
             <a:r>
-              <a:rPr lang="en-GB" sz="5400" b="1" i="1" dirty="0" err="1" smtClean="0">
-                <a:solidFill>
-                  <a:srgbClr val="0070C0"/>
-                </a:solidFill>
+              <a:rPr lang="en-GB" sz="5400" b="1" i="1" dirty="0" err="1">
                 <a:effectLst>
                   <a:outerShdw blurRad="38100" dist="38100" dir="2700000" algn="tl">
                     <a:srgbClr val="000000">
@@ -3515,26 +3382,8 @@
               </a:rPr>
               <a:t>ahy</a:t>
             </a:r>
-            <a:r>
-              <a:rPr lang="en-GB" sz="5400" b="1" i="1" dirty="0" smtClean="0">
-                <a:solidFill>
-                  <a:srgbClr val="0070C0"/>
-                </a:solidFill>
-                <a:effectLst>
-                  <a:outerShdw blurRad="38100" dist="38100" dir="2700000" algn="tl">
-                    <a:srgbClr val="000000">
-                      <a:alpha val="43137"/>
-                    </a:srgbClr>
-                  </a:outerShdw>
-                </a:effectLst>
-              </a:rPr>
-              <a:t/>
-            </a:r>
             <a:br>
-              <a:rPr lang="en-GB" sz="5400" b="1" i="1" dirty="0" smtClean="0">
-                <a:solidFill>
-                  <a:srgbClr val="0070C0"/>
-                </a:solidFill>
+              <a:rPr lang="en-GB" sz="5400" b="1" i="1" dirty="0">
                 <a:effectLst>
                   <a:outerShdw blurRad="38100" dist="38100" dir="2700000" algn="tl">
                     <a:srgbClr val="000000">
@@ -3545,10 +3394,7 @@
               </a:rPr>
             </a:br>
             <a:r>
-              <a:rPr lang="en-GB" sz="5400" b="1" i="1" dirty="0" smtClean="0">
-                <a:solidFill>
-                  <a:srgbClr val="0070C0"/>
-                </a:solidFill>
+              <a:rPr lang="en-GB" sz="5400" b="1" i="1" dirty="0">
                 <a:effectLst>
                   <a:outerShdw blurRad="38100" dist="38100" dir="2700000" algn="tl">
                     <a:srgbClr val="000000">
@@ -3560,10 +3406,7 @@
               <a:t>    </a:t>
             </a:r>
             <a:r>
-              <a:rPr lang="en-GB" sz="5400" b="1" i="1" dirty="0" err="1" smtClean="0">
-                <a:solidFill>
-                  <a:srgbClr val="0070C0"/>
-                </a:solidFill>
+              <a:rPr lang="en-GB" sz="5400" b="1" i="1" dirty="0" err="1">
                 <a:effectLst>
                   <a:outerShdw blurRad="38100" dist="38100" dir="2700000" algn="tl">
                     <a:srgbClr val="000000">
@@ -3575,25 +3418,19 @@
               <a:t>Tiako</a:t>
             </a:r>
             <a:r>
-              <a:rPr lang="en-GB" sz="5400" b="1" i="1" dirty="0" smtClean="0">
-                <a:solidFill>
-                  <a:srgbClr val="0070C0"/>
-                </a:solidFill>
-                <a:effectLst>
-                  <a:outerShdw blurRad="38100" dist="38100" dir="2700000" algn="tl">
-                    <a:srgbClr val="000000">
-                      <a:alpha val="43137"/>
-                    </a:srgbClr>
-                  </a:outerShdw>
-                </a:effectLst>
-              </a:rPr>
-              <a:t> </a:t>
-            </a:r>
-            <a:r>
-              <a:rPr lang="en-GB" sz="5400" b="1" i="1" dirty="0" err="1" smtClean="0">
-                <a:solidFill>
-                  <a:srgbClr val="0070C0"/>
-                </a:solidFill>
+              <a:rPr lang="en-GB" sz="5400" b="1" i="1" dirty="0">
+                <a:effectLst>
+                  <a:outerShdw blurRad="38100" dist="38100" dir="2700000" algn="tl">
+                    <a:srgbClr val="000000">
+                      <a:alpha val="43137"/>
+                    </a:srgbClr>
+                  </a:outerShdw>
+                </a:effectLst>
+              </a:rPr>
+              <a:t> </a:t>
+            </a:r>
+            <a:r>
+              <a:rPr lang="en-GB" sz="5400" b="1" i="1" dirty="0" err="1">
                 <a:effectLst>
                   <a:outerShdw blurRad="38100" dist="38100" dir="2700000" algn="tl">
                     <a:srgbClr val="000000">
@@ -3605,25 +3442,19 @@
               <a:t>hiaraka</a:t>
             </a:r>
             <a:r>
-              <a:rPr lang="en-GB" sz="5400" b="1" i="1" dirty="0" smtClean="0">
-                <a:solidFill>
-                  <a:srgbClr val="0070C0"/>
-                </a:solidFill>
-                <a:effectLst>
-                  <a:outerShdw blurRad="38100" dist="38100" dir="2700000" algn="tl">
-                    <a:srgbClr val="000000">
-                      <a:alpha val="43137"/>
-                    </a:srgbClr>
-                  </a:outerShdw>
-                </a:effectLst>
-              </a:rPr>
-              <a:t> </a:t>
-            </a:r>
-            <a:r>
-              <a:rPr lang="en-GB" sz="5400" b="1" i="1" dirty="0" err="1" smtClean="0">
-                <a:solidFill>
-                  <a:srgbClr val="0070C0"/>
-                </a:solidFill>
+              <a:rPr lang="en-GB" sz="5400" b="1" i="1" dirty="0">
+                <a:effectLst>
+                  <a:outerShdw blurRad="38100" dist="38100" dir="2700000" algn="tl">
+                    <a:srgbClr val="000000">
+                      <a:alpha val="43137"/>
+                    </a:srgbClr>
+                  </a:outerShdw>
+                </a:effectLst>
+              </a:rPr>
+              <a:t> </a:t>
+            </a:r>
+            <a:r>
+              <a:rPr lang="en-GB" sz="5400" b="1" i="1" dirty="0" err="1">
                 <a:effectLst>
                   <a:outerShdw blurRad="38100" dist="38100" dir="2700000" algn="tl">
                     <a:srgbClr val="000000">
@@ -3635,25 +3466,19 @@
               <a:t>Aminao</a:t>
             </a:r>
             <a:r>
-              <a:rPr lang="en-GB" sz="5400" b="1" i="1" dirty="0" smtClean="0">
-                <a:solidFill>
-                  <a:srgbClr val="0070C0"/>
-                </a:solidFill>
-                <a:effectLst>
-                  <a:outerShdw blurRad="38100" dist="38100" dir="2700000" algn="tl">
-                    <a:srgbClr val="000000">
-                      <a:alpha val="43137"/>
-                    </a:srgbClr>
-                  </a:outerShdw>
-                </a:effectLst>
-              </a:rPr>
-              <a:t> </a:t>
-            </a:r>
-            <a:r>
-              <a:rPr lang="en-GB" sz="5400" b="1" i="1" dirty="0" err="1" smtClean="0">
-                <a:solidFill>
-                  <a:srgbClr val="0070C0"/>
-                </a:solidFill>
+              <a:rPr lang="en-GB" sz="5400" b="1" i="1" dirty="0">
+                <a:effectLst>
+                  <a:outerShdw blurRad="38100" dist="38100" dir="2700000" algn="tl">
+                    <a:srgbClr val="000000">
+                      <a:alpha val="43137"/>
+                    </a:srgbClr>
+                  </a:outerShdw>
+                </a:effectLst>
+              </a:rPr>
+              <a:t> </a:t>
+            </a:r>
+            <a:r>
+              <a:rPr lang="en-GB" sz="5400" b="1" i="1" dirty="0" err="1">
                 <a:effectLst>
                   <a:outerShdw blurRad="38100" dist="38100" dir="2700000" algn="tl">
                     <a:srgbClr val="000000">
@@ -3664,26 +3489,8 @@
               </a:rPr>
               <a:t>Jesoa</a:t>
             </a:r>
-            <a:r>
-              <a:rPr lang="en-GB" sz="5400" b="1" i="1" dirty="0" smtClean="0">
-                <a:solidFill>
-                  <a:srgbClr val="0070C0"/>
-                </a:solidFill>
-                <a:effectLst>
-                  <a:outerShdw blurRad="38100" dist="38100" dir="2700000" algn="tl">
-                    <a:srgbClr val="000000">
-                      <a:alpha val="43137"/>
-                    </a:srgbClr>
-                  </a:outerShdw>
-                </a:effectLst>
-              </a:rPr>
-              <a:t/>
-            </a:r>
             <a:br>
-              <a:rPr lang="en-GB" sz="5400" b="1" i="1" dirty="0" smtClean="0">
-                <a:solidFill>
-                  <a:srgbClr val="0070C0"/>
-                </a:solidFill>
+              <a:rPr lang="en-GB" sz="5400" b="1" i="1" dirty="0">
                 <a:effectLst>
                   <a:outerShdw blurRad="38100" dist="38100" dir="2700000" algn="tl">
                     <a:srgbClr val="000000">
@@ -3694,10 +3501,7 @@
               </a:rPr>
             </a:br>
             <a:r>
-              <a:rPr lang="en-GB" sz="5400" b="1" i="1" dirty="0" smtClean="0">
-                <a:solidFill>
-                  <a:srgbClr val="0070C0"/>
-                </a:solidFill>
+              <a:rPr lang="en-GB" sz="5400" b="1" i="1" dirty="0">
                 <a:effectLst>
                   <a:outerShdw blurRad="38100" dist="38100" dir="2700000" algn="tl">
                     <a:srgbClr val="000000">
@@ -3709,10 +3513,7 @@
               <a:t>    </a:t>
             </a:r>
             <a:r>
-              <a:rPr lang="en-GB" sz="5400" b="1" i="1" dirty="0" err="1" smtClean="0">
-                <a:solidFill>
-                  <a:srgbClr val="0070C0"/>
-                </a:solidFill>
+              <a:rPr lang="en-GB" sz="5400" b="1" i="1" dirty="0" err="1">
                 <a:effectLst>
                   <a:outerShdw blurRad="38100" dist="38100" dir="2700000" algn="tl">
                     <a:srgbClr val="000000">
@@ -3724,25 +3525,19 @@
               <a:t>Fa</a:t>
             </a:r>
             <a:r>
-              <a:rPr lang="en-GB" sz="5400" b="1" i="1" dirty="0" smtClean="0">
-                <a:solidFill>
-                  <a:srgbClr val="0070C0"/>
-                </a:solidFill>
-                <a:effectLst>
-                  <a:outerShdw blurRad="38100" dist="38100" dir="2700000" algn="tl">
-                    <a:srgbClr val="000000">
-                      <a:alpha val="43137"/>
-                    </a:srgbClr>
-                  </a:outerShdw>
-                </a:effectLst>
-              </a:rPr>
-              <a:t> </a:t>
-            </a:r>
-            <a:r>
-              <a:rPr lang="en-GB" sz="5400" b="1" i="1" dirty="0" err="1" smtClean="0">
-                <a:solidFill>
-                  <a:srgbClr val="0070C0"/>
-                </a:solidFill>
+              <a:rPr lang="en-GB" sz="5400" b="1" i="1" dirty="0">
+                <a:effectLst>
+                  <a:outerShdw blurRad="38100" dist="38100" dir="2700000" algn="tl">
+                    <a:srgbClr val="000000">
+                      <a:alpha val="43137"/>
+                    </a:srgbClr>
+                  </a:outerShdw>
+                </a:effectLst>
+              </a:rPr>
+              <a:t> </a:t>
+            </a:r>
+            <a:r>
+              <a:rPr lang="en-GB" sz="5400" b="1" i="1" dirty="0" err="1">
                 <a:effectLst>
                   <a:outerShdw blurRad="38100" dist="38100" dir="2700000" algn="tl">
                     <a:srgbClr val="000000">
@@ -3754,10 +3549,7 @@
               <a:t>Hianao</a:t>
             </a:r>
             <a:r>
-              <a:rPr lang="en-GB" sz="5400" b="1" i="1" dirty="0" smtClean="0">
-                <a:solidFill>
-                  <a:srgbClr val="0070C0"/>
-                </a:solidFill>
+              <a:rPr lang="en-GB" sz="5400" b="1" i="1" dirty="0">
                 <a:effectLst>
                   <a:outerShdw blurRad="38100" dist="38100" dir="2700000" algn="tl">
                     <a:srgbClr val="000000">
@@ -3769,10 +3561,7 @@
               <a:t> no </a:t>
             </a:r>
             <a:r>
-              <a:rPr lang="en-GB" sz="5400" b="1" i="1" dirty="0" err="1" smtClean="0">
-                <a:solidFill>
-                  <a:srgbClr val="0070C0"/>
-                </a:solidFill>
+              <a:rPr lang="en-GB" sz="5400" b="1" i="1" dirty="0" err="1">
                 <a:effectLst>
                   <a:outerShdw blurRad="38100" dist="38100" dir="2700000" algn="tl">
                     <a:srgbClr val="000000">
@@ -3784,25 +3573,19 @@
               <a:t>miantso</a:t>
             </a:r>
             <a:r>
-              <a:rPr lang="en-GB" sz="5400" b="1" i="1" dirty="0" smtClean="0">
-                <a:solidFill>
-                  <a:srgbClr val="0070C0"/>
-                </a:solidFill>
-                <a:effectLst>
-                  <a:outerShdw blurRad="38100" dist="38100" dir="2700000" algn="tl">
-                    <a:srgbClr val="000000">
-                      <a:alpha val="43137"/>
-                    </a:srgbClr>
-                  </a:outerShdw>
-                </a:effectLst>
-              </a:rPr>
-              <a:t> </a:t>
-            </a:r>
-            <a:r>
-              <a:rPr lang="en-GB" sz="5400" b="1" i="1" dirty="0" err="1" smtClean="0">
-                <a:solidFill>
-                  <a:srgbClr val="0070C0"/>
-                </a:solidFill>
+              <a:rPr lang="en-GB" sz="5400" b="1" i="1" dirty="0">
+                <a:effectLst>
+                  <a:outerShdw blurRad="38100" dist="38100" dir="2700000" algn="tl">
+                    <a:srgbClr val="000000">
+                      <a:alpha val="43137"/>
+                    </a:srgbClr>
+                  </a:outerShdw>
+                </a:effectLst>
+              </a:rPr>
+              <a:t> </a:t>
+            </a:r>
+            <a:r>
+              <a:rPr lang="en-GB" sz="5400" b="1" i="1" dirty="0" err="1">
                 <a:effectLst>
                   <a:outerShdw blurRad="38100" dist="38100" dir="2700000" algn="tl">
                     <a:srgbClr val="000000">
@@ -3814,10 +3597,7 @@
               <a:t>ahy</a:t>
             </a:r>
             <a:r>
-              <a:rPr lang="en-GB" sz="5400" b="1" i="1" dirty="0" smtClean="0">
-                <a:solidFill>
-                  <a:srgbClr val="0070C0"/>
-                </a:solidFill>
+              <a:rPr lang="en-GB" sz="5400" b="1" i="1" dirty="0">
                 <a:effectLst>
                   <a:outerShdw blurRad="38100" dist="38100" dir="2700000" algn="tl">
                     <a:srgbClr val="000000">
@@ -3829,9 +3609,6 @@
               <a:t>.</a:t>
             </a:r>
             <a:endParaRPr lang="fr-FR" sz="5400" b="1" i="1" dirty="0">
-              <a:solidFill>
-                <a:srgbClr val="0070C0"/>
-              </a:solidFill>
               <a:effectLst>
                 <a:outerShdw blurRad="38100" dist="38100" dir="2700000" algn="tl">
                   <a:srgbClr val="000000">
@@ -3866,7 +3643,7 @@
           <a:lstStyle/>
           <a:p>
             <a:r>
-              <a:rPr lang="fr-FR" sz="4400" i="1" dirty="0" err="1" smtClean="0">
+              <a:rPr lang="fr-FR" sz="4400" i="1" dirty="0" err="1">
                 <a:solidFill>
                   <a:srgbClr val="FF0000"/>
                 </a:solidFill>
@@ -3884,7 +3661,7 @@
     </p:spTree>
     <p:extLst>
       <p:ext uri="{BB962C8B-B14F-4D97-AF65-F5344CB8AC3E}">
-        <p14:creationId xmlns:p14="http://schemas.microsoft.com/office/powerpoint/2010/main" val="2907458033"/>
+        <p14:creationId xmlns:p14="http://schemas.microsoft.com/office/powerpoint/2010/main" val="3830261357"/>
       </p:ext>
     </p:extLst>
   </p:cSld>
@@ -3934,10 +3711,7 @@
           <a:lstStyle/>
           <a:p>
             <a:r>
-              <a:rPr lang="en-GB" sz="5400" b="1" i="1" dirty="0" err="1" smtClean="0">
-                <a:solidFill>
-                  <a:srgbClr val="0070C0"/>
-                </a:solidFill>
+              <a:rPr lang="en-GB" sz="5400" b="1" i="1" dirty="0" err="1">
                 <a:effectLst>
                   <a:outerShdw blurRad="38100" dist="38100" dir="2700000" algn="tl">
                     <a:srgbClr val="000000">
@@ -3949,25 +3723,19 @@
               <a:t>Tiako</a:t>
             </a:r>
             <a:r>
-              <a:rPr lang="en-GB" sz="5400" b="1" i="1" dirty="0" smtClean="0">
-                <a:solidFill>
-                  <a:srgbClr val="0070C0"/>
-                </a:solidFill>
-                <a:effectLst>
-                  <a:outerShdw blurRad="38100" dist="38100" dir="2700000" algn="tl">
-                    <a:srgbClr val="000000">
-                      <a:alpha val="43137"/>
-                    </a:srgbClr>
-                  </a:outerShdw>
-                </a:effectLst>
-              </a:rPr>
-              <a:t> </a:t>
-            </a:r>
-            <a:r>
-              <a:rPr lang="en-GB" sz="5400" b="1" i="1" dirty="0" err="1" smtClean="0">
-                <a:solidFill>
-                  <a:srgbClr val="0070C0"/>
-                </a:solidFill>
+              <a:rPr lang="en-GB" sz="5400" b="1" i="1" dirty="0">
+                <a:effectLst>
+                  <a:outerShdw blurRad="38100" dist="38100" dir="2700000" algn="tl">
+                    <a:srgbClr val="000000">
+                      <a:alpha val="43137"/>
+                    </a:srgbClr>
+                  </a:outerShdw>
+                </a:effectLst>
+              </a:rPr>
+              <a:t> </a:t>
+            </a:r>
+            <a:r>
+              <a:rPr lang="en-GB" sz="5400" b="1" i="1" dirty="0" err="1">
                 <a:effectLst>
                   <a:outerShdw blurRad="38100" dist="38100" dir="2700000" algn="tl">
                     <a:srgbClr val="000000">
@@ -3979,25 +3747,19 @@
               <a:t>ny</a:t>
             </a:r>
             <a:r>
-              <a:rPr lang="en-GB" sz="5400" b="1" i="1" dirty="0" smtClean="0">
-                <a:solidFill>
-                  <a:srgbClr val="0070C0"/>
-                </a:solidFill>
-                <a:effectLst>
-                  <a:outerShdw blurRad="38100" dist="38100" dir="2700000" algn="tl">
-                    <a:srgbClr val="000000">
-                      <a:alpha val="43137"/>
-                    </a:srgbClr>
-                  </a:outerShdw>
-                </a:effectLst>
-              </a:rPr>
-              <a:t> </a:t>
-            </a:r>
-            <a:r>
-              <a:rPr lang="en-GB" sz="5400" b="1" i="1" dirty="0" err="1" smtClean="0">
-                <a:solidFill>
-                  <a:srgbClr val="0070C0"/>
-                </a:solidFill>
+              <a:rPr lang="en-GB" sz="5400" b="1" i="1" dirty="0">
+                <a:effectLst>
+                  <a:outerShdw blurRad="38100" dist="38100" dir="2700000" algn="tl">
+                    <a:srgbClr val="000000">
+                      <a:alpha val="43137"/>
+                    </a:srgbClr>
+                  </a:outerShdw>
+                </a:effectLst>
+              </a:rPr>
+              <a:t> </a:t>
+            </a:r>
+            <a:r>
+              <a:rPr lang="en-GB" sz="5400" b="1" i="1" dirty="0" err="1">
                 <a:effectLst>
                   <a:outerShdw blurRad="38100" dist="38100" dir="2700000" algn="tl">
                     <a:srgbClr val="000000">
@@ -4009,25 +3771,19 @@
               <a:t>hiaraka</a:t>
             </a:r>
             <a:r>
-              <a:rPr lang="en-GB" sz="5400" b="1" i="1" dirty="0" smtClean="0">
-                <a:solidFill>
-                  <a:srgbClr val="0070C0"/>
-                </a:solidFill>
-                <a:effectLst>
-                  <a:outerShdw blurRad="38100" dist="38100" dir="2700000" algn="tl">
-                    <a:srgbClr val="000000">
-                      <a:alpha val="43137"/>
-                    </a:srgbClr>
-                  </a:outerShdw>
-                </a:effectLst>
-              </a:rPr>
-              <a:t> </a:t>
-            </a:r>
-            <a:r>
-              <a:rPr lang="en-GB" sz="5400" b="1" i="1" dirty="0" err="1" smtClean="0">
-                <a:solidFill>
-                  <a:srgbClr val="0070C0"/>
-                </a:solidFill>
+              <a:rPr lang="en-GB" sz="5400" b="1" i="1" dirty="0">
+                <a:effectLst>
+                  <a:outerShdw blurRad="38100" dist="38100" dir="2700000" algn="tl">
+                    <a:srgbClr val="000000">
+                      <a:alpha val="43137"/>
+                    </a:srgbClr>
+                  </a:outerShdw>
+                </a:effectLst>
+              </a:rPr>
+              <a:t> </a:t>
+            </a:r>
+            <a:r>
+              <a:rPr lang="en-GB" sz="5400" b="1" i="1" dirty="0" err="1">
                 <a:effectLst>
                   <a:outerShdw blurRad="38100" dist="38100" dir="2700000" algn="tl">
                     <a:srgbClr val="000000">
@@ -4038,26 +3794,8 @@
               </a:rPr>
               <a:t>Aminao</a:t>
             </a:r>
-            <a:r>
-              <a:rPr lang="en-GB" sz="5400" b="1" i="1" dirty="0" smtClean="0">
-                <a:solidFill>
-                  <a:srgbClr val="0070C0"/>
-                </a:solidFill>
-                <a:effectLst>
-                  <a:outerShdw blurRad="38100" dist="38100" dir="2700000" algn="tl">
-                    <a:srgbClr val="000000">
-                      <a:alpha val="43137"/>
-                    </a:srgbClr>
-                  </a:outerShdw>
-                </a:effectLst>
-              </a:rPr>
-              <a:t/>
-            </a:r>
             <a:br>
-              <a:rPr lang="en-GB" sz="5400" b="1" i="1" dirty="0" smtClean="0">
-                <a:solidFill>
-                  <a:srgbClr val="0070C0"/>
-                </a:solidFill>
+              <a:rPr lang="en-GB" sz="5400" b="1" i="1" dirty="0">
                 <a:effectLst>
                   <a:outerShdw blurRad="38100" dist="38100" dir="2700000" algn="tl">
                     <a:srgbClr val="000000">
@@ -4068,10 +3806,7 @@
               </a:rPr>
             </a:br>
             <a:r>
-              <a:rPr lang="en-GB" sz="5400" b="1" i="1" dirty="0" err="1" smtClean="0">
-                <a:solidFill>
-                  <a:srgbClr val="0070C0"/>
-                </a:solidFill>
+              <a:rPr lang="en-GB" sz="5400" b="1" i="1" dirty="0" err="1">
                 <a:effectLst>
                   <a:outerShdw blurRad="38100" dist="38100" dir="2700000" algn="tl">
                     <a:srgbClr val="000000">
@@ -4082,26 +3817,8 @@
               </a:rPr>
               <a:t>Jesoa</a:t>
             </a:r>
-            <a:r>
-              <a:rPr lang="en-GB" sz="5400" b="1" i="1" dirty="0" smtClean="0">
-                <a:solidFill>
-                  <a:srgbClr val="0070C0"/>
-                </a:solidFill>
-                <a:effectLst>
-                  <a:outerShdw blurRad="38100" dist="38100" dir="2700000" algn="tl">
-                    <a:srgbClr val="000000">
-                      <a:alpha val="43137"/>
-                    </a:srgbClr>
-                  </a:outerShdw>
-                </a:effectLst>
-              </a:rPr>
-              <a:t/>
-            </a:r>
             <a:br>
-              <a:rPr lang="en-GB" sz="5400" b="1" i="1" dirty="0" smtClean="0">
-                <a:solidFill>
-                  <a:srgbClr val="0070C0"/>
-                </a:solidFill>
+              <a:rPr lang="en-GB" sz="5400" b="1" i="1" dirty="0">
                 <a:effectLst>
                   <a:outerShdw blurRad="38100" dist="38100" dir="2700000" algn="tl">
                     <a:srgbClr val="000000">
@@ -4112,10 +3829,7 @@
               </a:rPr>
             </a:br>
             <a:r>
-              <a:rPr lang="en-GB" sz="5400" b="1" i="1" dirty="0" smtClean="0">
-                <a:solidFill>
-                  <a:srgbClr val="0070C0"/>
-                </a:solidFill>
+              <a:rPr lang="en-GB" sz="5400" b="1" i="1" dirty="0">
                 <a:effectLst>
                   <a:outerShdw blurRad="38100" dist="38100" dir="2700000" algn="tl">
                     <a:srgbClr val="000000">
@@ -4127,10 +3841,7 @@
               <a:t>    Na  </a:t>
             </a:r>
             <a:r>
-              <a:rPr lang="en-GB" sz="5400" b="1" i="1" dirty="0" err="1" smtClean="0">
-                <a:solidFill>
-                  <a:srgbClr val="0070C0"/>
-                </a:solidFill>
+              <a:rPr lang="en-GB" sz="5400" b="1" i="1" dirty="0" err="1">
                 <a:effectLst>
                   <a:outerShdw blurRad="38100" dist="38100" dir="2700000" algn="tl">
                     <a:srgbClr val="000000">
@@ -4142,25 +3853,19 @@
               <a:t>aiza</a:t>
             </a:r>
             <a:r>
-              <a:rPr lang="en-GB" sz="5400" b="1" i="1" dirty="0" smtClean="0">
-                <a:solidFill>
-                  <a:srgbClr val="0070C0"/>
-                </a:solidFill>
-                <a:effectLst>
-                  <a:outerShdw blurRad="38100" dist="38100" dir="2700000" algn="tl">
-                    <a:srgbClr val="000000">
-                      <a:alpha val="43137"/>
-                    </a:srgbClr>
-                  </a:outerShdw>
-                </a:effectLst>
-              </a:rPr>
-              <a:t> </a:t>
-            </a:r>
-            <a:r>
-              <a:rPr lang="en-GB" sz="5400" b="1" i="1" dirty="0" err="1" smtClean="0">
-                <a:solidFill>
-                  <a:srgbClr val="0070C0"/>
-                </a:solidFill>
+              <a:rPr lang="en-GB" sz="5400" b="1" i="1" dirty="0">
+                <a:effectLst>
+                  <a:outerShdw blurRad="38100" dist="38100" dir="2700000" algn="tl">
+                    <a:srgbClr val="000000">
+                      <a:alpha val="43137"/>
+                    </a:srgbClr>
+                  </a:outerShdw>
+                </a:effectLst>
+              </a:rPr>
+              <a:t> </a:t>
+            </a:r>
+            <a:r>
+              <a:rPr lang="en-GB" sz="5400" b="1" i="1" dirty="0" err="1">
                 <a:effectLst>
                   <a:outerShdw blurRad="38100" dist="38100" dir="2700000" algn="tl">
                     <a:srgbClr val="000000">
@@ -4172,10 +3877,7 @@
               <a:t>na</a:t>
             </a:r>
             <a:r>
-              <a:rPr lang="en-GB" sz="5400" b="1" i="1" dirty="0" smtClean="0">
-                <a:solidFill>
-                  <a:srgbClr val="0070C0"/>
-                </a:solidFill>
+              <a:rPr lang="en-GB" sz="5400" b="1" i="1" dirty="0">
                 <a:effectLst>
                   <a:outerShdw blurRad="38100" dist="38100" dir="2700000" algn="tl">
                     <a:srgbClr val="000000">
@@ -4187,10 +3889,7 @@
               <a:t>  </a:t>
             </a:r>
             <a:r>
-              <a:rPr lang="en-GB" sz="5400" b="1" i="1" dirty="0" err="1" smtClean="0">
-                <a:solidFill>
-                  <a:srgbClr val="0070C0"/>
-                </a:solidFill>
+              <a:rPr lang="en-GB" sz="5400" b="1" i="1" dirty="0" err="1">
                 <a:effectLst>
                   <a:outerShdw blurRad="38100" dist="38100" dir="2700000" algn="tl">
                     <a:srgbClr val="000000">
@@ -4202,25 +3901,19 @@
               <a:t>aiza</a:t>
             </a:r>
             <a:r>
-              <a:rPr lang="en-GB" sz="5400" b="1" i="1" dirty="0" smtClean="0">
-                <a:solidFill>
-                  <a:srgbClr val="0070C0"/>
-                </a:solidFill>
-                <a:effectLst>
-                  <a:outerShdw blurRad="38100" dist="38100" dir="2700000" algn="tl">
-                    <a:srgbClr val="000000">
-                      <a:alpha val="43137"/>
-                    </a:srgbClr>
-                  </a:outerShdw>
-                </a:effectLst>
-              </a:rPr>
-              <a:t> </a:t>
-            </a:r>
-            <a:r>
-              <a:rPr lang="en-GB" sz="5400" b="1" i="1" dirty="0" err="1" smtClean="0">
-                <a:solidFill>
-                  <a:srgbClr val="0070C0"/>
-                </a:solidFill>
+              <a:rPr lang="en-GB" sz="5400" b="1" i="1" dirty="0">
+                <a:effectLst>
+                  <a:outerShdw blurRad="38100" dist="38100" dir="2700000" algn="tl">
+                    <a:srgbClr val="000000">
+                      <a:alpha val="43137"/>
+                    </a:srgbClr>
+                  </a:outerShdw>
+                </a:effectLst>
+              </a:rPr>
+              <a:t> </a:t>
+            </a:r>
+            <a:r>
+              <a:rPr lang="en-GB" sz="5400" b="1" i="1" dirty="0" err="1">
                 <a:effectLst>
                   <a:outerShdw blurRad="38100" dist="38100" dir="2700000" algn="tl">
                     <a:srgbClr val="000000">
@@ -4231,26 +3924,8 @@
               </a:rPr>
               <a:t>hitondranao</a:t>
             </a:r>
-            <a:r>
-              <a:rPr lang="en-GB" sz="5400" b="1" i="1" dirty="0" smtClean="0">
-                <a:solidFill>
-                  <a:srgbClr val="0070C0"/>
-                </a:solidFill>
-                <a:effectLst>
-                  <a:outerShdw blurRad="38100" dist="38100" dir="2700000" algn="tl">
-                    <a:srgbClr val="000000">
-                      <a:alpha val="43137"/>
-                    </a:srgbClr>
-                  </a:outerShdw>
-                </a:effectLst>
-              </a:rPr>
-              <a:t/>
-            </a:r>
             <a:br>
-              <a:rPr lang="en-GB" sz="5400" b="1" i="1" dirty="0" smtClean="0">
-                <a:solidFill>
-                  <a:srgbClr val="0070C0"/>
-                </a:solidFill>
+              <a:rPr lang="en-GB" sz="5400" b="1" i="1" dirty="0">
                 <a:effectLst>
                   <a:outerShdw blurRad="38100" dist="38100" dir="2700000" algn="tl">
                     <a:srgbClr val="000000">
@@ -4261,10 +3936,7 @@
               </a:rPr>
             </a:br>
             <a:r>
-              <a:rPr lang="en-GB" sz="5400" b="1" i="1" dirty="0" smtClean="0">
-                <a:solidFill>
-                  <a:srgbClr val="0070C0"/>
-                </a:solidFill>
+              <a:rPr lang="en-GB" sz="5400" b="1" i="1" dirty="0">
                 <a:effectLst>
                   <a:outerShdw blurRad="38100" dist="38100" dir="2700000" algn="tl">
                     <a:srgbClr val="000000">
@@ -4276,10 +3948,7 @@
               <a:t>             </a:t>
             </a:r>
             <a:r>
-              <a:rPr lang="en-GB" sz="5400" b="1" i="1" dirty="0" err="1" smtClean="0">
-                <a:solidFill>
-                  <a:srgbClr val="0070C0"/>
-                </a:solidFill>
+              <a:rPr lang="en-GB" sz="5400" b="1" i="1" dirty="0" err="1">
                 <a:effectLst>
                   <a:outerShdw blurRad="38100" dist="38100" dir="2700000" algn="tl">
                     <a:srgbClr val="000000">
@@ -4290,26 +3959,8 @@
               </a:rPr>
               <a:t>ahy</a:t>
             </a:r>
-            <a:r>
-              <a:rPr lang="en-GB" sz="5400" b="1" i="1" dirty="0" smtClean="0">
-                <a:solidFill>
-                  <a:srgbClr val="0070C0"/>
-                </a:solidFill>
-                <a:effectLst>
-                  <a:outerShdw blurRad="38100" dist="38100" dir="2700000" algn="tl">
-                    <a:srgbClr val="000000">
-                      <a:alpha val="43137"/>
-                    </a:srgbClr>
-                  </a:outerShdw>
-                </a:effectLst>
-              </a:rPr>
-              <a:t/>
-            </a:r>
             <a:br>
-              <a:rPr lang="en-GB" sz="5400" b="1" i="1" dirty="0" smtClean="0">
-                <a:solidFill>
-                  <a:srgbClr val="0070C0"/>
-                </a:solidFill>
+              <a:rPr lang="en-GB" sz="5400" b="1" i="1" dirty="0">
                 <a:effectLst>
                   <a:outerShdw blurRad="38100" dist="38100" dir="2700000" algn="tl">
                     <a:srgbClr val="000000">
@@ -4320,10 +3971,7 @@
               </a:rPr>
             </a:br>
             <a:r>
-              <a:rPr lang="en-GB" sz="5400" b="1" i="1" dirty="0" smtClean="0">
-                <a:solidFill>
-                  <a:srgbClr val="0070C0"/>
-                </a:solidFill>
+              <a:rPr lang="en-GB" sz="5400" b="1" i="1" dirty="0">
                 <a:effectLst>
                   <a:outerShdw blurRad="38100" dist="38100" dir="2700000" algn="tl">
                     <a:srgbClr val="000000">
@@ -4335,10 +3983,7 @@
               <a:t>    </a:t>
             </a:r>
             <a:r>
-              <a:rPr lang="en-GB" sz="5400" b="1" i="1" dirty="0" err="1" smtClean="0">
-                <a:solidFill>
-                  <a:srgbClr val="0070C0"/>
-                </a:solidFill>
+              <a:rPr lang="en-GB" sz="5400" b="1" i="1" dirty="0" err="1">
                 <a:effectLst>
                   <a:outerShdw blurRad="38100" dist="38100" dir="2700000" algn="tl">
                     <a:srgbClr val="000000">
@@ -4350,25 +3995,19 @@
               <a:t>Tiako</a:t>
             </a:r>
             <a:r>
-              <a:rPr lang="en-GB" sz="5400" b="1" i="1" dirty="0" smtClean="0">
-                <a:solidFill>
-                  <a:srgbClr val="0070C0"/>
-                </a:solidFill>
-                <a:effectLst>
-                  <a:outerShdw blurRad="38100" dist="38100" dir="2700000" algn="tl">
-                    <a:srgbClr val="000000">
-                      <a:alpha val="43137"/>
-                    </a:srgbClr>
-                  </a:outerShdw>
-                </a:effectLst>
-              </a:rPr>
-              <a:t> </a:t>
-            </a:r>
-            <a:r>
-              <a:rPr lang="en-GB" sz="5400" b="1" i="1" dirty="0" err="1" smtClean="0">
-                <a:solidFill>
-                  <a:srgbClr val="0070C0"/>
-                </a:solidFill>
+              <a:rPr lang="en-GB" sz="5400" b="1" i="1" dirty="0">
+                <a:effectLst>
+                  <a:outerShdw blurRad="38100" dist="38100" dir="2700000" algn="tl">
+                    <a:srgbClr val="000000">
+                      <a:alpha val="43137"/>
+                    </a:srgbClr>
+                  </a:outerShdw>
+                </a:effectLst>
+              </a:rPr>
+              <a:t> </a:t>
+            </a:r>
+            <a:r>
+              <a:rPr lang="en-GB" sz="5400" b="1" i="1" dirty="0" err="1">
                 <a:effectLst>
                   <a:outerShdw blurRad="38100" dist="38100" dir="2700000" algn="tl">
                     <a:srgbClr val="000000">
@@ -4380,25 +4019,19 @@
               <a:t>hiaraka</a:t>
             </a:r>
             <a:r>
-              <a:rPr lang="en-GB" sz="5400" b="1" i="1" dirty="0" smtClean="0">
-                <a:solidFill>
-                  <a:srgbClr val="0070C0"/>
-                </a:solidFill>
-                <a:effectLst>
-                  <a:outerShdw blurRad="38100" dist="38100" dir="2700000" algn="tl">
-                    <a:srgbClr val="000000">
-                      <a:alpha val="43137"/>
-                    </a:srgbClr>
-                  </a:outerShdw>
-                </a:effectLst>
-              </a:rPr>
-              <a:t> </a:t>
-            </a:r>
-            <a:r>
-              <a:rPr lang="en-GB" sz="5400" b="1" i="1" dirty="0" err="1" smtClean="0">
-                <a:solidFill>
-                  <a:srgbClr val="0070C0"/>
-                </a:solidFill>
+              <a:rPr lang="en-GB" sz="5400" b="1" i="1" dirty="0">
+                <a:effectLst>
+                  <a:outerShdw blurRad="38100" dist="38100" dir="2700000" algn="tl">
+                    <a:srgbClr val="000000">
+                      <a:alpha val="43137"/>
+                    </a:srgbClr>
+                  </a:outerShdw>
+                </a:effectLst>
+              </a:rPr>
+              <a:t> </a:t>
+            </a:r>
+            <a:r>
+              <a:rPr lang="en-GB" sz="5400" b="1" i="1" dirty="0" err="1">
                 <a:effectLst>
                   <a:outerShdw blurRad="38100" dist="38100" dir="2700000" algn="tl">
                     <a:srgbClr val="000000">
@@ -4410,25 +4043,19 @@
               <a:t>Aminao</a:t>
             </a:r>
             <a:r>
-              <a:rPr lang="en-GB" sz="5400" b="1" i="1" dirty="0" smtClean="0">
-                <a:solidFill>
-                  <a:srgbClr val="0070C0"/>
-                </a:solidFill>
-                <a:effectLst>
-                  <a:outerShdw blurRad="38100" dist="38100" dir="2700000" algn="tl">
-                    <a:srgbClr val="000000">
-                      <a:alpha val="43137"/>
-                    </a:srgbClr>
-                  </a:outerShdw>
-                </a:effectLst>
-              </a:rPr>
-              <a:t> </a:t>
-            </a:r>
-            <a:r>
-              <a:rPr lang="en-GB" sz="5400" b="1" i="1" dirty="0" err="1" smtClean="0">
-                <a:solidFill>
-                  <a:srgbClr val="0070C0"/>
-                </a:solidFill>
+              <a:rPr lang="en-GB" sz="5400" b="1" i="1" dirty="0">
+                <a:effectLst>
+                  <a:outerShdw blurRad="38100" dist="38100" dir="2700000" algn="tl">
+                    <a:srgbClr val="000000">
+                      <a:alpha val="43137"/>
+                    </a:srgbClr>
+                  </a:outerShdw>
+                </a:effectLst>
+              </a:rPr>
+              <a:t> </a:t>
+            </a:r>
+            <a:r>
+              <a:rPr lang="en-GB" sz="5400" b="1" i="1" dirty="0" err="1">
                 <a:effectLst>
                   <a:outerShdw blurRad="38100" dist="38100" dir="2700000" algn="tl">
                     <a:srgbClr val="000000">
@@ -4439,26 +4066,8 @@
               </a:rPr>
               <a:t>Jesoa</a:t>
             </a:r>
-            <a:r>
-              <a:rPr lang="en-GB" sz="5400" b="1" i="1" dirty="0" smtClean="0">
-                <a:solidFill>
-                  <a:srgbClr val="0070C0"/>
-                </a:solidFill>
-                <a:effectLst>
-                  <a:outerShdw blurRad="38100" dist="38100" dir="2700000" algn="tl">
-                    <a:srgbClr val="000000">
-                      <a:alpha val="43137"/>
-                    </a:srgbClr>
-                  </a:outerShdw>
-                </a:effectLst>
-              </a:rPr>
-              <a:t/>
-            </a:r>
             <a:br>
-              <a:rPr lang="en-GB" sz="5400" b="1" i="1" dirty="0" smtClean="0">
-                <a:solidFill>
-                  <a:srgbClr val="0070C0"/>
-                </a:solidFill>
+              <a:rPr lang="en-GB" sz="5400" b="1" i="1" dirty="0">
                 <a:effectLst>
                   <a:outerShdw blurRad="38100" dist="38100" dir="2700000" algn="tl">
                     <a:srgbClr val="000000">
@@ -4469,10 +4078,7 @@
               </a:rPr>
             </a:br>
             <a:r>
-              <a:rPr lang="en-GB" sz="5400" b="1" i="1" dirty="0" smtClean="0">
-                <a:solidFill>
-                  <a:srgbClr val="0070C0"/>
-                </a:solidFill>
+              <a:rPr lang="en-GB" sz="5400" b="1" i="1" dirty="0">
                 <a:effectLst>
                   <a:outerShdw blurRad="38100" dist="38100" dir="2700000" algn="tl">
                     <a:srgbClr val="000000">
@@ -4484,10 +4090,7 @@
               <a:t>    </a:t>
             </a:r>
             <a:r>
-              <a:rPr lang="en-GB" sz="5400" b="1" i="1" dirty="0" err="1" smtClean="0">
-                <a:solidFill>
-                  <a:srgbClr val="0070C0"/>
-                </a:solidFill>
+              <a:rPr lang="en-GB" sz="5400" b="1" i="1" dirty="0" err="1">
                 <a:effectLst>
                   <a:outerShdw blurRad="38100" dist="38100" dir="2700000" algn="tl">
                     <a:srgbClr val="000000">
@@ -4499,25 +4102,19 @@
               <a:t>Fa</a:t>
             </a:r>
             <a:r>
-              <a:rPr lang="en-GB" sz="5400" b="1" i="1" dirty="0" smtClean="0">
-                <a:solidFill>
-                  <a:srgbClr val="0070C0"/>
-                </a:solidFill>
-                <a:effectLst>
-                  <a:outerShdw blurRad="38100" dist="38100" dir="2700000" algn="tl">
-                    <a:srgbClr val="000000">
-                      <a:alpha val="43137"/>
-                    </a:srgbClr>
-                  </a:outerShdw>
-                </a:effectLst>
-              </a:rPr>
-              <a:t> </a:t>
-            </a:r>
-            <a:r>
-              <a:rPr lang="en-GB" sz="5400" b="1" i="1" dirty="0" err="1" smtClean="0">
-                <a:solidFill>
-                  <a:srgbClr val="0070C0"/>
-                </a:solidFill>
+              <a:rPr lang="en-GB" sz="5400" b="1" i="1" dirty="0">
+                <a:effectLst>
+                  <a:outerShdw blurRad="38100" dist="38100" dir="2700000" algn="tl">
+                    <a:srgbClr val="000000">
+                      <a:alpha val="43137"/>
+                    </a:srgbClr>
+                  </a:outerShdw>
+                </a:effectLst>
+              </a:rPr>
+              <a:t> </a:t>
+            </a:r>
+            <a:r>
+              <a:rPr lang="en-GB" sz="5400" b="1" i="1" dirty="0" err="1">
                 <a:effectLst>
                   <a:outerShdw blurRad="38100" dist="38100" dir="2700000" algn="tl">
                     <a:srgbClr val="000000">
@@ -4529,10 +4126,7 @@
               <a:t>Hianao</a:t>
             </a:r>
             <a:r>
-              <a:rPr lang="en-GB" sz="5400" b="1" i="1" dirty="0" smtClean="0">
-                <a:solidFill>
-                  <a:srgbClr val="0070C0"/>
-                </a:solidFill>
+              <a:rPr lang="en-GB" sz="5400" b="1" i="1" dirty="0">
                 <a:effectLst>
                   <a:outerShdw blurRad="38100" dist="38100" dir="2700000" algn="tl">
                     <a:srgbClr val="000000">
@@ -4544,10 +4138,7 @@
               <a:t> no </a:t>
             </a:r>
             <a:r>
-              <a:rPr lang="en-GB" sz="5400" b="1" i="1" dirty="0" err="1" smtClean="0">
-                <a:solidFill>
-                  <a:srgbClr val="0070C0"/>
-                </a:solidFill>
+              <a:rPr lang="en-GB" sz="5400" b="1" i="1" dirty="0" err="1">
                 <a:effectLst>
                   <a:outerShdw blurRad="38100" dist="38100" dir="2700000" algn="tl">
                     <a:srgbClr val="000000">
@@ -4559,25 +4150,19 @@
               <a:t>miantso</a:t>
             </a:r>
             <a:r>
-              <a:rPr lang="en-GB" sz="5400" b="1" i="1" dirty="0" smtClean="0">
-                <a:solidFill>
-                  <a:srgbClr val="0070C0"/>
-                </a:solidFill>
-                <a:effectLst>
-                  <a:outerShdw blurRad="38100" dist="38100" dir="2700000" algn="tl">
-                    <a:srgbClr val="000000">
-                      <a:alpha val="43137"/>
-                    </a:srgbClr>
-                  </a:outerShdw>
-                </a:effectLst>
-              </a:rPr>
-              <a:t> </a:t>
-            </a:r>
-            <a:r>
-              <a:rPr lang="en-GB" sz="5400" b="1" i="1" dirty="0" err="1" smtClean="0">
-                <a:solidFill>
-                  <a:srgbClr val="0070C0"/>
-                </a:solidFill>
+              <a:rPr lang="en-GB" sz="5400" b="1" i="1" dirty="0">
+                <a:effectLst>
+                  <a:outerShdw blurRad="38100" dist="38100" dir="2700000" algn="tl">
+                    <a:srgbClr val="000000">
+                      <a:alpha val="43137"/>
+                    </a:srgbClr>
+                  </a:outerShdw>
+                </a:effectLst>
+              </a:rPr>
+              <a:t> </a:t>
+            </a:r>
+            <a:r>
+              <a:rPr lang="en-GB" sz="5400" b="1" i="1" dirty="0" err="1">
                 <a:effectLst>
                   <a:outerShdw blurRad="38100" dist="38100" dir="2700000" algn="tl">
                     <a:srgbClr val="000000">
@@ -4589,10 +4174,7 @@
               <a:t>ahy</a:t>
             </a:r>
             <a:r>
-              <a:rPr lang="en-GB" sz="5400" b="1" i="1" dirty="0" smtClean="0">
-                <a:solidFill>
-                  <a:srgbClr val="0070C0"/>
-                </a:solidFill>
+              <a:rPr lang="en-GB" sz="5400" b="1" i="1" dirty="0">
                 <a:effectLst>
                   <a:outerShdw blurRad="38100" dist="38100" dir="2700000" algn="tl">
                     <a:srgbClr val="000000">
@@ -4604,9 +4186,6 @@
               <a:t>.</a:t>
             </a:r>
             <a:endParaRPr lang="fr-FR" sz="5400" b="1" i="1" dirty="0">
-              <a:solidFill>
-                <a:srgbClr val="0070C0"/>
-              </a:solidFill>
               <a:effectLst>
                 <a:outerShdw blurRad="38100" dist="38100" dir="2700000" algn="tl">
                   <a:srgbClr val="000000">
@@ -4641,7 +4220,7 @@
           <a:lstStyle/>
           <a:p>
             <a:r>
-              <a:rPr lang="fr-FR" sz="4400" i="1" dirty="0" err="1" smtClean="0">
+              <a:rPr lang="fr-FR" sz="4400" i="1" dirty="0" err="1">
                 <a:solidFill>
                   <a:srgbClr val="FF0000"/>
                 </a:solidFill>
@@ -4704,15 +4283,15 @@
           <a:lstStyle/>
           <a:p>
             <a:r>
-              <a:rPr lang="en-GB" sz="4800" b="1" dirty="0" smtClean="0"/>
+              <a:rPr lang="en-GB" sz="4800" b="1" dirty="0"/>
               <a:t>1) </a:t>
             </a:r>
             <a:r>
-              <a:rPr lang="en-GB" sz="4800" b="1" dirty="0" err="1" smtClean="0"/>
+              <a:rPr lang="en-GB" sz="4800" b="1" dirty="0" err="1"/>
               <a:t>Hiaraka</a:t>
             </a:r>
             <a:r>
-              <a:rPr lang="en-GB" sz="4800" b="1" dirty="0" smtClean="0"/>
+              <a:rPr lang="en-GB" sz="4800" b="1" dirty="0"/>
               <a:t> </a:t>
             </a:r>
             <a:r>
@@ -4735,42 +4314,34 @@
               <a:rPr lang="en-GB" sz="4800" b="1" dirty="0" err="1"/>
               <a:t>ry</a:t>
             </a:r>
-            <a:r>
-              <a:rPr lang="en-GB" sz="4800" b="1" dirty="0"/>
-              <a:t/>
-            </a:r>
             <a:br>
               <a:rPr lang="en-GB" sz="4800" b="1" dirty="0"/>
             </a:br>
             <a:r>
-              <a:rPr lang="en-GB" sz="4800" b="1" dirty="0" err="1" smtClean="0"/>
+              <a:rPr lang="en-GB" sz="4800" b="1" dirty="0" err="1"/>
               <a:t>Jeso</a:t>
             </a:r>
             <a:r>
-              <a:rPr lang="en-GB" sz="4800" b="1" i="1" dirty="0" err="1" smtClean="0"/>
+              <a:rPr lang="en-GB" sz="4800" b="1" i="1" dirty="0" err="1"/>
               <a:t>a</a:t>
             </a:r>
             <a:r>
-              <a:rPr lang="en-GB" sz="4800" b="1" dirty="0" smtClean="0"/>
+              <a:rPr lang="en-GB" sz="4800" b="1" dirty="0"/>
               <a:t>  </a:t>
             </a:r>
             <a:r>
               <a:rPr lang="en-GB" sz="4800" b="1" dirty="0" err="1"/>
               <a:t>Tompoko</a:t>
             </a:r>
-            <a:r>
-              <a:rPr lang="en-GB" sz="4800" b="1" dirty="0" smtClean="0"/>
-              <a:t/>
-            </a:r>
             <a:br>
-              <a:rPr lang="en-GB" sz="4800" b="1" dirty="0" smtClean="0"/>
+              <a:rPr lang="en-GB" sz="4800" b="1" dirty="0"/>
             </a:br>
             <a:r>
-              <a:rPr lang="en-GB" sz="4800" b="1" dirty="0" err="1" smtClean="0"/>
+              <a:rPr lang="en-GB" sz="4800" b="1" dirty="0" err="1"/>
               <a:t>Tsy</a:t>
             </a:r>
             <a:r>
-              <a:rPr lang="en-GB" sz="4800" b="1" dirty="0" smtClean="0"/>
+              <a:rPr lang="en-GB" sz="4800" b="1" dirty="0"/>
               <a:t> </a:t>
             </a:r>
             <a:r>
@@ -4801,19 +4372,15 @@
               <a:rPr lang="en-GB" sz="4800" b="1" dirty="0"/>
               <a:t>,</a:t>
             </a:r>
-            <a:r>
-              <a:rPr lang="en-GB" sz="4800" b="1" dirty="0" smtClean="0"/>
-              <a:t/>
-            </a:r>
             <a:br>
-              <a:rPr lang="en-GB" sz="4800" b="1" dirty="0" smtClean="0"/>
+              <a:rPr lang="en-GB" sz="4800" b="1" dirty="0"/>
             </a:br>
             <a:r>
-              <a:rPr lang="en-GB" sz="4800" b="1" dirty="0" err="1" smtClean="0"/>
+              <a:rPr lang="en-GB" sz="4800" b="1" dirty="0" err="1"/>
               <a:t>Fa</a:t>
             </a:r>
             <a:r>
-              <a:rPr lang="en-GB" sz="4800" b="1" dirty="0" smtClean="0"/>
+              <a:rPr lang="en-GB" sz="4800" b="1" dirty="0"/>
               <a:t> </a:t>
             </a:r>
             <a:r>
@@ -4828,19 +4395,15 @@
               <a:rPr lang="en-GB" sz="4800" b="1" dirty="0" err="1"/>
               <a:t>fiainako</a:t>
             </a:r>
-            <a:r>
-              <a:rPr lang="en-GB" sz="4800" b="1" dirty="0" smtClean="0"/>
-              <a:t/>
-            </a:r>
             <a:br>
-              <a:rPr lang="en-GB" sz="4800" b="1" dirty="0" smtClean="0"/>
+              <a:rPr lang="en-GB" sz="4800" b="1" dirty="0"/>
             </a:br>
             <a:r>
-              <a:rPr lang="en-GB" sz="4800" b="1" dirty="0" err="1" smtClean="0"/>
+              <a:rPr lang="en-GB" sz="4800" b="1" dirty="0" err="1"/>
               <a:t>Hanara-dia</a:t>
             </a:r>
             <a:r>
-              <a:rPr lang="en-GB" sz="4800" b="1" dirty="0" smtClean="0"/>
+              <a:rPr lang="en-GB" sz="4800" b="1" dirty="0"/>
               <a:t> </a:t>
             </a:r>
             <a:r>
@@ -4859,54 +4422,46 @@
               <a:rPr lang="en-GB" sz="4800" b="1" dirty="0"/>
               <a:t> no</a:t>
             </a:r>
-            <a:r>
-              <a:rPr lang="en-GB" sz="4800" b="1" dirty="0" smtClean="0"/>
-              <a:t/>
-            </a:r>
             <a:br>
-              <a:rPr lang="en-GB" sz="4800" b="1" dirty="0" smtClean="0"/>
+              <a:rPr lang="en-GB" sz="4800" b="1" dirty="0"/>
             </a:br>
             <a:r>
-              <a:rPr lang="en-GB" sz="4800" b="1" dirty="0" err="1" smtClean="0"/>
+              <a:rPr lang="en-GB" sz="4800" b="1" dirty="0" err="1"/>
               <a:t>faniriako</a:t>
             </a:r>
-            <a:r>
-              <a:rPr lang="en-GB" sz="4800" b="1" dirty="0" smtClean="0"/>
-              <a:t/>
-            </a:r>
             <a:br>
-              <a:rPr lang="en-GB" sz="4800" b="1" dirty="0" smtClean="0"/>
+              <a:rPr lang="en-GB" sz="4800" b="1" dirty="0"/>
             </a:br>
             <a:r>
-              <a:rPr lang="en-GB" sz="4800" b="1" dirty="0" err="1" smtClean="0"/>
+              <a:rPr lang="en-GB" sz="4800" b="1" dirty="0" err="1"/>
               <a:t>Hifikitra</a:t>
             </a:r>
             <a:r>
-              <a:rPr lang="en-GB" sz="4800" b="1" dirty="0" smtClean="0"/>
-              <a:t> </a:t>
-            </a:r>
-            <a:r>
-              <a:rPr lang="en-GB" sz="4800" b="1" dirty="0" err="1" smtClean="0"/>
+              <a:rPr lang="en-GB" sz="4800" b="1" dirty="0"/>
+              <a:t> </a:t>
+            </a:r>
+            <a:r>
+              <a:rPr lang="en-GB" sz="4800" b="1" dirty="0" err="1"/>
               <a:t>Aminao</a:t>
             </a:r>
             <a:r>
-              <a:rPr lang="en-GB" sz="4800" b="1" dirty="0" smtClean="0"/>
-              <a:t> </a:t>
-            </a:r>
-            <a:r>
-              <a:rPr lang="en-GB" sz="4800" b="1" dirty="0" err="1" smtClean="0"/>
+              <a:rPr lang="en-GB" sz="4800" b="1" dirty="0"/>
+              <a:t> </a:t>
+            </a:r>
+            <a:r>
+              <a:rPr lang="en-GB" sz="4800" b="1" dirty="0" err="1"/>
               <a:t>aho</a:t>
             </a:r>
             <a:r>
-              <a:rPr lang="en-GB" sz="4800" b="1" dirty="0" smtClean="0"/>
-              <a:t> </a:t>
-            </a:r>
-            <a:r>
-              <a:rPr lang="en-GB" sz="4800" b="1" dirty="0" err="1" smtClean="0"/>
+              <a:rPr lang="en-GB" sz="4800" b="1" dirty="0"/>
+              <a:t> </a:t>
+            </a:r>
+            <a:r>
+              <a:rPr lang="en-GB" sz="4800" b="1" dirty="0" err="1"/>
               <a:t>Jesoa</a:t>
             </a:r>
             <a:r>
-              <a:rPr lang="en-GB" sz="4800" b="1" dirty="0" smtClean="0"/>
+              <a:rPr lang="en-GB" sz="4800" b="1" dirty="0"/>
               <a:t> !</a:t>
             </a:r>
             <a:endParaRPr lang="fr-FR" sz="4800" b="1" dirty="0"/>
@@ -4961,10 +4516,7 @@
           <a:lstStyle/>
           <a:p>
             <a:r>
-              <a:rPr lang="en-GB" sz="5400" b="1" i="1" dirty="0" err="1" smtClean="0">
-                <a:solidFill>
-                  <a:srgbClr val="0070C0"/>
-                </a:solidFill>
+              <a:rPr lang="en-GB" sz="5400" b="1" i="1" dirty="0" err="1">
                 <a:effectLst>
                   <a:outerShdw blurRad="38100" dist="38100" dir="2700000" algn="tl">
                     <a:srgbClr val="000000">
@@ -4976,25 +4528,19 @@
               <a:t>Tiako</a:t>
             </a:r>
             <a:r>
-              <a:rPr lang="en-GB" sz="5400" b="1" i="1" dirty="0" smtClean="0">
-                <a:solidFill>
-                  <a:srgbClr val="0070C0"/>
-                </a:solidFill>
-                <a:effectLst>
-                  <a:outerShdw blurRad="38100" dist="38100" dir="2700000" algn="tl">
-                    <a:srgbClr val="000000">
-                      <a:alpha val="43137"/>
-                    </a:srgbClr>
-                  </a:outerShdw>
-                </a:effectLst>
-              </a:rPr>
-              <a:t> </a:t>
-            </a:r>
-            <a:r>
-              <a:rPr lang="en-GB" sz="5400" b="1" i="1" dirty="0" err="1" smtClean="0">
-                <a:solidFill>
-                  <a:srgbClr val="0070C0"/>
-                </a:solidFill>
+              <a:rPr lang="en-GB" sz="5400" b="1" i="1" dirty="0">
+                <a:effectLst>
+                  <a:outerShdw blurRad="38100" dist="38100" dir="2700000" algn="tl">
+                    <a:srgbClr val="000000">
+                      <a:alpha val="43137"/>
+                    </a:srgbClr>
+                  </a:outerShdw>
+                </a:effectLst>
+              </a:rPr>
+              <a:t> </a:t>
+            </a:r>
+            <a:r>
+              <a:rPr lang="en-GB" sz="5400" b="1" i="1" dirty="0" err="1">
                 <a:effectLst>
                   <a:outerShdw blurRad="38100" dist="38100" dir="2700000" algn="tl">
                     <a:srgbClr val="000000">
@@ -5006,25 +4552,19 @@
               <a:t>ny</a:t>
             </a:r>
             <a:r>
-              <a:rPr lang="en-GB" sz="5400" b="1" i="1" dirty="0" smtClean="0">
-                <a:solidFill>
-                  <a:srgbClr val="0070C0"/>
-                </a:solidFill>
-                <a:effectLst>
-                  <a:outerShdw blurRad="38100" dist="38100" dir="2700000" algn="tl">
-                    <a:srgbClr val="000000">
-                      <a:alpha val="43137"/>
-                    </a:srgbClr>
-                  </a:outerShdw>
-                </a:effectLst>
-              </a:rPr>
-              <a:t> </a:t>
-            </a:r>
-            <a:r>
-              <a:rPr lang="en-GB" sz="5400" b="1" i="1" dirty="0" err="1" smtClean="0">
-                <a:solidFill>
-                  <a:srgbClr val="0070C0"/>
-                </a:solidFill>
+              <a:rPr lang="en-GB" sz="5400" b="1" i="1" dirty="0">
+                <a:effectLst>
+                  <a:outerShdw blurRad="38100" dist="38100" dir="2700000" algn="tl">
+                    <a:srgbClr val="000000">
+                      <a:alpha val="43137"/>
+                    </a:srgbClr>
+                  </a:outerShdw>
+                </a:effectLst>
+              </a:rPr>
+              <a:t> </a:t>
+            </a:r>
+            <a:r>
+              <a:rPr lang="en-GB" sz="5400" b="1" i="1" dirty="0" err="1">
                 <a:effectLst>
                   <a:outerShdw blurRad="38100" dist="38100" dir="2700000" algn="tl">
                     <a:srgbClr val="000000">
@@ -5036,25 +4576,19 @@
               <a:t>hiaraka</a:t>
             </a:r>
             <a:r>
-              <a:rPr lang="en-GB" sz="5400" b="1" i="1" dirty="0" smtClean="0">
-                <a:solidFill>
-                  <a:srgbClr val="0070C0"/>
-                </a:solidFill>
-                <a:effectLst>
-                  <a:outerShdw blurRad="38100" dist="38100" dir="2700000" algn="tl">
-                    <a:srgbClr val="000000">
-                      <a:alpha val="43137"/>
-                    </a:srgbClr>
-                  </a:outerShdw>
-                </a:effectLst>
-              </a:rPr>
-              <a:t> </a:t>
-            </a:r>
-            <a:r>
-              <a:rPr lang="en-GB" sz="5400" b="1" i="1" dirty="0" err="1" smtClean="0">
-                <a:solidFill>
-                  <a:srgbClr val="0070C0"/>
-                </a:solidFill>
+              <a:rPr lang="en-GB" sz="5400" b="1" i="1" dirty="0">
+                <a:effectLst>
+                  <a:outerShdw blurRad="38100" dist="38100" dir="2700000" algn="tl">
+                    <a:srgbClr val="000000">
+                      <a:alpha val="43137"/>
+                    </a:srgbClr>
+                  </a:outerShdw>
+                </a:effectLst>
+              </a:rPr>
+              <a:t> </a:t>
+            </a:r>
+            <a:r>
+              <a:rPr lang="en-GB" sz="5400" b="1" i="1" dirty="0" err="1">
                 <a:effectLst>
                   <a:outerShdw blurRad="38100" dist="38100" dir="2700000" algn="tl">
                     <a:srgbClr val="000000">
@@ -5065,26 +4599,8 @@
               </a:rPr>
               <a:t>Aminao</a:t>
             </a:r>
-            <a:r>
-              <a:rPr lang="en-GB" sz="5400" b="1" i="1" dirty="0" smtClean="0">
-                <a:solidFill>
-                  <a:srgbClr val="0070C0"/>
-                </a:solidFill>
-                <a:effectLst>
-                  <a:outerShdw blurRad="38100" dist="38100" dir="2700000" algn="tl">
-                    <a:srgbClr val="000000">
-                      <a:alpha val="43137"/>
-                    </a:srgbClr>
-                  </a:outerShdw>
-                </a:effectLst>
-              </a:rPr>
-              <a:t/>
-            </a:r>
             <a:br>
-              <a:rPr lang="en-GB" sz="5400" b="1" i="1" dirty="0" smtClean="0">
-                <a:solidFill>
-                  <a:srgbClr val="0070C0"/>
-                </a:solidFill>
+              <a:rPr lang="en-GB" sz="5400" b="1" i="1" dirty="0">
                 <a:effectLst>
                   <a:outerShdw blurRad="38100" dist="38100" dir="2700000" algn="tl">
                     <a:srgbClr val="000000">
@@ -5095,10 +4611,7 @@
               </a:rPr>
             </a:br>
             <a:r>
-              <a:rPr lang="en-GB" sz="5400" b="1" i="1" dirty="0" err="1" smtClean="0">
-                <a:solidFill>
-                  <a:srgbClr val="0070C0"/>
-                </a:solidFill>
+              <a:rPr lang="en-GB" sz="5400" b="1" i="1" dirty="0" err="1">
                 <a:effectLst>
                   <a:outerShdw blurRad="38100" dist="38100" dir="2700000" algn="tl">
                     <a:srgbClr val="000000">
@@ -5109,26 +4622,8 @@
               </a:rPr>
               <a:t>Jesoa</a:t>
             </a:r>
-            <a:r>
-              <a:rPr lang="en-GB" sz="5400" b="1" i="1" dirty="0" smtClean="0">
-                <a:solidFill>
-                  <a:srgbClr val="0070C0"/>
-                </a:solidFill>
-                <a:effectLst>
-                  <a:outerShdw blurRad="38100" dist="38100" dir="2700000" algn="tl">
-                    <a:srgbClr val="000000">
-                      <a:alpha val="43137"/>
-                    </a:srgbClr>
-                  </a:outerShdw>
-                </a:effectLst>
-              </a:rPr>
-              <a:t/>
-            </a:r>
             <a:br>
-              <a:rPr lang="en-GB" sz="5400" b="1" i="1" dirty="0" smtClean="0">
-                <a:solidFill>
-                  <a:srgbClr val="0070C0"/>
-                </a:solidFill>
+              <a:rPr lang="en-GB" sz="5400" b="1" i="1" dirty="0">
                 <a:effectLst>
                   <a:outerShdw blurRad="38100" dist="38100" dir="2700000" algn="tl">
                     <a:srgbClr val="000000">
@@ -5139,10 +4634,7 @@
               </a:rPr>
             </a:br>
             <a:r>
-              <a:rPr lang="en-GB" sz="5400" b="1" i="1" dirty="0" smtClean="0">
-                <a:solidFill>
-                  <a:srgbClr val="0070C0"/>
-                </a:solidFill>
+              <a:rPr lang="en-GB" sz="5400" b="1" i="1" dirty="0">
                 <a:effectLst>
                   <a:outerShdw blurRad="38100" dist="38100" dir="2700000" algn="tl">
                     <a:srgbClr val="000000">
@@ -5154,10 +4646,7 @@
               <a:t>    Na  </a:t>
             </a:r>
             <a:r>
-              <a:rPr lang="en-GB" sz="5400" b="1" i="1" dirty="0" err="1" smtClean="0">
-                <a:solidFill>
-                  <a:srgbClr val="0070C0"/>
-                </a:solidFill>
+              <a:rPr lang="en-GB" sz="5400" b="1" i="1" dirty="0" err="1">
                 <a:effectLst>
                   <a:outerShdw blurRad="38100" dist="38100" dir="2700000" algn="tl">
                     <a:srgbClr val="000000">
@@ -5169,25 +4658,19 @@
               <a:t>aiza</a:t>
             </a:r>
             <a:r>
-              <a:rPr lang="en-GB" sz="5400" b="1" i="1" dirty="0" smtClean="0">
-                <a:solidFill>
-                  <a:srgbClr val="0070C0"/>
-                </a:solidFill>
-                <a:effectLst>
-                  <a:outerShdw blurRad="38100" dist="38100" dir="2700000" algn="tl">
-                    <a:srgbClr val="000000">
-                      <a:alpha val="43137"/>
-                    </a:srgbClr>
-                  </a:outerShdw>
-                </a:effectLst>
-              </a:rPr>
-              <a:t> </a:t>
-            </a:r>
-            <a:r>
-              <a:rPr lang="en-GB" sz="5400" b="1" i="1" dirty="0" err="1" smtClean="0">
-                <a:solidFill>
-                  <a:srgbClr val="0070C0"/>
-                </a:solidFill>
+              <a:rPr lang="en-GB" sz="5400" b="1" i="1" dirty="0">
+                <a:effectLst>
+                  <a:outerShdw blurRad="38100" dist="38100" dir="2700000" algn="tl">
+                    <a:srgbClr val="000000">
+                      <a:alpha val="43137"/>
+                    </a:srgbClr>
+                  </a:outerShdw>
+                </a:effectLst>
+              </a:rPr>
+              <a:t> </a:t>
+            </a:r>
+            <a:r>
+              <a:rPr lang="en-GB" sz="5400" b="1" i="1" dirty="0" err="1">
                 <a:effectLst>
                   <a:outerShdw blurRad="38100" dist="38100" dir="2700000" algn="tl">
                     <a:srgbClr val="000000">
@@ -5199,10 +4682,7 @@
               <a:t>na</a:t>
             </a:r>
             <a:r>
-              <a:rPr lang="en-GB" sz="5400" b="1" i="1" dirty="0" smtClean="0">
-                <a:solidFill>
-                  <a:srgbClr val="0070C0"/>
-                </a:solidFill>
+              <a:rPr lang="en-GB" sz="5400" b="1" i="1" dirty="0">
                 <a:effectLst>
                   <a:outerShdw blurRad="38100" dist="38100" dir="2700000" algn="tl">
                     <a:srgbClr val="000000">
@@ -5214,10 +4694,7 @@
               <a:t>  </a:t>
             </a:r>
             <a:r>
-              <a:rPr lang="en-GB" sz="5400" b="1" i="1" dirty="0" err="1" smtClean="0">
-                <a:solidFill>
-                  <a:srgbClr val="0070C0"/>
-                </a:solidFill>
+              <a:rPr lang="en-GB" sz="5400" b="1" i="1" dirty="0" err="1">
                 <a:effectLst>
                   <a:outerShdw blurRad="38100" dist="38100" dir="2700000" algn="tl">
                     <a:srgbClr val="000000">
@@ -5229,25 +4706,19 @@
               <a:t>aiza</a:t>
             </a:r>
             <a:r>
-              <a:rPr lang="en-GB" sz="5400" b="1" i="1" dirty="0" smtClean="0">
-                <a:solidFill>
-                  <a:srgbClr val="0070C0"/>
-                </a:solidFill>
-                <a:effectLst>
-                  <a:outerShdw blurRad="38100" dist="38100" dir="2700000" algn="tl">
-                    <a:srgbClr val="000000">
-                      <a:alpha val="43137"/>
-                    </a:srgbClr>
-                  </a:outerShdw>
-                </a:effectLst>
-              </a:rPr>
-              <a:t> </a:t>
-            </a:r>
-            <a:r>
-              <a:rPr lang="en-GB" sz="5400" b="1" i="1" dirty="0" err="1" smtClean="0">
-                <a:solidFill>
-                  <a:srgbClr val="0070C0"/>
-                </a:solidFill>
+              <a:rPr lang="en-GB" sz="5400" b="1" i="1" dirty="0">
+                <a:effectLst>
+                  <a:outerShdw blurRad="38100" dist="38100" dir="2700000" algn="tl">
+                    <a:srgbClr val="000000">
+                      <a:alpha val="43137"/>
+                    </a:srgbClr>
+                  </a:outerShdw>
+                </a:effectLst>
+              </a:rPr>
+              <a:t> </a:t>
+            </a:r>
+            <a:r>
+              <a:rPr lang="en-GB" sz="5400" b="1" i="1" dirty="0" err="1">
                 <a:effectLst>
                   <a:outerShdw blurRad="38100" dist="38100" dir="2700000" algn="tl">
                     <a:srgbClr val="000000">
@@ -5258,26 +4729,8 @@
               </a:rPr>
               <a:t>hitondranao</a:t>
             </a:r>
-            <a:r>
-              <a:rPr lang="en-GB" sz="5400" b="1" i="1" dirty="0" smtClean="0">
-                <a:solidFill>
-                  <a:srgbClr val="0070C0"/>
-                </a:solidFill>
-                <a:effectLst>
-                  <a:outerShdw blurRad="38100" dist="38100" dir="2700000" algn="tl">
-                    <a:srgbClr val="000000">
-                      <a:alpha val="43137"/>
-                    </a:srgbClr>
-                  </a:outerShdw>
-                </a:effectLst>
-              </a:rPr>
-              <a:t/>
-            </a:r>
             <a:br>
-              <a:rPr lang="en-GB" sz="5400" b="1" i="1" dirty="0" smtClean="0">
-                <a:solidFill>
-                  <a:srgbClr val="0070C0"/>
-                </a:solidFill>
+              <a:rPr lang="en-GB" sz="5400" b="1" i="1" dirty="0">
                 <a:effectLst>
                   <a:outerShdw blurRad="38100" dist="38100" dir="2700000" algn="tl">
                     <a:srgbClr val="000000">
@@ -5288,10 +4741,7 @@
               </a:rPr>
             </a:br>
             <a:r>
-              <a:rPr lang="en-GB" sz="5400" b="1" i="1" dirty="0" smtClean="0">
-                <a:solidFill>
-                  <a:srgbClr val="0070C0"/>
-                </a:solidFill>
+              <a:rPr lang="en-GB" sz="5400" b="1" i="1" dirty="0">
                 <a:effectLst>
                   <a:outerShdw blurRad="38100" dist="38100" dir="2700000" algn="tl">
                     <a:srgbClr val="000000">
@@ -5303,10 +4753,7 @@
               <a:t>             </a:t>
             </a:r>
             <a:r>
-              <a:rPr lang="en-GB" sz="5400" b="1" i="1" dirty="0" err="1" smtClean="0">
-                <a:solidFill>
-                  <a:srgbClr val="0070C0"/>
-                </a:solidFill>
+              <a:rPr lang="en-GB" sz="5400" b="1" i="1" dirty="0" err="1">
                 <a:effectLst>
                   <a:outerShdw blurRad="38100" dist="38100" dir="2700000" algn="tl">
                     <a:srgbClr val="000000">
@@ -5317,26 +4764,8 @@
               </a:rPr>
               <a:t>ahy</a:t>
             </a:r>
-            <a:r>
-              <a:rPr lang="en-GB" sz="5400" b="1" i="1" dirty="0" smtClean="0">
-                <a:solidFill>
-                  <a:srgbClr val="0070C0"/>
-                </a:solidFill>
-                <a:effectLst>
-                  <a:outerShdw blurRad="38100" dist="38100" dir="2700000" algn="tl">
-                    <a:srgbClr val="000000">
-                      <a:alpha val="43137"/>
-                    </a:srgbClr>
-                  </a:outerShdw>
-                </a:effectLst>
-              </a:rPr>
-              <a:t/>
-            </a:r>
             <a:br>
-              <a:rPr lang="en-GB" sz="5400" b="1" i="1" dirty="0" smtClean="0">
-                <a:solidFill>
-                  <a:srgbClr val="0070C0"/>
-                </a:solidFill>
+              <a:rPr lang="en-GB" sz="5400" b="1" i="1" dirty="0">
                 <a:effectLst>
                   <a:outerShdw blurRad="38100" dist="38100" dir="2700000" algn="tl">
                     <a:srgbClr val="000000">
@@ -5347,10 +4776,7 @@
               </a:rPr>
             </a:br>
             <a:r>
-              <a:rPr lang="en-GB" sz="5400" b="1" i="1" dirty="0" smtClean="0">
-                <a:solidFill>
-                  <a:srgbClr val="0070C0"/>
-                </a:solidFill>
+              <a:rPr lang="en-GB" sz="5400" b="1" i="1" dirty="0">
                 <a:effectLst>
                   <a:outerShdw blurRad="38100" dist="38100" dir="2700000" algn="tl">
                     <a:srgbClr val="000000">
@@ -5362,10 +4788,7 @@
               <a:t>    </a:t>
             </a:r>
             <a:r>
-              <a:rPr lang="en-GB" sz="5400" b="1" i="1" dirty="0" err="1" smtClean="0">
-                <a:solidFill>
-                  <a:srgbClr val="0070C0"/>
-                </a:solidFill>
+              <a:rPr lang="en-GB" sz="5400" b="1" i="1" dirty="0" err="1">
                 <a:effectLst>
                   <a:outerShdw blurRad="38100" dist="38100" dir="2700000" algn="tl">
                     <a:srgbClr val="000000">
@@ -5377,25 +4800,19 @@
               <a:t>Tiako</a:t>
             </a:r>
             <a:r>
-              <a:rPr lang="en-GB" sz="5400" b="1" i="1" dirty="0" smtClean="0">
-                <a:solidFill>
-                  <a:srgbClr val="0070C0"/>
-                </a:solidFill>
-                <a:effectLst>
-                  <a:outerShdw blurRad="38100" dist="38100" dir="2700000" algn="tl">
-                    <a:srgbClr val="000000">
-                      <a:alpha val="43137"/>
-                    </a:srgbClr>
-                  </a:outerShdw>
-                </a:effectLst>
-              </a:rPr>
-              <a:t> </a:t>
-            </a:r>
-            <a:r>
-              <a:rPr lang="en-GB" sz="5400" b="1" i="1" dirty="0" err="1" smtClean="0">
-                <a:solidFill>
-                  <a:srgbClr val="0070C0"/>
-                </a:solidFill>
+              <a:rPr lang="en-GB" sz="5400" b="1" i="1" dirty="0">
+                <a:effectLst>
+                  <a:outerShdw blurRad="38100" dist="38100" dir="2700000" algn="tl">
+                    <a:srgbClr val="000000">
+                      <a:alpha val="43137"/>
+                    </a:srgbClr>
+                  </a:outerShdw>
+                </a:effectLst>
+              </a:rPr>
+              <a:t> </a:t>
+            </a:r>
+            <a:r>
+              <a:rPr lang="en-GB" sz="5400" b="1" i="1" dirty="0" err="1">
                 <a:effectLst>
                   <a:outerShdw blurRad="38100" dist="38100" dir="2700000" algn="tl">
                     <a:srgbClr val="000000">
@@ -5407,25 +4824,19 @@
               <a:t>hiaraka</a:t>
             </a:r>
             <a:r>
-              <a:rPr lang="en-GB" sz="5400" b="1" i="1" dirty="0" smtClean="0">
-                <a:solidFill>
-                  <a:srgbClr val="0070C0"/>
-                </a:solidFill>
-                <a:effectLst>
-                  <a:outerShdw blurRad="38100" dist="38100" dir="2700000" algn="tl">
-                    <a:srgbClr val="000000">
-                      <a:alpha val="43137"/>
-                    </a:srgbClr>
-                  </a:outerShdw>
-                </a:effectLst>
-              </a:rPr>
-              <a:t> </a:t>
-            </a:r>
-            <a:r>
-              <a:rPr lang="en-GB" sz="5400" b="1" i="1" dirty="0" err="1" smtClean="0">
-                <a:solidFill>
-                  <a:srgbClr val="0070C0"/>
-                </a:solidFill>
+              <a:rPr lang="en-GB" sz="5400" b="1" i="1" dirty="0">
+                <a:effectLst>
+                  <a:outerShdw blurRad="38100" dist="38100" dir="2700000" algn="tl">
+                    <a:srgbClr val="000000">
+                      <a:alpha val="43137"/>
+                    </a:srgbClr>
+                  </a:outerShdw>
+                </a:effectLst>
+              </a:rPr>
+              <a:t> </a:t>
+            </a:r>
+            <a:r>
+              <a:rPr lang="en-GB" sz="5400" b="1" i="1" dirty="0" err="1">
                 <a:effectLst>
                   <a:outerShdw blurRad="38100" dist="38100" dir="2700000" algn="tl">
                     <a:srgbClr val="000000">
@@ -5437,25 +4848,19 @@
               <a:t>Aminao</a:t>
             </a:r>
             <a:r>
-              <a:rPr lang="en-GB" sz="5400" b="1" i="1" dirty="0" smtClean="0">
-                <a:solidFill>
-                  <a:srgbClr val="0070C0"/>
-                </a:solidFill>
-                <a:effectLst>
-                  <a:outerShdw blurRad="38100" dist="38100" dir="2700000" algn="tl">
-                    <a:srgbClr val="000000">
-                      <a:alpha val="43137"/>
-                    </a:srgbClr>
-                  </a:outerShdw>
-                </a:effectLst>
-              </a:rPr>
-              <a:t> </a:t>
-            </a:r>
-            <a:r>
-              <a:rPr lang="en-GB" sz="5400" b="1" i="1" dirty="0" err="1" smtClean="0">
-                <a:solidFill>
-                  <a:srgbClr val="0070C0"/>
-                </a:solidFill>
+              <a:rPr lang="en-GB" sz="5400" b="1" i="1" dirty="0">
+                <a:effectLst>
+                  <a:outerShdw blurRad="38100" dist="38100" dir="2700000" algn="tl">
+                    <a:srgbClr val="000000">
+                      <a:alpha val="43137"/>
+                    </a:srgbClr>
+                  </a:outerShdw>
+                </a:effectLst>
+              </a:rPr>
+              <a:t> </a:t>
+            </a:r>
+            <a:r>
+              <a:rPr lang="en-GB" sz="5400" b="1" i="1" dirty="0" err="1">
                 <a:effectLst>
                   <a:outerShdw blurRad="38100" dist="38100" dir="2700000" algn="tl">
                     <a:srgbClr val="000000">
@@ -5466,26 +4871,8 @@
               </a:rPr>
               <a:t>Jesoa</a:t>
             </a:r>
-            <a:r>
-              <a:rPr lang="en-GB" sz="5400" b="1" i="1" dirty="0" smtClean="0">
-                <a:solidFill>
-                  <a:srgbClr val="0070C0"/>
-                </a:solidFill>
-                <a:effectLst>
-                  <a:outerShdw blurRad="38100" dist="38100" dir="2700000" algn="tl">
-                    <a:srgbClr val="000000">
-                      <a:alpha val="43137"/>
-                    </a:srgbClr>
-                  </a:outerShdw>
-                </a:effectLst>
-              </a:rPr>
-              <a:t/>
-            </a:r>
             <a:br>
-              <a:rPr lang="en-GB" sz="5400" b="1" i="1" dirty="0" smtClean="0">
-                <a:solidFill>
-                  <a:srgbClr val="0070C0"/>
-                </a:solidFill>
+              <a:rPr lang="en-GB" sz="5400" b="1" i="1" dirty="0">
                 <a:effectLst>
                   <a:outerShdw blurRad="38100" dist="38100" dir="2700000" algn="tl">
                     <a:srgbClr val="000000">
@@ -5496,10 +4883,7 @@
               </a:rPr>
             </a:br>
             <a:r>
-              <a:rPr lang="en-GB" sz="5400" b="1" i="1" dirty="0" smtClean="0">
-                <a:solidFill>
-                  <a:srgbClr val="0070C0"/>
-                </a:solidFill>
+              <a:rPr lang="en-GB" sz="5400" b="1" i="1" dirty="0">
                 <a:effectLst>
                   <a:outerShdw blurRad="38100" dist="38100" dir="2700000" algn="tl">
                     <a:srgbClr val="000000">
@@ -5511,10 +4895,7 @@
               <a:t>    </a:t>
             </a:r>
             <a:r>
-              <a:rPr lang="en-GB" sz="5400" b="1" i="1" dirty="0" err="1" smtClean="0">
-                <a:solidFill>
-                  <a:srgbClr val="0070C0"/>
-                </a:solidFill>
+              <a:rPr lang="en-GB" sz="5400" b="1" i="1" dirty="0" err="1">
                 <a:effectLst>
                   <a:outerShdw blurRad="38100" dist="38100" dir="2700000" algn="tl">
                     <a:srgbClr val="000000">
@@ -5526,25 +4907,19 @@
               <a:t>Fa</a:t>
             </a:r>
             <a:r>
-              <a:rPr lang="en-GB" sz="5400" b="1" i="1" dirty="0" smtClean="0">
-                <a:solidFill>
-                  <a:srgbClr val="0070C0"/>
-                </a:solidFill>
-                <a:effectLst>
-                  <a:outerShdw blurRad="38100" dist="38100" dir="2700000" algn="tl">
-                    <a:srgbClr val="000000">
-                      <a:alpha val="43137"/>
-                    </a:srgbClr>
-                  </a:outerShdw>
-                </a:effectLst>
-              </a:rPr>
-              <a:t> </a:t>
-            </a:r>
-            <a:r>
-              <a:rPr lang="en-GB" sz="5400" b="1" i="1" dirty="0" err="1" smtClean="0">
-                <a:solidFill>
-                  <a:srgbClr val="0070C0"/>
-                </a:solidFill>
+              <a:rPr lang="en-GB" sz="5400" b="1" i="1" dirty="0">
+                <a:effectLst>
+                  <a:outerShdw blurRad="38100" dist="38100" dir="2700000" algn="tl">
+                    <a:srgbClr val="000000">
+                      <a:alpha val="43137"/>
+                    </a:srgbClr>
+                  </a:outerShdw>
+                </a:effectLst>
+              </a:rPr>
+              <a:t> </a:t>
+            </a:r>
+            <a:r>
+              <a:rPr lang="en-GB" sz="5400" b="1" i="1" dirty="0" err="1">
                 <a:effectLst>
                   <a:outerShdw blurRad="38100" dist="38100" dir="2700000" algn="tl">
                     <a:srgbClr val="000000">
@@ -5556,10 +4931,7 @@
               <a:t>Hianao</a:t>
             </a:r>
             <a:r>
-              <a:rPr lang="en-GB" sz="5400" b="1" i="1" dirty="0" smtClean="0">
-                <a:solidFill>
-                  <a:srgbClr val="0070C0"/>
-                </a:solidFill>
+              <a:rPr lang="en-GB" sz="5400" b="1" i="1" dirty="0">
                 <a:effectLst>
                   <a:outerShdw blurRad="38100" dist="38100" dir="2700000" algn="tl">
                     <a:srgbClr val="000000">
@@ -5571,10 +4943,7 @@
               <a:t> no </a:t>
             </a:r>
             <a:r>
-              <a:rPr lang="en-GB" sz="5400" b="1" i="1" dirty="0" err="1" smtClean="0">
-                <a:solidFill>
-                  <a:srgbClr val="0070C0"/>
-                </a:solidFill>
+              <a:rPr lang="en-GB" sz="5400" b="1" i="1" dirty="0" err="1">
                 <a:effectLst>
                   <a:outerShdw blurRad="38100" dist="38100" dir="2700000" algn="tl">
                     <a:srgbClr val="000000">
@@ -5586,25 +4955,19 @@
               <a:t>miantso</a:t>
             </a:r>
             <a:r>
-              <a:rPr lang="en-GB" sz="5400" b="1" i="1" dirty="0" smtClean="0">
-                <a:solidFill>
-                  <a:srgbClr val="0070C0"/>
-                </a:solidFill>
-                <a:effectLst>
-                  <a:outerShdw blurRad="38100" dist="38100" dir="2700000" algn="tl">
-                    <a:srgbClr val="000000">
-                      <a:alpha val="43137"/>
-                    </a:srgbClr>
-                  </a:outerShdw>
-                </a:effectLst>
-              </a:rPr>
-              <a:t> </a:t>
-            </a:r>
-            <a:r>
-              <a:rPr lang="en-GB" sz="5400" b="1" i="1" dirty="0" err="1" smtClean="0">
-                <a:solidFill>
-                  <a:srgbClr val="0070C0"/>
-                </a:solidFill>
+              <a:rPr lang="en-GB" sz="5400" b="1" i="1" dirty="0">
+                <a:effectLst>
+                  <a:outerShdw blurRad="38100" dist="38100" dir="2700000" algn="tl">
+                    <a:srgbClr val="000000">
+                      <a:alpha val="43137"/>
+                    </a:srgbClr>
+                  </a:outerShdw>
+                </a:effectLst>
+              </a:rPr>
+              <a:t> </a:t>
+            </a:r>
+            <a:r>
+              <a:rPr lang="en-GB" sz="5400" b="1" i="1" dirty="0" err="1">
                 <a:effectLst>
                   <a:outerShdw blurRad="38100" dist="38100" dir="2700000" algn="tl">
                     <a:srgbClr val="000000">
@@ -5616,10 +4979,7 @@
               <a:t>ahy</a:t>
             </a:r>
             <a:r>
-              <a:rPr lang="en-GB" sz="5400" b="1" i="1" dirty="0" smtClean="0">
-                <a:solidFill>
-                  <a:srgbClr val="0070C0"/>
-                </a:solidFill>
+              <a:rPr lang="en-GB" sz="5400" b="1" i="1" dirty="0">
                 <a:effectLst>
                   <a:outerShdw blurRad="38100" dist="38100" dir="2700000" algn="tl">
                     <a:srgbClr val="000000">
@@ -5631,9 +4991,6 @@
               <a:t>.</a:t>
             </a:r>
             <a:endParaRPr lang="fr-FR" sz="5400" b="1" i="1" dirty="0">
-              <a:solidFill>
-                <a:srgbClr val="0070C0"/>
-              </a:solidFill>
               <a:effectLst>
                 <a:outerShdw blurRad="38100" dist="38100" dir="2700000" algn="tl">
                   <a:srgbClr val="000000">
@@ -5668,7 +5025,7 @@
           <a:lstStyle/>
           <a:p>
             <a:r>
-              <a:rPr lang="fr-FR" sz="4400" i="1" dirty="0" err="1" smtClean="0">
+              <a:rPr lang="fr-FR" sz="4400" i="1" dirty="0" err="1">
                 <a:solidFill>
                   <a:srgbClr val="FF0000"/>
                 </a:solidFill>
@@ -5686,7 +5043,7 @@
     </p:spTree>
     <p:extLst>
       <p:ext uri="{BB962C8B-B14F-4D97-AF65-F5344CB8AC3E}">
-        <p14:creationId xmlns:p14="http://schemas.microsoft.com/office/powerpoint/2010/main" val="2980513396"/>
+        <p14:creationId xmlns:p14="http://schemas.microsoft.com/office/powerpoint/2010/main" val="940175264"/>
       </p:ext>
     </p:extLst>
   </p:cSld>
@@ -5736,7 +5093,7 @@
           <a:lstStyle/>
           <a:p>
             <a:r>
-              <a:rPr lang="en-GB" sz="4800" b="1" dirty="0" smtClean="0"/>
+              <a:rPr lang="en-GB" sz="4800" b="1" dirty="0"/>
               <a:t>2) </a:t>
             </a:r>
             <a:r>
@@ -5767,12 +5124,8 @@
               <a:rPr lang="en-GB" sz="4800" b="1" dirty="0" err="1"/>
               <a:t>ry</a:t>
             </a:r>
-            <a:r>
-              <a:rPr lang="en-GB" sz="4800" b="1" dirty="0" smtClean="0"/>
-              <a:t/>
-            </a:r>
             <a:br>
-              <a:rPr lang="en-GB" sz="4800" b="1" dirty="0" smtClean="0"/>
+              <a:rPr lang="en-GB" sz="4800" b="1" dirty="0"/>
             </a:br>
             <a:r>
               <a:rPr lang="en-GB" sz="4800" b="1" dirty="0"/>
@@ -5794,19 +5147,15 @@
               <a:rPr lang="en-GB" sz="4800" b="1" dirty="0" err="1"/>
               <a:t>Tompoko</a:t>
             </a:r>
-            <a:r>
-              <a:rPr lang="en-GB" sz="4800" b="1" dirty="0" smtClean="0"/>
-              <a:t/>
-            </a:r>
             <a:br>
-              <a:rPr lang="en-GB" sz="4800" b="1" dirty="0" smtClean="0"/>
+              <a:rPr lang="en-GB" sz="4800" b="1" dirty="0"/>
             </a:br>
             <a:r>
-              <a:rPr lang="en-GB" sz="4800" b="1" dirty="0" err="1" smtClean="0"/>
+              <a:rPr lang="en-GB" sz="4800" b="1" dirty="0" err="1"/>
               <a:t>Hitory</a:t>
             </a:r>
             <a:r>
-              <a:rPr lang="en-GB" sz="4800" b="1" dirty="0" smtClean="0"/>
+              <a:rPr lang="en-GB" sz="4800" b="1" dirty="0"/>
               <a:t> </a:t>
             </a:r>
             <a:r>
@@ -5829,12 +5178,8 @@
               <a:rPr lang="en-GB" sz="4800" b="1" dirty="0" err="1"/>
               <a:t>amin’ireo</a:t>
             </a:r>
-            <a:r>
-              <a:rPr lang="en-GB" sz="4800" b="1" dirty="0" smtClean="0"/>
-              <a:t/>
-            </a:r>
             <a:br>
-              <a:rPr lang="en-GB" sz="4800" b="1" dirty="0" smtClean="0"/>
+              <a:rPr lang="en-GB" sz="4800" b="1" dirty="0"/>
             </a:br>
             <a:r>
               <a:rPr lang="en-GB" sz="4800" b="1" dirty="0"/>
@@ -5844,19 +5189,15 @@
               <a:rPr lang="en-GB" sz="4800" b="1" dirty="0" err="1"/>
               <a:t>havako</a:t>
             </a:r>
-            <a:r>
-              <a:rPr lang="en-GB" sz="4800" b="1" dirty="0" smtClean="0"/>
-              <a:t/>
-            </a:r>
             <a:br>
-              <a:rPr lang="en-GB" sz="4800" b="1" dirty="0" smtClean="0"/>
+              <a:rPr lang="en-GB" sz="4800" b="1" dirty="0"/>
             </a:br>
             <a:r>
-              <a:rPr lang="en-GB" sz="4800" b="1" dirty="0" err="1" smtClean="0"/>
+              <a:rPr lang="en-GB" sz="4800" b="1" dirty="0" err="1"/>
               <a:t>Hanara-dia</a:t>
             </a:r>
             <a:r>
-              <a:rPr lang="en-GB" sz="4800" b="1" dirty="0" smtClean="0"/>
+              <a:rPr lang="en-GB" sz="4800" b="1" dirty="0"/>
               <a:t> </a:t>
             </a:r>
             <a:r>
@@ -5875,12 +5216,8 @@
               <a:rPr lang="en-GB" sz="4800" b="1" dirty="0"/>
               <a:t> no</a:t>
             </a:r>
-            <a:r>
-              <a:rPr lang="en-GB" sz="4800" b="1" dirty="0" smtClean="0"/>
-              <a:t/>
-            </a:r>
             <a:br>
-              <a:rPr lang="en-GB" sz="4800" b="1" dirty="0" smtClean="0"/>
+              <a:rPr lang="en-GB" sz="4800" b="1" dirty="0"/>
             </a:br>
             <a:r>
               <a:rPr lang="en-GB" sz="4800" b="1" dirty="0"/>
@@ -5890,12 +5227,8 @@
               <a:rPr lang="en-GB" sz="4800" b="1" dirty="0" err="1"/>
               <a:t>faniriako</a:t>
             </a:r>
-            <a:r>
-              <a:rPr lang="en-GB" sz="4800" b="1" dirty="0" smtClean="0"/>
-              <a:t/>
-            </a:r>
             <a:br>
-              <a:rPr lang="en-GB" sz="4800" b="1" dirty="0" smtClean="0"/>
+              <a:rPr lang="en-GB" sz="4800" b="1" dirty="0"/>
             </a:br>
             <a:r>
               <a:rPr lang="en-GB" sz="4800" b="1" dirty="0"/>
@@ -5931,11 +5264,7 @@
             </a:r>
             <a:r>
               <a:rPr lang="en-GB" sz="4800" b="1" dirty="0"/>
-              <a:t> </a:t>
-            </a:r>
-            <a:r>
-              <a:rPr lang="en-GB" sz="4800" b="1" dirty="0" smtClean="0"/>
-              <a:t>!</a:t>
+              <a:t> !</a:t>
             </a:r>
             <a:endParaRPr lang="fr-FR" sz="4800" b="1" dirty="0"/>
           </a:p>
@@ -5978,7 +5307,7 @@
         </p:nvSpPr>
         <p:spPr>
           <a:xfrm>
-            <a:off x="-35496" y="339502"/>
+            <a:off x="-108520" y="482189"/>
             <a:ext cx="9144000" cy="4393437"/>
           </a:xfrm>
         </p:spPr>
@@ -5989,10 +5318,7 @@
           <a:lstStyle/>
           <a:p>
             <a:r>
-              <a:rPr lang="en-GB" sz="5400" b="1" i="1" dirty="0" err="1" smtClean="0">
-                <a:solidFill>
-                  <a:srgbClr val="0070C0"/>
-                </a:solidFill>
+              <a:rPr lang="en-GB" sz="5400" b="1" i="1" dirty="0" err="1">
                 <a:effectLst>
                   <a:outerShdw blurRad="38100" dist="38100" dir="2700000" algn="tl">
                     <a:srgbClr val="000000">
@@ -6004,25 +5330,19 @@
               <a:t>Tiako</a:t>
             </a:r>
             <a:r>
-              <a:rPr lang="en-GB" sz="5400" b="1" i="1" dirty="0" smtClean="0">
-                <a:solidFill>
-                  <a:srgbClr val="0070C0"/>
-                </a:solidFill>
-                <a:effectLst>
-                  <a:outerShdw blurRad="38100" dist="38100" dir="2700000" algn="tl">
-                    <a:srgbClr val="000000">
-                      <a:alpha val="43137"/>
-                    </a:srgbClr>
-                  </a:outerShdw>
-                </a:effectLst>
-              </a:rPr>
-              <a:t> </a:t>
-            </a:r>
-            <a:r>
-              <a:rPr lang="en-GB" sz="5400" b="1" i="1" dirty="0" err="1" smtClean="0">
-                <a:solidFill>
-                  <a:srgbClr val="0070C0"/>
-                </a:solidFill>
+              <a:rPr lang="en-GB" sz="5400" b="1" i="1" dirty="0">
+                <a:effectLst>
+                  <a:outerShdw blurRad="38100" dist="38100" dir="2700000" algn="tl">
+                    <a:srgbClr val="000000">
+                      <a:alpha val="43137"/>
+                    </a:srgbClr>
+                  </a:outerShdw>
+                </a:effectLst>
+              </a:rPr>
+              <a:t> </a:t>
+            </a:r>
+            <a:r>
+              <a:rPr lang="en-GB" sz="5400" b="1" i="1" dirty="0" err="1">
                 <a:effectLst>
                   <a:outerShdw blurRad="38100" dist="38100" dir="2700000" algn="tl">
                     <a:srgbClr val="000000">
@@ -6034,25 +5354,19 @@
               <a:t>ny</a:t>
             </a:r>
             <a:r>
-              <a:rPr lang="en-GB" sz="5400" b="1" i="1" dirty="0" smtClean="0">
-                <a:solidFill>
-                  <a:srgbClr val="0070C0"/>
-                </a:solidFill>
-                <a:effectLst>
-                  <a:outerShdw blurRad="38100" dist="38100" dir="2700000" algn="tl">
-                    <a:srgbClr val="000000">
-                      <a:alpha val="43137"/>
-                    </a:srgbClr>
-                  </a:outerShdw>
-                </a:effectLst>
-              </a:rPr>
-              <a:t> </a:t>
-            </a:r>
-            <a:r>
-              <a:rPr lang="en-GB" sz="5400" b="1" i="1" dirty="0" err="1" smtClean="0">
-                <a:solidFill>
-                  <a:srgbClr val="0070C0"/>
-                </a:solidFill>
+              <a:rPr lang="en-GB" sz="5400" b="1" i="1" dirty="0">
+                <a:effectLst>
+                  <a:outerShdw blurRad="38100" dist="38100" dir="2700000" algn="tl">
+                    <a:srgbClr val="000000">
+                      <a:alpha val="43137"/>
+                    </a:srgbClr>
+                  </a:outerShdw>
+                </a:effectLst>
+              </a:rPr>
+              <a:t> </a:t>
+            </a:r>
+            <a:r>
+              <a:rPr lang="en-GB" sz="5400" b="1" i="1" dirty="0" err="1">
                 <a:effectLst>
                   <a:outerShdw blurRad="38100" dist="38100" dir="2700000" algn="tl">
                     <a:srgbClr val="000000">
@@ -6064,25 +5378,19 @@
               <a:t>hiaraka</a:t>
             </a:r>
             <a:r>
-              <a:rPr lang="en-GB" sz="5400" b="1" i="1" dirty="0" smtClean="0">
-                <a:solidFill>
-                  <a:srgbClr val="0070C0"/>
-                </a:solidFill>
-                <a:effectLst>
-                  <a:outerShdw blurRad="38100" dist="38100" dir="2700000" algn="tl">
-                    <a:srgbClr val="000000">
-                      <a:alpha val="43137"/>
-                    </a:srgbClr>
-                  </a:outerShdw>
-                </a:effectLst>
-              </a:rPr>
-              <a:t> </a:t>
-            </a:r>
-            <a:r>
-              <a:rPr lang="en-GB" sz="5400" b="1" i="1" dirty="0" err="1" smtClean="0">
-                <a:solidFill>
-                  <a:srgbClr val="0070C0"/>
-                </a:solidFill>
+              <a:rPr lang="en-GB" sz="5400" b="1" i="1" dirty="0">
+                <a:effectLst>
+                  <a:outerShdw blurRad="38100" dist="38100" dir="2700000" algn="tl">
+                    <a:srgbClr val="000000">
+                      <a:alpha val="43137"/>
+                    </a:srgbClr>
+                  </a:outerShdw>
+                </a:effectLst>
+              </a:rPr>
+              <a:t> </a:t>
+            </a:r>
+            <a:r>
+              <a:rPr lang="en-GB" sz="5400" b="1" i="1" dirty="0" err="1">
                 <a:effectLst>
                   <a:outerShdw blurRad="38100" dist="38100" dir="2700000" algn="tl">
                     <a:srgbClr val="000000">
@@ -6093,26 +5401,8 @@
               </a:rPr>
               <a:t>Aminao</a:t>
             </a:r>
-            <a:r>
-              <a:rPr lang="en-GB" sz="5400" b="1" i="1" dirty="0" smtClean="0">
-                <a:solidFill>
-                  <a:srgbClr val="0070C0"/>
-                </a:solidFill>
-                <a:effectLst>
-                  <a:outerShdw blurRad="38100" dist="38100" dir="2700000" algn="tl">
-                    <a:srgbClr val="000000">
-                      <a:alpha val="43137"/>
-                    </a:srgbClr>
-                  </a:outerShdw>
-                </a:effectLst>
-              </a:rPr>
-              <a:t/>
-            </a:r>
             <a:br>
-              <a:rPr lang="en-GB" sz="5400" b="1" i="1" dirty="0" smtClean="0">
-                <a:solidFill>
-                  <a:srgbClr val="0070C0"/>
-                </a:solidFill>
+              <a:rPr lang="en-GB" sz="5400" b="1" i="1" dirty="0">
                 <a:effectLst>
                   <a:outerShdw blurRad="38100" dist="38100" dir="2700000" algn="tl">
                     <a:srgbClr val="000000">
@@ -6123,25 +5413,7 @@
               </a:rPr>
             </a:br>
             <a:r>
-              <a:rPr lang="en-GB" sz="5400" b="1" i="1" dirty="0" smtClean="0">
-                <a:solidFill>
-                  <a:srgbClr val="0070C0"/>
-                </a:solidFill>
-                <a:effectLst>
-                  <a:outerShdw blurRad="38100" dist="38100" dir="2700000" algn="tl">
-                    <a:srgbClr val="000000">
-                      <a:alpha val="43137"/>
-                    </a:srgbClr>
-                  </a:outerShdw>
-                </a:effectLst>
-              </a:rPr>
-              <a:t>              </a:t>
-            </a:r>
-            <a:r>
-              <a:rPr lang="en-GB" sz="5400" b="1" i="1" dirty="0" err="1" smtClean="0">
-                <a:solidFill>
-                  <a:srgbClr val="0070C0"/>
-                </a:solidFill>
+              <a:rPr lang="en-GB" sz="5400" b="1" i="1" dirty="0" err="1">
                 <a:effectLst>
                   <a:outerShdw blurRad="38100" dist="38100" dir="2700000" algn="tl">
                     <a:srgbClr val="000000">
@@ -6152,26 +5424,8 @@
               </a:rPr>
               <a:t>Jesoa</a:t>
             </a:r>
-            <a:r>
-              <a:rPr lang="en-GB" sz="5400" b="1" i="1" dirty="0" smtClean="0">
-                <a:solidFill>
-                  <a:srgbClr val="0070C0"/>
-                </a:solidFill>
-                <a:effectLst>
-                  <a:outerShdw blurRad="38100" dist="38100" dir="2700000" algn="tl">
-                    <a:srgbClr val="000000">
-                      <a:alpha val="43137"/>
-                    </a:srgbClr>
-                  </a:outerShdw>
-                </a:effectLst>
-              </a:rPr>
-              <a:t/>
-            </a:r>
             <a:br>
-              <a:rPr lang="en-GB" sz="5400" b="1" i="1" dirty="0" smtClean="0">
-                <a:solidFill>
-                  <a:srgbClr val="0070C0"/>
-                </a:solidFill>
+              <a:rPr lang="en-GB" sz="5400" b="1" i="1" dirty="0">
                 <a:effectLst>
                   <a:outerShdw blurRad="38100" dist="38100" dir="2700000" algn="tl">
                     <a:srgbClr val="000000">
@@ -6182,10 +5436,7 @@
               </a:rPr>
             </a:br>
             <a:r>
-              <a:rPr lang="en-GB" sz="5400" b="1" i="1" dirty="0" smtClean="0">
-                <a:solidFill>
-                  <a:srgbClr val="0070C0"/>
-                </a:solidFill>
+              <a:rPr lang="en-GB" sz="5400" b="1" i="1" dirty="0">
                 <a:effectLst>
                   <a:outerShdw blurRad="38100" dist="38100" dir="2700000" algn="tl">
                     <a:srgbClr val="000000">
@@ -6197,10 +5448,7 @@
               <a:t>    Na  </a:t>
             </a:r>
             <a:r>
-              <a:rPr lang="en-GB" sz="5400" b="1" i="1" dirty="0" err="1" smtClean="0">
-                <a:solidFill>
-                  <a:srgbClr val="0070C0"/>
-                </a:solidFill>
+              <a:rPr lang="en-GB" sz="5400" b="1" i="1" dirty="0" err="1">
                 <a:effectLst>
                   <a:outerShdw blurRad="38100" dist="38100" dir="2700000" algn="tl">
                     <a:srgbClr val="000000">
@@ -6212,25 +5460,19 @@
               <a:t>aiza</a:t>
             </a:r>
             <a:r>
-              <a:rPr lang="en-GB" sz="5400" b="1" i="1" dirty="0" smtClean="0">
-                <a:solidFill>
-                  <a:srgbClr val="0070C0"/>
-                </a:solidFill>
-                <a:effectLst>
-                  <a:outerShdw blurRad="38100" dist="38100" dir="2700000" algn="tl">
-                    <a:srgbClr val="000000">
-                      <a:alpha val="43137"/>
-                    </a:srgbClr>
-                  </a:outerShdw>
-                </a:effectLst>
-              </a:rPr>
-              <a:t> </a:t>
-            </a:r>
-            <a:r>
-              <a:rPr lang="en-GB" sz="5400" b="1" i="1" dirty="0" err="1" smtClean="0">
-                <a:solidFill>
-                  <a:srgbClr val="0070C0"/>
-                </a:solidFill>
+              <a:rPr lang="en-GB" sz="5400" b="1" i="1" dirty="0">
+                <a:effectLst>
+                  <a:outerShdw blurRad="38100" dist="38100" dir="2700000" algn="tl">
+                    <a:srgbClr val="000000">
+                      <a:alpha val="43137"/>
+                    </a:srgbClr>
+                  </a:outerShdw>
+                </a:effectLst>
+              </a:rPr>
+              <a:t> </a:t>
+            </a:r>
+            <a:r>
+              <a:rPr lang="en-GB" sz="5400" b="1" i="1" dirty="0" err="1">
                 <a:effectLst>
                   <a:outerShdw blurRad="38100" dist="38100" dir="2700000" algn="tl">
                     <a:srgbClr val="000000">
@@ -6242,10 +5484,7 @@
               <a:t>na</a:t>
             </a:r>
             <a:r>
-              <a:rPr lang="en-GB" sz="5400" b="1" i="1" dirty="0" smtClean="0">
-                <a:solidFill>
-                  <a:srgbClr val="0070C0"/>
-                </a:solidFill>
+              <a:rPr lang="en-GB" sz="5400" b="1" i="1" dirty="0">
                 <a:effectLst>
                   <a:outerShdw blurRad="38100" dist="38100" dir="2700000" algn="tl">
                     <a:srgbClr val="000000">
@@ -6257,10 +5496,7 @@
               <a:t>  </a:t>
             </a:r>
             <a:r>
-              <a:rPr lang="en-GB" sz="5400" b="1" i="1" dirty="0" err="1" smtClean="0">
-                <a:solidFill>
-                  <a:srgbClr val="0070C0"/>
-                </a:solidFill>
+              <a:rPr lang="en-GB" sz="5400" b="1" i="1" dirty="0" err="1">
                 <a:effectLst>
                   <a:outerShdw blurRad="38100" dist="38100" dir="2700000" algn="tl">
                     <a:srgbClr val="000000">
@@ -6272,25 +5508,19 @@
               <a:t>aiza</a:t>
             </a:r>
             <a:r>
-              <a:rPr lang="en-GB" sz="5400" b="1" i="1" dirty="0" smtClean="0">
-                <a:solidFill>
-                  <a:srgbClr val="0070C0"/>
-                </a:solidFill>
-                <a:effectLst>
-                  <a:outerShdw blurRad="38100" dist="38100" dir="2700000" algn="tl">
-                    <a:srgbClr val="000000">
-                      <a:alpha val="43137"/>
-                    </a:srgbClr>
-                  </a:outerShdw>
-                </a:effectLst>
-              </a:rPr>
-              <a:t> </a:t>
-            </a:r>
-            <a:r>
-              <a:rPr lang="en-GB" sz="5400" b="1" i="1" dirty="0" err="1" smtClean="0">
-                <a:solidFill>
-                  <a:srgbClr val="0070C0"/>
-                </a:solidFill>
+              <a:rPr lang="en-GB" sz="5400" b="1" i="1" dirty="0">
+                <a:effectLst>
+                  <a:outerShdw blurRad="38100" dist="38100" dir="2700000" algn="tl">
+                    <a:srgbClr val="000000">
+                      <a:alpha val="43137"/>
+                    </a:srgbClr>
+                  </a:outerShdw>
+                </a:effectLst>
+              </a:rPr>
+              <a:t> </a:t>
+            </a:r>
+            <a:r>
+              <a:rPr lang="en-GB" sz="5400" b="1" i="1" dirty="0" err="1">
                 <a:effectLst>
                   <a:outerShdw blurRad="38100" dist="38100" dir="2700000" algn="tl">
                     <a:srgbClr val="000000">
@@ -6301,26 +5531,8 @@
               </a:rPr>
               <a:t>hitondranao</a:t>
             </a:r>
-            <a:r>
-              <a:rPr lang="en-GB" sz="5400" b="1" i="1" dirty="0" smtClean="0">
-                <a:solidFill>
-                  <a:srgbClr val="0070C0"/>
-                </a:solidFill>
-                <a:effectLst>
-                  <a:outerShdw blurRad="38100" dist="38100" dir="2700000" algn="tl">
-                    <a:srgbClr val="000000">
-                      <a:alpha val="43137"/>
-                    </a:srgbClr>
-                  </a:outerShdw>
-                </a:effectLst>
-              </a:rPr>
-              <a:t/>
-            </a:r>
             <a:br>
-              <a:rPr lang="en-GB" sz="5400" b="1" i="1" dirty="0" smtClean="0">
-                <a:solidFill>
-                  <a:srgbClr val="0070C0"/>
-                </a:solidFill>
+              <a:rPr lang="en-GB" sz="5400" b="1" i="1" dirty="0">
                 <a:effectLst>
                   <a:outerShdw blurRad="38100" dist="38100" dir="2700000" algn="tl">
                     <a:srgbClr val="000000">
@@ -6331,10 +5543,7 @@
               </a:rPr>
             </a:br>
             <a:r>
-              <a:rPr lang="en-GB" sz="5400" b="1" i="1" dirty="0" smtClean="0">
-                <a:solidFill>
-                  <a:srgbClr val="0070C0"/>
-                </a:solidFill>
+              <a:rPr lang="en-GB" sz="5400" b="1" i="1" dirty="0">
                 <a:effectLst>
                   <a:outerShdw blurRad="38100" dist="38100" dir="2700000" algn="tl">
                     <a:srgbClr val="000000">
@@ -6346,10 +5555,7 @@
               <a:t>             </a:t>
             </a:r>
             <a:r>
-              <a:rPr lang="en-GB" sz="5400" b="1" i="1" dirty="0" err="1" smtClean="0">
-                <a:solidFill>
-                  <a:srgbClr val="0070C0"/>
-                </a:solidFill>
+              <a:rPr lang="en-GB" sz="5400" b="1" i="1" dirty="0" err="1">
                 <a:effectLst>
                   <a:outerShdw blurRad="38100" dist="38100" dir="2700000" algn="tl">
                     <a:srgbClr val="000000">
@@ -6360,26 +5566,8 @@
               </a:rPr>
               <a:t>ahy</a:t>
             </a:r>
-            <a:r>
-              <a:rPr lang="en-GB" sz="5400" b="1" i="1" dirty="0" smtClean="0">
-                <a:solidFill>
-                  <a:srgbClr val="0070C0"/>
-                </a:solidFill>
-                <a:effectLst>
-                  <a:outerShdw blurRad="38100" dist="38100" dir="2700000" algn="tl">
-                    <a:srgbClr val="000000">
-                      <a:alpha val="43137"/>
-                    </a:srgbClr>
-                  </a:outerShdw>
-                </a:effectLst>
-              </a:rPr>
-              <a:t/>
-            </a:r>
             <a:br>
-              <a:rPr lang="en-GB" sz="5400" b="1" i="1" dirty="0" smtClean="0">
-                <a:solidFill>
-                  <a:srgbClr val="0070C0"/>
-                </a:solidFill>
+              <a:rPr lang="en-GB" sz="5400" b="1" i="1" dirty="0">
                 <a:effectLst>
                   <a:outerShdw blurRad="38100" dist="38100" dir="2700000" algn="tl">
                     <a:srgbClr val="000000">
@@ -6390,10 +5578,7 @@
               </a:rPr>
             </a:br>
             <a:r>
-              <a:rPr lang="en-GB" sz="5400" b="1" i="1" dirty="0" smtClean="0">
-                <a:solidFill>
-                  <a:srgbClr val="0070C0"/>
-                </a:solidFill>
+              <a:rPr lang="en-GB" sz="5400" b="1" i="1" dirty="0">
                 <a:effectLst>
                   <a:outerShdw blurRad="38100" dist="38100" dir="2700000" algn="tl">
                     <a:srgbClr val="000000">
@@ -6405,10 +5590,7 @@
               <a:t>    </a:t>
             </a:r>
             <a:r>
-              <a:rPr lang="en-GB" sz="5400" b="1" i="1" dirty="0" err="1" smtClean="0">
-                <a:solidFill>
-                  <a:srgbClr val="0070C0"/>
-                </a:solidFill>
+              <a:rPr lang="en-GB" sz="5400" b="1" i="1" dirty="0" err="1">
                 <a:effectLst>
                   <a:outerShdw blurRad="38100" dist="38100" dir="2700000" algn="tl">
                     <a:srgbClr val="000000">
@@ -6420,25 +5602,19 @@
               <a:t>Tiako</a:t>
             </a:r>
             <a:r>
-              <a:rPr lang="en-GB" sz="5400" b="1" i="1" dirty="0" smtClean="0">
-                <a:solidFill>
-                  <a:srgbClr val="0070C0"/>
-                </a:solidFill>
-                <a:effectLst>
-                  <a:outerShdw blurRad="38100" dist="38100" dir="2700000" algn="tl">
-                    <a:srgbClr val="000000">
-                      <a:alpha val="43137"/>
-                    </a:srgbClr>
-                  </a:outerShdw>
-                </a:effectLst>
-              </a:rPr>
-              <a:t> </a:t>
-            </a:r>
-            <a:r>
-              <a:rPr lang="en-GB" sz="5400" b="1" i="1" dirty="0" err="1" smtClean="0">
-                <a:solidFill>
-                  <a:srgbClr val="0070C0"/>
-                </a:solidFill>
+              <a:rPr lang="en-GB" sz="5400" b="1" i="1" dirty="0">
+                <a:effectLst>
+                  <a:outerShdw blurRad="38100" dist="38100" dir="2700000" algn="tl">
+                    <a:srgbClr val="000000">
+                      <a:alpha val="43137"/>
+                    </a:srgbClr>
+                  </a:outerShdw>
+                </a:effectLst>
+              </a:rPr>
+              <a:t> </a:t>
+            </a:r>
+            <a:r>
+              <a:rPr lang="en-GB" sz="5400" b="1" i="1" dirty="0" err="1">
                 <a:effectLst>
                   <a:outerShdw blurRad="38100" dist="38100" dir="2700000" algn="tl">
                     <a:srgbClr val="000000">
@@ -6450,25 +5626,19 @@
               <a:t>hiaraka</a:t>
             </a:r>
             <a:r>
-              <a:rPr lang="en-GB" sz="5400" b="1" i="1" dirty="0" smtClean="0">
-                <a:solidFill>
-                  <a:srgbClr val="0070C0"/>
-                </a:solidFill>
-                <a:effectLst>
-                  <a:outerShdw blurRad="38100" dist="38100" dir="2700000" algn="tl">
-                    <a:srgbClr val="000000">
-                      <a:alpha val="43137"/>
-                    </a:srgbClr>
-                  </a:outerShdw>
-                </a:effectLst>
-              </a:rPr>
-              <a:t> </a:t>
-            </a:r>
-            <a:r>
-              <a:rPr lang="en-GB" sz="5400" b="1" i="1" dirty="0" err="1" smtClean="0">
-                <a:solidFill>
-                  <a:srgbClr val="0070C0"/>
-                </a:solidFill>
+              <a:rPr lang="en-GB" sz="5400" b="1" i="1" dirty="0">
+                <a:effectLst>
+                  <a:outerShdw blurRad="38100" dist="38100" dir="2700000" algn="tl">
+                    <a:srgbClr val="000000">
+                      <a:alpha val="43137"/>
+                    </a:srgbClr>
+                  </a:outerShdw>
+                </a:effectLst>
+              </a:rPr>
+              <a:t> </a:t>
+            </a:r>
+            <a:r>
+              <a:rPr lang="en-GB" sz="5400" b="1" i="1" dirty="0" err="1">
                 <a:effectLst>
                   <a:outerShdw blurRad="38100" dist="38100" dir="2700000" algn="tl">
                     <a:srgbClr val="000000">
@@ -6480,25 +5650,19 @@
               <a:t>Aminao</a:t>
             </a:r>
             <a:r>
-              <a:rPr lang="en-GB" sz="5400" b="1" i="1" dirty="0" smtClean="0">
-                <a:solidFill>
-                  <a:srgbClr val="0070C0"/>
-                </a:solidFill>
-                <a:effectLst>
-                  <a:outerShdw blurRad="38100" dist="38100" dir="2700000" algn="tl">
-                    <a:srgbClr val="000000">
-                      <a:alpha val="43137"/>
-                    </a:srgbClr>
-                  </a:outerShdw>
-                </a:effectLst>
-              </a:rPr>
-              <a:t> </a:t>
-            </a:r>
-            <a:r>
-              <a:rPr lang="en-GB" sz="5400" b="1" i="1" dirty="0" err="1" smtClean="0">
-                <a:solidFill>
-                  <a:srgbClr val="0070C0"/>
-                </a:solidFill>
+              <a:rPr lang="en-GB" sz="5400" b="1" i="1" dirty="0">
+                <a:effectLst>
+                  <a:outerShdw blurRad="38100" dist="38100" dir="2700000" algn="tl">
+                    <a:srgbClr val="000000">
+                      <a:alpha val="43137"/>
+                    </a:srgbClr>
+                  </a:outerShdw>
+                </a:effectLst>
+              </a:rPr>
+              <a:t> </a:t>
+            </a:r>
+            <a:r>
+              <a:rPr lang="en-GB" sz="5400" b="1" i="1" dirty="0" err="1">
                 <a:effectLst>
                   <a:outerShdw blurRad="38100" dist="38100" dir="2700000" algn="tl">
                     <a:srgbClr val="000000">
@@ -6509,26 +5673,8 @@
               </a:rPr>
               <a:t>Jesoa</a:t>
             </a:r>
-            <a:r>
-              <a:rPr lang="en-GB" sz="5400" b="1" i="1" dirty="0" smtClean="0">
-                <a:solidFill>
-                  <a:srgbClr val="0070C0"/>
-                </a:solidFill>
-                <a:effectLst>
-                  <a:outerShdw blurRad="38100" dist="38100" dir="2700000" algn="tl">
-                    <a:srgbClr val="000000">
-                      <a:alpha val="43137"/>
-                    </a:srgbClr>
-                  </a:outerShdw>
-                </a:effectLst>
-              </a:rPr>
-              <a:t/>
-            </a:r>
             <a:br>
-              <a:rPr lang="en-GB" sz="5400" b="1" i="1" dirty="0" smtClean="0">
-                <a:solidFill>
-                  <a:srgbClr val="0070C0"/>
-                </a:solidFill>
+              <a:rPr lang="en-GB" sz="5400" b="1" i="1" dirty="0">
                 <a:effectLst>
                   <a:outerShdw blurRad="38100" dist="38100" dir="2700000" algn="tl">
                     <a:srgbClr val="000000">
@@ -6539,10 +5685,7 @@
               </a:rPr>
             </a:br>
             <a:r>
-              <a:rPr lang="en-GB" sz="5400" b="1" i="1" dirty="0" smtClean="0">
-                <a:solidFill>
-                  <a:srgbClr val="0070C0"/>
-                </a:solidFill>
+              <a:rPr lang="en-GB" sz="5400" b="1" i="1" dirty="0">
                 <a:effectLst>
                   <a:outerShdw blurRad="38100" dist="38100" dir="2700000" algn="tl">
                     <a:srgbClr val="000000">
@@ -6554,10 +5697,7 @@
               <a:t>    </a:t>
             </a:r>
             <a:r>
-              <a:rPr lang="en-GB" sz="5400" b="1" i="1" dirty="0" err="1" smtClean="0">
-                <a:solidFill>
-                  <a:srgbClr val="0070C0"/>
-                </a:solidFill>
+              <a:rPr lang="en-GB" sz="5400" b="1" i="1" dirty="0" err="1">
                 <a:effectLst>
                   <a:outerShdw blurRad="38100" dist="38100" dir="2700000" algn="tl">
                     <a:srgbClr val="000000">
@@ -6569,25 +5709,19 @@
               <a:t>Fa</a:t>
             </a:r>
             <a:r>
-              <a:rPr lang="en-GB" sz="5400" b="1" i="1" dirty="0" smtClean="0">
-                <a:solidFill>
-                  <a:srgbClr val="0070C0"/>
-                </a:solidFill>
-                <a:effectLst>
-                  <a:outerShdw blurRad="38100" dist="38100" dir="2700000" algn="tl">
-                    <a:srgbClr val="000000">
-                      <a:alpha val="43137"/>
-                    </a:srgbClr>
-                  </a:outerShdw>
-                </a:effectLst>
-              </a:rPr>
-              <a:t> </a:t>
-            </a:r>
-            <a:r>
-              <a:rPr lang="en-GB" sz="5400" b="1" i="1" dirty="0" err="1" smtClean="0">
-                <a:solidFill>
-                  <a:srgbClr val="0070C0"/>
-                </a:solidFill>
+              <a:rPr lang="en-GB" sz="5400" b="1" i="1" dirty="0">
+                <a:effectLst>
+                  <a:outerShdw blurRad="38100" dist="38100" dir="2700000" algn="tl">
+                    <a:srgbClr val="000000">
+                      <a:alpha val="43137"/>
+                    </a:srgbClr>
+                  </a:outerShdw>
+                </a:effectLst>
+              </a:rPr>
+              <a:t> </a:t>
+            </a:r>
+            <a:r>
+              <a:rPr lang="en-GB" sz="5400" b="1" i="1" dirty="0" err="1">
                 <a:effectLst>
                   <a:outerShdw blurRad="38100" dist="38100" dir="2700000" algn="tl">
                     <a:srgbClr val="000000">
@@ -6599,10 +5733,7 @@
               <a:t>Hianao</a:t>
             </a:r>
             <a:r>
-              <a:rPr lang="en-GB" sz="5400" b="1" i="1" dirty="0" smtClean="0">
-                <a:solidFill>
-                  <a:srgbClr val="0070C0"/>
-                </a:solidFill>
+              <a:rPr lang="en-GB" sz="5400" b="1" i="1" dirty="0">
                 <a:effectLst>
                   <a:outerShdw blurRad="38100" dist="38100" dir="2700000" algn="tl">
                     <a:srgbClr val="000000">
@@ -6614,10 +5745,7 @@
               <a:t> no </a:t>
             </a:r>
             <a:r>
-              <a:rPr lang="en-GB" sz="5400" b="1" i="1" dirty="0" err="1" smtClean="0">
-                <a:solidFill>
-                  <a:srgbClr val="0070C0"/>
-                </a:solidFill>
+              <a:rPr lang="en-GB" sz="5400" b="1" i="1" dirty="0" err="1">
                 <a:effectLst>
                   <a:outerShdw blurRad="38100" dist="38100" dir="2700000" algn="tl">
                     <a:srgbClr val="000000">
@@ -6629,25 +5757,19 @@
               <a:t>miantso</a:t>
             </a:r>
             <a:r>
-              <a:rPr lang="en-GB" sz="5400" b="1" i="1" dirty="0" smtClean="0">
-                <a:solidFill>
-                  <a:srgbClr val="0070C0"/>
-                </a:solidFill>
-                <a:effectLst>
-                  <a:outerShdw blurRad="38100" dist="38100" dir="2700000" algn="tl">
-                    <a:srgbClr val="000000">
-                      <a:alpha val="43137"/>
-                    </a:srgbClr>
-                  </a:outerShdw>
-                </a:effectLst>
-              </a:rPr>
-              <a:t> </a:t>
-            </a:r>
-            <a:r>
-              <a:rPr lang="en-GB" sz="5400" b="1" i="1" dirty="0" err="1" smtClean="0">
-                <a:solidFill>
-                  <a:srgbClr val="0070C0"/>
-                </a:solidFill>
+              <a:rPr lang="en-GB" sz="5400" b="1" i="1" dirty="0">
+                <a:effectLst>
+                  <a:outerShdw blurRad="38100" dist="38100" dir="2700000" algn="tl">
+                    <a:srgbClr val="000000">
+                      <a:alpha val="43137"/>
+                    </a:srgbClr>
+                  </a:outerShdw>
+                </a:effectLst>
+              </a:rPr>
+              <a:t> </a:t>
+            </a:r>
+            <a:r>
+              <a:rPr lang="en-GB" sz="5400" b="1" i="1" dirty="0" err="1">
                 <a:effectLst>
                   <a:outerShdw blurRad="38100" dist="38100" dir="2700000" algn="tl">
                     <a:srgbClr val="000000">
@@ -6659,10 +5781,7 @@
               <a:t>ahy</a:t>
             </a:r>
             <a:r>
-              <a:rPr lang="en-GB" sz="5400" b="1" i="1" dirty="0" smtClean="0">
-                <a:solidFill>
-                  <a:srgbClr val="0070C0"/>
-                </a:solidFill>
+              <a:rPr lang="en-GB" sz="5400" b="1" i="1" dirty="0">
                 <a:effectLst>
                   <a:outerShdw blurRad="38100" dist="38100" dir="2700000" algn="tl">
                     <a:srgbClr val="000000">
@@ -6674,9 +5793,6 @@
               <a:t>.</a:t>
             </a:r>
             <a:endParaRPr lang="fr-FR" sz="5400" b="1" i="1" dirty="0">
-              <a:solidFill>
-                <a:srgbClr val="0070C0"/>
-              </a:solidFill>
               <a:effectLst>
                 <a:outerShdw blurRad="38100" dist="38100" dir="2700000" algn="tl">
                   <a:srgbClr val="000000">
@@ -6711,7 +5827,7 @@
           <a:lstStyle/>
           <a:p>
             <a:r>
-              <a:rPr lang="fr-FR" sz="4400" i="1" dirty="0" err="1" smtClean="0">
+              <a:rPr lang="fr-FR" sz="4400" i="1" dirty="0" err="1">
                 <a:solidFill>
                   <a:srgbClr val="FF0000"/>
                 </a:solidFill>
@@ -6729,7 +5845,7 @@
     </p:spTree>
     <p:extLst>
       <p:ext uri="{BB962C8B-B14F-4D97-AF65-F5344CB8AC3E}">
-        <p14:creationId xmlns:p14="http://schemas.microsoft.com/office/powerpoint/2010/main" val="528391342"/>
+        <p14:creationId xmlns:p14="http://schemas.microsoft.com/office/powerpoint/2010/main" val="3906067058"/>
       </p:ext>
     </p:extLst>
   </p:cSld>
@@ -6779,15 +5895,15 @@
           <a:lstStyle/>
           <a:p>
             <a:r>
-              <a:rPr lang="en-GB" sz="4800" b="1" dirty="0" smtClean="0"/>
+              <a:rPr lang="en-GB" sz="4800" b="1" dirty="0"/>
               <a:t>3) </a:t>
             </a:r>
             <a:r>
-              <a:rPr lang="en-GB" sz="4800" b="1" dirty="0" err="1" smtClean="0"/>
+              <a:rPr lang="en-GB" sz="4800" b="1" dirty="0" err="1"/>
               <a:t>Hiaraka</a:t>
             </a:r>
             <a:r>
-              <a:rPr lang="en-GB" sz="4800" b="1" dirty="0" smtClean="0"/>
+              <a:rPr lang="en-GB" sz="4800" b="1" dirty="0"/>
               <a:t> </a:t>
             </a:r>
             <a:r>
@@ -6810,12 +5926,8 @@
               <a:rPr lang="en-GB" sz="4800" b="1" dirty="0" err="1"/>
               <a:t>ry</a:t>
             </a:r>
-            <a:r>
-              <a:rPr lang="en-GB" sz="4800" b="1" dirty="0" smtClean="0"/>
-              <a:t/>
-            </a:r>
             <a:br>
-              <a:rPr lang="en-GB" sz="4800" b="1" dirty="0" smtClean="0"/>
+              <a:rPr lang="en-GB" sz="4800" b="1" dirty="0"/>
             </a:br>
             <a:r>
               <a:rPr lang="en-GB" sz="4800" b="1" dirty="0"/>
@@ -6837,19 +5949,15 @@
               <a:rPr lang="en-GB" sz="4800" b="1" dirty="0" err="1"/>
               <a:t>Tompoko</a:t>
             </a:r>
-            <a:r>
-              <a:rPr lang="en-GB" sz="4800" b="1" dirty="0" smtClean="0"/>
-              <a:t/>
-            </a:r>
             <a:br>
-              <a:rPr lang="en-GB" sz="4800" b="1" dirty="0" smtClean="0"/>
+              <a:rPr lang="en-GB" sz="4800" b="1" dirty="0"/>
             </a:br>
             <a:r>
-              <a:rPr lang="en-GB" sz="4800" b="1" dirty="0" err="1" smtClean="0"/>
+              <a:rPr lang="en-GB" sz="4800" b="1" dirty="0" err="1"/>
               <a:t>Ho</a:t>
             </a:r>
             <a:r>
-              <a:rPr lang="en-GB" sz="4800" b="1" dirty="0" smtClean="0"/>
+              <a:rPr lang="en-GB" sz="4800" b="1" dirty="0"/>
               <a:t> </a:t>
             </a:r>
             <a:r>
@@ -6872,12 +5980,8 @@
               <a:rPr lang="en-GB" sz="4800" b="1" dirty="0" err="1"/>
               <a:t>anie</a:t>
             </a:r>
-            <a:r>
-              <a:rPr lang="en-GB" sz="4800" b="1" dirty="0" smtClean="0"/>
-              <a:t/>
-            </a:r>
             <a:br>
-              <a:rPr lang="en-GB" sz="4800" b="1" dirty="0" smtClean="0"/>
+              <a:rPr lang="en-GB" sz="4800" b="1" dirty="0"/>
             </a:br>
             <a:r>
               <a:rPr lang="en-GB" sz="4800" b="1" dirty="0"/>
@@ -6895,19 +5999,15 @@
               <a:rPr lang="en-GB" sz="4800" b="1" dirty="0" err="1"/>
               <a:t>fahoriako</a:t>
             </a:r>
-            <a:r>
-              <a:rPr lang="en-GB" sz="4800" b="1" dirty="0" smtClean="0"/>
-              <a:t/>
-            </a:r>
             <a:br>
-              <a:rPr lang="en-GB" sz="4800" b="1" dirty="0" smtClean="0"/>
+              <a:rPr lang="en-GB" sz="4800" b="1" dirty="0"/>
             </a:br>
             <a:r>
-              <a:rPr lang="en-GB" sz="4800" b="1" dirty="0" err="1" smtClean="0"/>
+              <a:rPr lang="en-GB" sz="4800" b="1" dirty="0" err="1"/>
               <a:t>Hanara-dia</a:t>
             </a:r>
             <a:r>
-              <a:rPr lang="en-GB" sz="4800" b="1" dirty="0" smtClean="0"/>
+              <a:rPr lang="en-GB" sz="4800" b="1" dirty="0"/>
               <a:t> </a:t>
             </a:r>
             <a:r>
@@ -6926,12 +6026,8 @@
               <a:rPr lang="en-GB" sz="4800" b="1" dirty="0"/>
               <a:t> no</a:t>
             </a:r>
-            <a:r>
-              <a:rPr lang="en-GB" sz="4800" b="1" dirty="0" smtClean="0"/>
-              <a:t/>
-            </a:r>
             <a:br>
-              <a:rPr lang="en-GB" sz="4800" b="1" dirty="0" smtClean="0"/>
+              <a:rPr lang="en-GB" sz="4800" b="1" dirty="0"/>
             </a:br>
             <a:r>
               <a:rPr lang="en-GB" sz="4800" b="1" dirty="0"/>
@@ -6941,19 +6037,15 @@
               <a:rPr lang="en-GB" sz="4800" b="1" dirty="0" err="1"/>
               <a:t>faniriako</a:t>
             </a:r>
-            <a:r>
-              <a:rPr lang="en-GB" sz="4800" b="1" dirty="0" smtClean="0"/>
-              <a:t/>
-            </a:r>
             <a:br>
-              <a:rPr lang="en-GB" sz="4800" b="1" dirty="0" smtClean="0"/>
+              <a:rPr lang="en-GB" sz="4800" b="1" dirty="0"/>
             </a:br>
             <a:r>
-              <a:rPr lang="en-GB" sz="4800" b="1" dirty="0" err="1" smtClean="0"/>
+              <a:rPr lang="en-GB" sz="4800" b="1" dirty="0" err="1"/>
               <a:t>Hifantsika</a:t>
             </a:r>
             <a:r>
-              <a:rPr lang="en-GB" sz="4800" b="1" dirty="0" smtClean="0"/>
+              <a:rPr lang="en-GB" sz="4800" b="1" dirty="0"/>
               <a:t> </a:t>
             </a:r>
             <a:r>
@@ -6965,7 +6057,7 @@
               <a:t> </a:t>
             </a:r>
             <a:r>
-              <a:rPr lang="en-GB" sz="4800" b="1" dirty="0" err="1" smtClean="0"/>
+              <a:rPr lang="en-GB" sz="4800" b="1" dirty="0" err="1"/>
               <a:t>aho</a:t>
             </a:r>
             <a:r>
@@ -6973,16 +6065,12 @@
               <a:t> </a:t>
             </a:r>
             <a:r>
-              <a:rPr lang="en-GB" sz="4800" b="1" dirty="0" err="1" smtClean="0"/>
+              <a:rPr lang="en-GB" sz="4800" b="1" dirty="0" err="1"/>
               <a:t>Jesoa</a:t>
             </a:r>
             <a:r>
-              <a:rPr lang="en-GB" sz="4800" b="1" dirty="0" smtClean="0"/>
-              <a:t> </a:t>
-            </a:r>
-            <a:r>
-              <a:rPr lang="en-GB" sz="4800" b="1" dirty="0"/>
-              <a:t>!</a:t>
+              <a:rPr lang="en-GB" sz="4800" b="1" dirty="0"/>
+              <a:t> !</a:t>
             </a:r>
           </a:p>
         </p:txBody>
@@ -7024,7 +6112,7 @@
         </p:nvSpPr>
         <p:spPr>
           <a:xfrm>
-            <a:off x="-35496" y="339502"/>
+            <a:off x="-108520" y="482189"/>
             <a:ext cx="9144000" cy="4393437"/>
           </a:xfrm>
         </p:spPr>
@@ -7035,10 +6123,7 @@
           <a:lstStyle/>
           <a:p>
             <a:r>
-              <a:rPr lang="en-GB" sz="5400" b="1" i="1" dirty="0" err="1" smtClean="0">
-                <a:solidFill>
-                  <a:srgbClr val="0070C0"/>
-                </a:solidFill>
+              <a:rPr lang="en-GB" sz="5400" b="1" i="1" dirty="0" err="1">
                 <a:effectLst>
                   <a:outerShdw blurRad="38100" dist="38100" dir="2700000" algn="tl">
                     <a:srgbClr val="000000">
@@ -7050,25 +6135,19 @@
               <a:t>Tiako</a:t>
             </a:r>
             <a:r>
-              <a:rPr lang="en-GB" sz="5400" b="1" i="1" dirty="0" smtClean="0">
-                <a:solidFill>
-                  <a:srgbClr val="0070C0"/>
-                </a:solidFill>
-                <a:effectLst>
-                  <a:outerShdw blurRad="38100" dist="38100" dir="2700000" algn="tl">
-                    <a:srgbClr val="000000">
-                      <a:alpha val="43137"/>
-                    </a:srgbClr>
-                  </a:outerShdw>
-                </a:effectLst>
-              </a:rPr>
-              <a:t> </a:t>
-            </a:r>
-            <a:r>
-              <a:rPr lang="en-GB" sz="5400" b="1" i="1" dirty="0" err="1" smtClean="0">
-                <a:solidFill>
-                  <a:srgbClr val="0070C0"/>
-                </a:solidFill>
+              <a:rPr lang="en-GB" sz="5400" b="1" i="1" dirty="0">
+                <a:effectLst>
+                  <a:outerShdw blurRad="38100" dist="38100" dir="2700000" algn="tl">
+                    <a:srgbClr val="000000">
+                      <a:alpha val="43137"/>
+                    </a:srgbClr>
+                  </a:outerShdw>
+                </a:effectLst>
+              </a:rPr>
+              <a:t> </a:t>
+            </a:r>
+            <a:r>
+              <a:rPr lang="en-GB" sz="5400" b="1" i="1" dirty="0" err="1">
                 <a:effectLst>
                   <a:outerShdw blurRad="38100" dist="38100" dir="2700000" algn="tl">
                     <a:srgbClr val="000000">
@@ -7080,25 +6159,19 @@
               <a:t>ny</a:t>
             </a:r>
             <a:r>
-              <a:rPr lang="en-GB" sz="5400" b="1" i="1" dirty="0" smtClean="0">
-                <a:solidFill>
-                  <a:srgbClr val="0070C0"/>
-                </a:solidFill>
-                <a:effectLst>
-                  <a:outerShdw blurRad="38100" dist="38100" dir="2700000" algn="tl">
-                    <a:srgbClr val="000000">
-                      <a:alpha val="43137"/>
-                    </a:srgbClr>
-                  </a:outerShdw>
-                </a:effectLst>
-              </a:rPr>
-              <a:t> </a:t>
-            </a:r>
-            <a:r>
-              <a:rPr lang="en-GB" sz="5400" b="1" i="1" dirty="0" err="1" smtClean="0">
-                <a:solidFill>
-                  <a:srgbClr val="0070C0"/>
-                </a:solidFill>
+              <a:rPr lang="en-GB" sz="5400" b="1" i="1" dirty="0">
+                <a:effectLst>
+                  <a:outerShdw blurRad="38100" dist="38100" dir="2700000" algn="tl">
+                    <a:srgbClr val="000000">
+                      <a:alpha val="43137"/>
+                    </a:srgbClr>
+                  </a:outerShdw>
+                </a:effectLst>
+              </a:rPr>
+              <a:t> </a:t>
+            </a:r>
+            <a:r>
+              <a:rPr lang="en-GB" sz="5400" b="1" i="1" dirty="0" err="1">
                 <a:effectLst>
                   <a:outerShdw blurRad="38100" dist="38100" dir="2700000" algn="tl">
                     <a:srgbClr val="000000">
@@ -7110,25 +6183,19 @@
               <a:t>hiaraka</a:t>
             </a:r>
             <a:r>
-              <a:rPr lang="en-GB" sz="5400" b="1" i="1" dirty="0" smtClean="0">
-                <a:solidFill>
-                  <a:srgbClr val="0070C0"/>
-                </a:solidFill>
-                <a:effectLst>
-                  <a:outerShdw blurRad="38100" dist="38100" dir="2700000" algn="tl">
-                    <a:srgbClr val="000000">
-                      <a:alpha val="43137"/>
-                    </a:srgbClr>
-                  </a:outerShdw>
-                </a:effectLst>
-              </a:rPr>
-              <a:t> </a:t>
-            </a:r>
-            <a:r>
-              <a:rPr lang="en-GB" sz="5400" b="1" i="1" dirty="0" err="1" smtClean="0">
-                <a:solidFill>
-                  <a:srgbClr val="0070C0"/>
-                </a:solidFill>
+              <a:rPr lang="en-GB" sz="5400" b="1" i="1" dirty="0">
+                <a:effectLst>
+                  <a:outerShdw blurRad="38100" dist="38100" dir="2700000" algn="tl">
+                    <a:srgbClr val="000000">
+                      <a:alpha val="43137"/>
+                    </a:srgbClr>
+                  </a:outerShdw>
+                </a:effectLst>
+              </a:rPr>
+              <a:t> </a:t>
+            </a:r>
+            <a:r>
+              <a:rPr lang="en-GB" sz="5400" b="1" i="1" dirty="0" err="1">
                 <a:effectLst>
                   <a:outerShdw blurRad="38100" dist="38100" dir="2700000" algn="tl">
                     <a:srgbClr val="000000">
@@ -7139,26 +6206,8 @@
               </a:rPr>
               <a:t>Aminao</a:t>
             </a:r>
-            <a:r>
-              <a:rPr lang="en-GB" sz="5400" b="1" i="1" dirty="0" smtClean="0">
-                <a:solidFill>
-                  <a:srgbClr val="0070C0"/>
-                </a:solidFill>
-                <a:effectLst>
-                  <a:outerShdw blurRad="38100" dist="38100" dir="2700000" algn="tl">
-                    <a:srgbClr val="000000">
-                      <a:alpha val="43137"/>
-                    </a:srgbClr>
-                  </a:outerShdw>
-                </a:effectLst>
-              </a:rPr>
-              <a:t/>
-            </a:r>
             <a:br>
-              <a:rPr lang="en-GB" sz="5400" b="1" i="1" dirty="0" smtClean="0">
-                <a:solidFill>
-                  <a:srgbClr val="0070C0"/>
-                </a:solidFill>
+              <a:rPr lang="en-GB" sz="5400" b="1" i="1" dirty="0">
                 <a:effectLst>
                   <a:outerShdw blurRad="38100" dist="38100" dir="2700000" algn="tl">
                     <a:srgbClr val="000000">
@@ -7169,25 +6218,7 @@
               </a:rPr>
             </a:br>
             <a:r>
-              <a:rPr lang="en-GB" sz="5400" b="1" i="1" dirty="0" smtClean="0">
-                <a:solidFill>
-                  <a:srgbClr val="0070C0"/>
-                </a:solidFill>
-                <a:effectLst>
-                  <a:outerShdw blurRad="38100" dist="38100" dir="2700000" algn="tl">
-                    <a:srgbClr val="000000">
-                      <a:alpha val="43137"/>
-                    </a:srgbClr>
-                  </a:outerShdw>
-                </a:effectLst>
-              </a:rPr>
-              <a:t>              </a:t>
-            </a:r>
-            <a:r>
-              <a:rPr lang="en-GB" sz="5400" b="1" i="1" dirty="0" err="1" smtClean="0">
-                <a:solidFill>
-                  <a:srgbClr val="0070C0"/>
-                </a:solidFill>
+              <a:rPr lang="en-GB" sz="5400" b="1" i="1" dirty="0" err="1">
                 <a:effectLst>
                   <a:outerShdw blurRad="38100" dist="38100" dir="2700000" algn="tl">
                     <a:srgbClr val="000000">
@@ -7198,26 +6229,8 @@
               </a:rPr>
               <a:t>Jesoa</a:t>
             </a:r>
-            <a:r>
-              <a:rPr lang="en-GB" sz="5400" b="1" i="1" dirty="0" smtClean="0">
-                <a:solidFill>
-                  <a:srgbClr val="0070C0"/>
-                </a:solidFill>
-                <a:effectLst>
-                  <a:outerShdw blurRad="38100" dist="38100" dir="2700000" algn="tl">
-                    <a:srgbClr val="000000">
-                      <a:alpha val="43137"/>
-                    </a:srgbClr>
-                  </a:outerShdw>
-                </a:effectLst>
-              </a:rPr>
-              <a:t/>
-            </a:r>
             <a:br>
-              <a:rPr lang="en-GB" sz="5400" b="1" i="1" dirty="0" smtClean="0">
-                <a:solidFill>
-                  <a:srgbClr val="0070C0"/>
-                </a:solidFill>
+              <a:rPr lang="en-GB" sz="5400" b="1" i="1" dirty="0">
                 <a:effectLst>
                   <a:outerShdw blurRad="38100" dist="38100" dir="2700000" algn="tl">
                     <a:srgbClr val="000000">
@@ -7228,10 +6241,7 @@
               </a:rPr>
             </a:br>
             <a:r>
-              <a:rPr lang="en-GB" sz="5400" b="1" i="1" dirty="0" smtClean="0">
-                <a:solidFill>
-                  <a:srgbClr val="0070C0"/>
-                </a:solidFill>
+              <a:rPr lang="en-GB" sz="5400" b="1" i="1" dirty="0">
                 <a:effectLst>
                   <a:outerShdw blurRad="38100" dist="38100" dir="2700000" algn="tl">
                     <a:srgbClr val="000000">
@@ -7243,10 +6253,7 @@
               <a:t>    Na  </a:t>
             </a:r>
             <a:r>
-              <a:rPr lang="en-GB" sz="5400" b="1" i="1" dirty="0" err="1" smtClean="0">
-                <a:solidFill>
-                  <a:srgbClr val="0070C0"/>
-                </a:solidFill>
+              <a:rPr lang="en-GB" sz="5400" b="1" i="1" dirty="0" err="1">
                 <a:effectLst>
                   <a:outerShdw blurRad="38100" dist="38100" dir="2700000" algn="tl">
                     <a:srgbClr val="000000">
@@ -7258,25 +6265,19 @@
               <a:t>aiza</a:t>
             </a:r>
             <a:r>
-              <a:rPr lang="en-GB" sz="5400" b="1" i="1" dirty="0" smtClean="0">
-                <a:solidFill>
-                  <a:srgbClr val="0070C0"/>
-                </a:solidFill>
-                <a:effectLst>
-                  <a:outerShdw blurRad="38100" dist="38100" dir="2700000" algn="tl">
-                    <a:srgbClr val="000000">
-                      <a:alpha val="43137"/>
-                    </a:srgbClr>
-                  </a:outerShdw>
-                </a:effectLst>
-              </a:rPr>
-              <a:t> </a:t>
-            </a:r>
-            <a:r>
-              <a:rPr lang="en-GB" sz="5400" b="1" i="1" dirty="0" err="1" smtClean="0">
-                <a:solidFill>
-                  <a:srgbClr val="0070C0"/>
-                </a:solidFill>
+              <a:rPr lang="en-GB" sz="5400" b="1" i="1" dirty="0">
+                <a:effectLst>
+                  <a:outerShdw blurRad="38100" dist="38100" dir="2700000" algn="tl">
+                    <a:srgbClr val="000000">
+                      <a:alpha val="43137"/>
+                    </a:srgbClr>
+                  </a:outerShdw>
+                </a:effectLst>
+              </a:rPr>
+              <a:t> </a:t>
+            </a:r>
+            <a:r>
+              <a:rPr lang="en-GB" sz="5400" b="1" i="1" dirty="0" err="1">
                 <a:effectLst>
                   <a:outerShdw blurRad="38100" dist="38100" dir="2700000" algn="tl">
                     <a:srgbClr val="000000">
@@ -7288,10 +6289,7 @@
               <a:t>na</a:t>
             </a:r>
             <a:r>
-              <a:rPr lang="en-GB" sz="5400" b="1" i="1" dirty="0" smtClean="0">
-                <a:solidFill>
-                  <a:srgbClr val="0070C0"/>
-                </a:solidFill>
+              <a:rPr lang="en-GB" sz="5400" b="1" i="1" dirty="0">
                 <a:effectLst>
                   <a:outerShdw blurRad="38100" dist="38100" dir="2700000" algn="tl">
                     <a:srgbClr val="000000">
@@ -7303,10 +6301,7 @@
               <a:t>  </a:t>
             </a:r>
             <a:r>
-              <a:rPr lang="en-GB" sz="5400" b="1" i="1" dirty="0" err="1" smtClean="0">
-                <a:solidFill>
-                  <a:srgbClr val="0070C0"/>
-                </a:solidFill>
+              <a:rPr lang="en-GB" sz="5400" b="1" i="1" dirty="0" err="1">
                 <a:effectLst>
                   <a:outerShdw blurRad="38100" dist="38100" dir="2700000" algn="tl">
                     <a:srgbClr val="000000">
@@ -7318,25 +6313,19 @@
               <a:t>aiza</a:t>
             </a:r>
             <a:r>
-              <a:rPr lang="en-GB" sz="5400" b="1" i="1" dirty="0" smtClean="0">
-                <a:solidFill>
-                  <a:srgbClr val="0070C0"/>
-                </a:solidFill>
-                <a:effectLst>
-                  <a:outerShdw blurRad="38100" dist="38100" dir="2700000" algn="tl">
-                    <a:srgbClr val="000000">
-                      <a:alpha val="43137"/>
-                    </a:srgbClr>
-                  </a:outerShdw>
-                </a:effectLst>
-              </a:rPr>
-              <a:t> </a:t>
-            </a:r>
-            <a:r>
-              <a:rPr lang="en-GB" sz="5400" b="1" i="1" dirty="0" err="1" smtClean="0">
-                <a:solidFill>
-                  <a:srgbClr val="0070C0"/>
-                </a:solidFill>
+              <a:rPr lang="en-GB" sz="5400" b="1" i="1" dirty="0">
+                <a:effectLst>
+                  <a:outerShdw blurRad="38100" dist="38100" dir="2700000" algn="tl">
+                    <a:srgbClr val="000000">
+                      <a:alpha val="43137"/>
+                    </a:srgbClr>
+                  </a:outerShdw>
+                </a:effectLst>
+              </a:rPr>
+              <a:t> </a:t>
+            </a:r>
+            <a:r>
+              <a:rPr lang="en-GB" sz="5400" b="1" i="1" dirty="0" err="1">
                 <a:effectLst>
                   <a:outerShdw blurRad="38100" dist="38100" dir="2700000" algn="tl">
                     <a:srgbClr val="000000">
@@ -7347,26 +6336,8 @@
               </a:rPr>
               <a:t>hitondranao</a:t>
             </a:r>
-            <a:r>
-              <a:rPr lang="en-GB" sz="5400" b="1" i="1" dirty="0" smtClean="0">
-                <a:solidFill>
-                  <a:srgbClr val="0070C0"/>
-                </a:solidFill>
-                <a:effectLst>
-                  <a:outerShdw blurRad="38100" dist="38100" dir="2700000" algn="tl">
-                    <a:srgbClr val="000000">
-                      <a:alpha val="43137"/>
-                    </a:srgbClr>
-                  </a:outerShdw>
-                </a:effectLst>
-              </a:rPr>
-              <a:t/>
-            </a:r>
             <a:br>
-              <a:rPr lang="en-GB" sz="5400" b="1" i="1" dirty="0" smtClean="0">
-                <a:solidFill>
-                  <a:srgbClr val="0070C0"/>
-                </a:solidFill>
+              <a:rPr lang="en-GB" sz="5400" b="1" i="1" dirty="0">
                 <a:effectLst>
                   <a:outerShdw blurRad="38100" dist="38100" dir="2700000" algn="tl">
                     <a:srgbClr val="000000">
@@ -7377,10 +6348,7 @@
               </a:rPr>
             </a:br>
             <a:r>
-              <a:rPr lang="en-GB" sz="5400" b="1" i="1" dirty="0" smtClean="0">
-                <a:solidFill>
-                  <a:srgbClr val="0070C0"/>
-                </a:solidFill>
+              <a:rPr lang="en-GB" sz="5400" b="1" i="1" dirty="0">
                 <a:effectLst>
                   <a:outerShdw blurRad="38100" dist="38100" dir="2700000" algn="tl">
                     <a:srgbClr val="000000">
@@ -7392,10 +6360,7 @@
               <a:t>             </a:t>
             </a:r>
             <a:r>
-              <a:rPr lang="en-GB" sz="5400" b="1" i="1" dirty="0" err="1" smtClean="0">
-                <a:solidFill>
-                  <a:srgbClr val="0070C0"/>
-                </a:solidFill>
+              <a:rPr lang="en-GB" sz="5400" b="1" i="1" dirty="0" err="1">
                 <a:effectLst>
                   <a:outerShdw blurRad="38100" dist="38100" dir="2700000" algn="tl">
                     <a:srgbClr val="000000">
@@ -7406,26 +6371,8 @@
               </a:rPr>
               <a:t>ahy</a:t>
             </a:r>
-            <a:r>
-              <a:rPr lang="en-GB" sz="5400" b="1" i="1" dirty="0" smtClean="0">
-                <a:solidFill>
-                  <a:srgbClr val="0070C0"/>
-                </a:solidFill>
-                <a:effectLst>
-                  <a:outerShdw blurRad="38100" dist="38100" dir="2700000" algn="tl">
-                    <a:srgbClr val="000000">
-                      <a:alpha val="43137"/>
-                    </a:srgbClr>
-                  </a:outerShdw>
-                </a:effectLst>
-              </a:rPr>
-              <a:t/>
-            </a:r>
             <a:br>
-              <a:rPr lang="en-GB" sz="5400" b="1" i="1" dirty="0" smtClean="0">
-                <a:solidFill>
-                  <a:srgbClr val="0070C0"/>
-                </a:solidFill>
+              <a:rPr lang="en-GB" sz="5400" b="1" i="1" dirty="0">
                 <a:effectLst>
                   <a:outerShdw blurRad="38100" dist="38100" dir="2700000" algn="tl">
                     <a:srgbClr val="000000">
@@ -7436,10 +6383,7 @@
               </a:rPr>
             </a:br>
             <a:r>
-              <a:rPr lang="en-GB" sz="5400" b="1" i="1" dirty="0" smtClean="0">
-                <a:solidFill>
-                  <a:srgbClr val="0070C0"/>
-                </a:solidFill>
+              <a:rPr lang="en-GB" sz="5400" b="1" i="1" dirty="0">
                 <a:effectLst>
                   <a:outerShdw blurRad="38100" dist="38100" dir="2700000" algn="tl">
                     <a:srgbClr val="000000">
@@ -7451,10 +6395,7 @@
               <a:t>    </a:t>
             </a:r>
             <a:r>
-              <a:rPr lang="en-GB" sz="5400" b="1" i="1" dirty="0" err="1" smtClean="0">
-                <a:solidFill>
-                  <a:srgbClr val="0070C0"/>
-                </a:solidFill>
+              <a:rPr lang="en-GB" sz="5400" b="1" i="1" dirty="0" err="1">
                 <a:effectLst>
                   <a:outerShdw blurRad="38100" dist="38100" dir="2700000" algn="tl">
                     <a:srgbClr val="000000">
@@ -7466,25 +6407,19 @@
               <a:t>Tiako</a:t>
             </a:r>
             <a:r>
-              <a:rPr lang="en-GB" sz="5400" b="1" i="1" dirty="0" smtClean="0">
-                <a:solidFill>
-                  <a:srgbClr val="0070C0"/>
-                </a:solidFill>
-                <a:effectLst>
-                  <a:outerShdw blurRad="38100" dist="38100" dir="2700000" algn="tl">
-                    <a:srgbClr val="000000">
-                      <a:alpha val="43137"/>
-                    </a:srgbClr>
-                  </a:outerShdw>
-                </a:effectLst>
-              </a:rPr>
-              <a:t> </a:t>
-            </a:r>
-            <a:r>
-              <a:rPr lang="en-GB" sz="5400" b="1" i="1" dirty="0" err="1" smtClean="0">
-                <a:solidFill>
-                  <a:srgbClr val="0070C0"/>
-                </a:solidFill>
+              <a:rPr lang="en-GB" sz="5400" b="1" i="1" dirty="0">
+                <a:effectLst>
+                  <a:outerShdw blurRad="38100" dist="38100" dir="2700000" algn="tl">
+                    <a:srgbClr val="000000">
+                      <a:alpha val="43137"/>
+                    </a:srgbClr>
+                  </a:outerShdw>
+                </a:effectLst>
+              </a:rPr>
+              <a:t> </a:t>
+            </a:r>
+            <a:r>
+              <a:rPr lang="en-GB" sz="5400" b="1" i="1" dirty="0" err="1">
                 <a:effectLst>
                   <a:outerShdw blurRad="38100" dist="38100" dir="2700000" algn="tl">
                     <a:srgbClr val="000000">
@@ -7496,25 +6431,19 @@
               <a:t>hiaraka</a:t>
             </a:r>
             <a:r>
-              <a:rPr lang="en-GB" sz="5400" b="1" i="1" dirty="0" smtClean="0">
-                <a:solidFill>
-                  <a:srgbClr val="0070C0"/>
-                </a:solidFill>
-                <a:effectLst>
-                  <a:outerShdw blurRad="38100" dist="38100" dir="2700000" algn="tl">
-                    <a:srgbClr val="000000">
-                      <a:alpha val="43137"/>
-                    </a:srgbClr>
-                  </a:outerShdw>
-                </a:effectLst>
-              </a:rPr>
-              <a:t> </a:t>
-            </a:r>
-            <a:r>
-              <a:rPr lang="en-GB" sz="5400" b="1" i="1" dirty="0" err="1" smtClean="0">
-                <a:solidFill>
-                  <a:srgbClr val="0070C0"/>
-                </a:solidFill>
+              <a:rPr lang="en-GB" sz="5400" b="1" i="1" dirty="0">
+                <a:effectLst>
+                  <a:outerShdw blurRad="38100" dist="38100" dir="2700000" algn="tl">
+                    <a:srgbClr val="000000">
+                      <a:alpha val="43137"/>
+                    </a:srgbClr>
+                  </a:outerShdw>
+                </a:effectLst>
+              </a:rPr>
+              <a:t> </a:t>
+            </a:r>
+            <a:r>
+              <a:rPr lang="en-GB" sz="5400" b="1" i="1" dirty="0" err="1">
                 <a:effectLst>
                   <a:outerShdw blurRad="38100" dist="38100" dir="2700000" algn="tl">
                     <a:srgbClr val="000000">
@@ -7526,25 +6455,19 @@
               <a:t>Aminao</a:t>
             </a:r>
             <a:r>
-              <a:rPr lang="en-GB" sz="5400" b="1" i="1" dirty="0" smtClean="0">
-                <a:solidFill>
-                  <a:srgbClr val="0070C0"/>
-                </a:solidFill>
-                <a:effectLst>
-                  <a:outerShdw blurRad="38100" dist="38100" dir="2700000" algn="tl">
-                    <a:srgbClr val="000000">
-                      <a:alpha val="43137"/>
-                    </a:srgbClr>
-                  </a:outerShdw>
-                </a:effectLst>
-              </a:rPr>
-              <a:t> </a:t>
-            </a:r>
-            <a:r>
-              <a:rPr lang="en-GB" sz="5400" b="1" i="1" dirty="0" err="1" smtClean="0">
-                <a:solidFill>
-                  <a:srgbClr val="0070C0"/>
-                </a:solidFill>
+              <a:rPr lang="en-GB" sz="5400" b="1" i="1" dirty="0">
+                <a:effectLst>
+                  <a:outerShdw blurRad="38100" dist="38100" dir="2700000" algn="tl">
+                    <a:srgbClr val="000000">
+                      <a:alpha val="43137"/>
+                    </a:srgbClr>
+                  </a:outerShdw>
+                </a:effectLst>
+              </a:rPr>
+              <a:t> </a:t>
+            </a:r>
+            <a:r>
+              <a:rPr lang="en-GB" sz="5400" b="1" i="1" dirty="0" err="1">
                 <a:effectLst>
                   <a:outerShdw blurRad="38100" dist="38100" dir="2700000" algn="tl">
                     <a:srgbClr val="000000">
@@ -7555,26 +6478,8 @@
               </a:rPr>
               <a:t>Jesoa</a:t>
             </a:r>
-            <a:r>
-              <a:rPr lang="en-GB" sz="5400" b="1" i="1" dirty="0" smtClean="0">
-                <a:solidFill>
-                  <a:srgbClr val="0070C0"/>
-                </a:solidFill>
-                <a:effectLst>
-                  <a:outerShdw blurRad="38100" dist="38100" dir="2700000" algn="tl">
-                    <a:srgbClr val="000000">
-                      <a:alpha val="43137"/>
-                    </a:srgbClr>
-                  </a:outerShdw>
-                </a:effectLst>
-              </a:rPr>
-              <a:t/>
-            </a:r>
             <a:br>
-              <a:rPr lang="en-GB" sz="5400" b="1" i="1" dirty="0" smtClean="0">
-                <a:solidFill>
-                  <a:srgbClr val="0070C0"/>
-                </a:solidFill>
+              <a:rPr lang="en-GB" sz="5400" b="1" i="1" dirty="0">
                 <a:effectLst>
                   <a:outerShdw blurRad="38100" dist="38100" dir="2700000" algn="tl">
                     <a:srgbClr val="000000">
@@ -7585,10 +6490,7 @@
               </a:rPr>
             </a:br>
             <a:r>
-              <a:rPr lang="en-GB" sz="5400" b="1" i="1" dirty="0" smtClean="0">
-                <a:solidFill>
-                  <a:srgbClr val="0070C0"/>
-                </a:solidFill>
+              <a:rPr lang="en-GB" sz="5400" b="1" i="1" dirty="0">
                 <a:effectLst>
                   <a:outerShdw blurRad="38100" dist="38100" dir="2700000" algn="tl">
                     <a:srgbClr val="000000">
@@ -7600,10 +6502,7 @@
               <a:t>    </a:t>
             </a:r>
             <a:r>
-              <a:rPr lang="en-GB" sz="5400" b="1" i="1" dirty="0" err="1" smtClean="0">
-                <a:solidFill>
-                  <a:srgbClr val="0070C0"/>
-                </a:solidFill>
+              <a:rPr lang="en-GB" sz="5400" b="1" i="1" dirty="0" err="1">
                 <a:effectLst>
                   <a:outerShdw blurRad="38100" dist="38100" dir="2700000" algn="tl">
                     <a:srgbClr val="000000">
@@ -7615,25 +6514,19 @@
               <a:t>Fa</a:t>
             </a:r>
             <a:r>
-              <a:rPr lang="en-GB" sz="5400" b="1" i="1" dirty="0" smtClean="0">
-                <a:solidFill>
-                  <a:srgbClr val="0070C0"/>
-                </a:solidFill>
-                <a:effectLst>
-                  <a:outerShdw blurRad="38100" dist="38100" dir="2700000" algn="tl">
-                    <a:srgbClr val="000000">
-                      <a:alpha val="43137"/>
-                    </a:srgbClr>
-                  </a:outerShdw>
-                </a:effectLst>
-              </a:rPr>
-              <a:t> </a:t>
-            </a:r>
-            <a:r>
-              <a:rPr lang="en-GB" sz="5400" b="1" i="1" dirty="0" err="1" smtClean="0">
-                <a:solidFill>
-                  <a:srgbClr val="0070C0"/>
-                </a:solidFill>
+              <a:rPr lang="en-GB" sz="5400" b="1" i="1" dirty="0">
+                <a:effectLst>
+                  <a:outerShdw blurRad="38100" dist="38100" dir="2700000" algn="tl">
+                    <a:srgbClr val="000000">
+                      <a:alpha val="43137"/>
+                    </a:srgbClr>
+                  </a:outerShdw>
+                </a:effectLst>
+              </a:rPr>
+              <a:t> </a:t>
+            </a:r>
+            <a:r>
+              <a:rPr lang="en-GB" sz="5400" b="1" i="1" dirty="0" err="1">
                 <a:effectLst>
                   <a:outerShdw blurRad="38100" dist="38100" dir="2700000" algn="tl">
                     <a:srgbClr val="000000">
@@ -7645,10 +6538,7 @@
               <a:t>Hianao</a:t>
             </a:r>
             <a:r>
-              <a:rPr lang="en-GB" sz="5400" b="1" i="1" dirty="0" smtClean="0">
-                <a:solidFill>
-                  <a:srgbClr val="0070C0"/>
-                </a:solidFill>
+              <a:rPr lang="en-GB" sz="5400" b="1" i="1" dirty="0">
                 <a:effectLst>
                   <a:outerShdw blurRad="38100" dist="38100" dir="2700000" algn="tl">
                     <a:srgbClr val="000000">
@@ -7660,10 +6550,7 @@
               <a:t> no </a:t>
             </a:r>
             <a:r>
-              <a:rPr lang="en-GB" sz="5400" b="1" i="1" dirty="0" err="1" smtClean="0">
-                <a:solidFill>
-                  <a:srgbClr val="0070C0"/>
-                </a:solidFill>
+              <a:rPr lang="en-GB" sz="5400" b="1" i="1" dirty="0" err="1">
                 <a:effectLst>
                   <a:outerShdw blurRad="38100" dist="38100" dir="2700000" algn="tl">
                     <a:srgbClr val="000000">
@@ -7675,25 +6562,19 @@
               <a:t>miantso</a:t>
             </a:r>
             <a:r>
-              <a:rPr lang="en-GB" sz="5400" b="1" i="1" dirty="0" smtClean="0">
-                <a:solidFill>
-                  <a:srgbClr val="0070C0"/>
-                </a:solidFill>
-                <a:effectLst>
-                  <a:outerShdw blurRad="38100" dist="38100" dir="2700000" algn="tl">
-                    <a:srgbClr val="000000">
-                      <a:alpha val="43137"/>
-                    </a:srgbClr>
-                  </a:outerShdw>
-                </a:effectLst>
-              </a:rPr>
-              <a:t> </a:t>
-            </a:r>
-            <a:r>
-              <a:rPr lang="en-GB" sz="5400" b="1" i="1" dirty="0" err="1" smtClean="0">
-                <a:solidFill>
-                  <a:srgbClr val="0070C0"/>
-                </a:solidFill>
+              <a:rPr lang="en-GB" sz="5400" b="1" i="1" dirty="0">
+                <a:effectLst>
+                  <a:outerShdw blurRad="38100" dist="38100" dir="2700000" algn="tl">
+                    <a:srgbClr val="000000">
+                      <a:alpha val="43137"/>
+                    </a:srgbClr>
+                  </a:outerShdw>
+                </a:effectLst>
+              </a:rPr>
+              <a:t> </a:t>
+            </a:r>
+            <a:r>
+              <a:rPr lang="en-GB" sz="5400" b="1" i="1" dirty="0" err="1">
                 <a:effectLst>
                   <a:outerShdw blurRad="38100" dist="38100" dir="2700000" algn="tl">
                     <a:srgbClr val="000000">
@@ -7705,10 +6586,7 @@
               <a:t>ahy</a:t>
             </a:r>
             <a:r>
-              <a:rPr lang="en-GB" sz="5400" b="1" i="1" dirty="0" smtClean="0">
-                <a:solidFill>
-                  <a:srgbClr val="0070C0"/>
-                </a:solidFill>
+              <a:rPr lang="en-GB" sz="5400" b="1" i="1" dirty="0">
                 <a:effectLst>
                   <a:outerShdw blurRad="38100" dist="38100" dir="2700000" algn="tl">
                     <a:srgbClr val="000000">
@@ -7720,9 +6598,6 @@
               <a:t>.</a:t>
             </a:r>
             <a:endParaRPr lang="fr-FR" sz="5400" b="1" i="1" dirty="0">
-              <a:solidFill>
-                <a:srgbClr val="0070C0"/>
-              </a:solidFill>
               <a:effectLst>
                 <a:outerShdw blurRad="38100" dist="38100" dir="2700000" algn="tl">
                   <a:srgbClr val="000000">
@@ -7757,7 +6632,7 @@
           <a:lstStyle/>
           <a:p>
             <a:r>
-              <a:rPr lang="fr-FR" sz="4400" i="1" dirty="0" err="1" smtClean="0">
+              <a:rPr lang="fr-FR" sz="4400" i="1" dirty="0" err="1">
                 <a:solidFill>
                   <a:srgbClr val="FF0000"/>
                 </a:solidFill>
@@ -7775,7 +6650,7 @@
     </p:spTree>
     <p:extLst>
       <p:ext uri="{BB962C8B-B14F-4D97-AF65-F5344CB8AC3E}">
-        <p14:creationId xmlns:p14="http://schemas.microsoft.com/office/powerpoint/2010/main" val="2907458033"/>
+        <p14:creationId xmlns:p14="http://schemas.microsoft.com/office/powerpoint/2010/main" val="3131875997"/>
       </p:ext>
     </p:extLst>
   </p:cSld>
@@ -7825,7 +6700,7 @@
           <a:lstStyle/>
           <a:p>
             <a:r>
-              <a:rPr lang="en-GB" b="1" dirty="0" smtClean="0"/>
+              <a:rPr lang="en-GB" b="1" dirty="0"/>
               <a:t>4) </a:t>
             </a:r>
             <a:r>
@@ -7856,12 +6731,8 @@
               <a:rPr lang="en-GB" b="1" dirty="0" err="1"/>
               <a:t>ry</a:t>
             </a:r>
-            <a:r>
-              <a:rPr lang="en-GB" b="1" dirty="0" smtClean="0"/>
-              <a:t/>
-            </a:r>
             <a:br>
-              <a:rPr lang="en-GB" b="1" dirty="0" smtClean="0"/>
+              <a:rPr lang="en-GB" b="1" dirty="0"/>
             </a:br>
             <a:r>
               <a:rPr lang="en-GB" b="1" dirty="0"/>
@@ -7883,19 +6754,15 @@
               <a:rPr lang="en-GB" b="1" dirty="0" err="1"/>
               <a:t>Tompoko</a:t>
             </a:r>
-            <a:r>
-              <a:rPr lang="en-GB" b="1" dirty="0" smtClean="0"/>
-              <a:t/>
-            </a:r>
             <a:br>
-              <a:rPr lang="en-GB" b="1" dirty="0" smtClean="0"/>
+              <a:rPr lang="en-GB" b="1" dirty="0"/>
             </a:br>
             <a:r>
-              <a:rPr lang="en-GB" b="1" dirty="0" err="1" smtClean="0"/>
+              <a:rPr lang="en-GB" b="1" dirty="0" err="1"/>
               <a:t>Hibanjina</a:t>
             </a:r>
             <a:r>
-              <a:rPr lang="en-GB" b="1" dirty="0" smtClean="0"/>
+              <a:rPr lang="en-GB" b="1" dirty="0"/>
               <a:t> </a:t>
             </a:r>
             <a:r>
@@ -7910,12 +6777,8 @@
               <a:rPr lang="en-GB" b="1" dirty="0" err="1"/>
               <a:t>Tompo</a:t>
             </a:r>
-            <a:r>
-              <a:rPr lang="en-GB" b="1" dirty="0" smtClean="0"/>
-              <a:t/>
-            </a:r>
             <a:br>
-              <a:rPr lang="en-GB" b="1" dirty="0" smtClean="0"/>
+              <a:rPr lang="en-GB" b="1" dirty="0"/>
             </a:br>
             <a:r>
               <a:rPr lang="en-GB" b="1" dirty="0"/>
@@ -7929,19 +6792,15 @@
               <a:rPr lang="en-GB" b="1" dirty="0"/>
               <a:t>.</a:t>
             </a:r>
-            <a:r>
-              <a:rPr lang="en-GB" b="1" dirty="0" smtClean="0"/>
-              <a:t/>
-            </a:r>
             <a:br>
-              <a:rPr lang="en-GB" b="1" dirty="0" smtClean="0"/>
+              <a:rPr lang="en-GB" b="1" dirty="0"/>
             </a:br>
             <a:r>
-              <a:rPr lang="en-GB" b="1" dirty="0" err="1" smtClean="0"/>
+              <a:rPr lang="en-GB" b="1" dirty="0" err="1"/>
               <a:t>Hanara-dia</a:t>
             </a:r>
             <a:r>
-              <a:rPr lang="en-GB" b="1" dirty="0" smtClean="0"/>
+              <a:rPr lang="en-GB" b="1" dirty="0"/>
               <a:t> </a:t>
             </a:r>
             <a:r>
@@ -7964,12 +6823,8 @@
               <a:rPr lang="en-GB" b="1" dirty="0"/>
               <a:t> no</a:t>
             </a:r>
-            <a:r>
-              <a:rPr lang="en-GB" b="1" dirty="0" smtClean="0"/>
-              <a:t/>
-            </a:r>
             <a:br>
-              <a:rPr lang="en-GB" b="1" dirty="0" smtClean="0"/>
+              <a:rPr lang="en-GB" b="1" dirty="0"/>
             </a:br>
             <a:r>
               <a:rPr lang="en-GB" b="1" dirty="0"/>
@@ -7983,70 +6838,61 @@
               <a:rPr lang="en-GB" b="1" dirty="0"/>
               <a:t>,</a:t>
             </a:r>
-            <a:r>
-              <a:rPr lang="en-GB" b="1" dirty="0" smtClean="0"/>
-              <a:t/>
-            </a:r>
             <a:br>
-              <a:rPr lang="en-GB" b="1" dirty="0" smtClean="0"/>
+              <a:rPr lang="en-GB" b="1" dirty="0"/>
             </a:br>
             <a:r>
-              <a:rPr lang="en-GB" b="1" i="1" dirty="0" err="1" smtClean="0"/>
+              <a:rPr lang="en-GB" b="1" i="1" dirty="0" err="1"/>
               <a:t>I</a:t>
             </a:r>
             <a:r>
-              <a:rPr lang="en-GB" b="1" dirty="0" err="1" smtClean="0"/>
+              <a:rPr lang="en-GB" b="1" dirty="0" err="1"/>
               <a:t>zay</a:t>
             </a:r>
             <a:r>
-              <a:rPr lang="en-GB" b="1" dirty="0" smtClean="0"/>
-              <a:t> </a:t>
-            </a:r>
-            <a:r>
-              <a:rPr lang="en-GB" b="1" dirty="0" err="1" smtClean="0"/>
+              <a:rPr lang="en-GB" b="1" dirty="0"/>
+              <a:t> </a:t>
+            </a:r>
+            <a:r>
+              <a:rPr lang="en-GB" b="1" dirty="0" err="1"/>
               <a:t>misy</a:t>
             </a:r>
             <a:r>
-              <a:rPr lang="en-GB" b="1" dirty="0" smtClean="0"/>
-              <a:t> </a:t>
-            </a:r>
-            <a:r>
-              <a:rPr lang="en-GB" b="1" dirty="0" err="1" smtClean="0"/>
+              <a:rPr lang="en-GB" b="1" dirty="0"/>
+              <a:t> </a:t>
+            </a:r>
+            <a:r>
+              <a:rPr lang="en-GB" b="1" dirty="0" err="1"/>
               <a:t>Anao</a:t>
             </a:r>
             <a:r>
-              <a:rPr lang="en-GB" b="1" dirty="0" smtClean="0"/>
+              <a:rPr lang="en-GB" b="1" dirty="0"/>
               <a:t>, no </a:t>
             </a:r>
             <a:r>
-              <a:rPr lang="en-GB" b="1" dirty="0" err="1" smtClean="0"/>
+              <a:rPr lang="en-GB" b="1" dirty="0" err="1"/>
               <a:t>hisy</a:t>
             </a:r>
             <a:r>
-              <a:rPr lang="en-GB" b="1" dirty="0" smtClean="0"/>
-              <a:t> </a:t>
-            </a:r>
-            <a:r>
-              <a:rPr lang="en-GB" b="1" dirty="0" err="1" smtClean="0"/>
+              <a:rPr lang="en-GB" b="1" dirty="0"/>
+              <a:t> </a:t>
+            </a:r>
+            <a:r>
+              <a:rPr lang="en-GB" b="1" dirty="0" err="1"/>
               <a:t>ahy</a:t>
             </a:r>
             <a:r>
-              <a:rPr lang="en-GB" b="1" dirty="0" smtClean="0"/>
+              <a:rPr lang="en-GB" b="1" dirty="0"/>
+              <a:t>, </a:t>
+            </a:r>
+            <a:r>
+              <a:rPr lang="en-GB" b="1" dirty="0" err="1"/>
+              <a:t>Jesoa</a:t>
+            </a:r>
+            <a:r>
+              <a:rPr lang="en-GB" b="1" dirty="0"/>
               <a:t>,</a:t>
             </a:r>
-            <a:r>
-              <a:rPr lang="en-GB" b="1" dirty="0"/>
-              <a:t> </a:t>
-            </a:r>
-            <a:r>
-              <a:rPr lang="en-GB" b="1" dirty="0" err="1" smtClean="0"/>
-              <a:t>Jesoa</a:t>
-            </a:r>
-            <a:r>
-              <a:rPr lang="en-GB" b="1" dirty="0" smtClean="0"/>
-              <a:t>,</a:t>
-            </a:r>
-            <a:endParaRPr lang="en-GB" b="1" dirty="0"/>
           </a:p>
         </p:txBody>
       </p:sp>
